--- a/thanhdvh.pptx
+++ b/thanhdvh.pptx
@@ -5,10 +5,10 @@
     <p:sldMasterId id="2147483657" r:id="rId1"/>
   </p:sldMasterIdLst>
   <p:notesMasterIdLst>
-    <p:notesMasterId r:id="rId8"/>
+    <p:notesMasterId r:id="rId10"/>
   </p:notesMasterIdLst>
   <p:handoutMasterIdLst>
-    <p:handoutMasterId r:id="rId9"/>
+    <p:handoutMasterId r:id="rId11"/>
   </p:handoutMasterIdLst>
   <p:sldIdLst>
     <p:sldId id="256" r:id="rId2"/>
@@ -16,7 +16,9 @@
     <p:sldId id="258" r:id="rId4"/>
     <p:sldId id="259" r:id="rId5"/>
     <p:sldId id="260" r:id="rId6"/>
-    <p:sldId id="261" r:id="rId7"/>
+    <p:sldId id="262" r:id="rId7"/>
+    <p:sldId id="261" r:id="rId8"/>
+    <p:sldId id="263" r:id="rId9"/>
   </p:sldIdLst>
   <p:sldSz cx="9144000" cy="6858000" type="screen4x3"/>
   <p:notesSz cx="6805613" cy="9939338"/>
@@ -181,6 +183,1003 @@
     </p:ext>
   </p:extLst>
 </p:presentation>
+</file>
+
+<file path=ppt/charts/chart1.xml><?xml version="1.0" encoding="utf-8"?>
+<c:chartSpace xmlns:c="http://schemas.openxmlformats.org/drawingml/2006/chart" xmlns:a="http://schemas.openxmlformats.org/drawingml/2006/main" xmlns:r="http://schemas.openxmlformats.org/officeDocument/2006/relationships" xmlns:c16r2="http://schemas.microsoft.com/office/drawing/2015/06/chart">
+  <c:date1904 val="0"/>
+  <c:lang val="en-US"/>
+  <c:roundedCorners val="0"/>
+  <mc:AlternateContent xmlns:mc="http://schemas.openxmlformats.org/markup-compatibility/2006">
+    <mc:Choice xmlns:c14="http://schemas.microsoft.com/office/drawing/2007/8/2/chart" Requires="c14">
+      <c14:style val="102"/>
+    </mc:Choice>
+    <mc:Fallback>
+      <c:style val="2"/>
+    </mc:Fallback>
+  </mc:AlternateContent>
+  <c:chart>
+    <c:title>
+      <c:tx>
+        <c:rich>
+          <a:bodyPr rot="0" spcFirstLastPara="1" vertOverflow="ellipsis" vert="horz" wrap="square" anchor="ctr" anchorCtr="1"/>
+          <a:lstStyle/>
+          <a:p>
+            <a:pPr>
+              <a:defRPr sz="3200" b="0" i="0" u="none" strike="noStrike" kern="1200" spc="0" baseline="0">
+                <a:solidFill>
+                  <a:schemeClr val="tx1">
+                    <a:lumMod val="65000"/>
+                    <a:lumOff val="35000"/>
+                  </a:schemeClr>
+                </a:solidFill>
+                <a:latin typeface="+mn-lt"/>
+                <a:ea typeface="+mn-ea"/>
+                <a:cs typeface="+mn-cs"/>
+              </a:defRPr>
+            </a:pPr>
+            <a:r>
+              <a:rPr lang="en-US" sz="3200" b="1" i="0" u="none" strike="noStrike" baseline="0" dirty="0">
+                <a:solidFill>
+                  <a:schemeClr val="accent5">
+                    <a:lumMod val="75000"/>
+                  </a:schemeClr>
+                </a:solidFill>
+              </a:rPr>
+              <a:t>Technical skills</a:t>
+            </a:r>
+            <a:endParaRPr lang="en-US" sz="3200" b="1" dirty="0">
+              <a:solidFill>
+                <a:schemeClr val="accent5">
+                  <a:lumMod val="75000"/>
+                </a:schemeClr>
+              </a:solidFill>
+            </a:endParaRPr>
+          </a:p>
+        </c:rich>
+      </c:tx>
+      <c:layout/>
+      <c:overlay val="0"/>
+      <c:spPr>
+        <a:solidFill>
+          <a:schemeClr val="bg1"/>
+        </a:solidFill>
+        <a:ln>
+          <a:noFill/>
+        </a:ln>
+        <a:effectLst/>
+      </c:spPr>
+      <c:txPr>
+        <a:bodyPr rot="0" spcFirstLastPara="1" vertOverflow="ellipsis" vert="horz" wrap="square" anchor="ctr" anchorCtr="1"/>
+        <a:lstStyle/>
+        <a:p>
+          <a:pPr>
+            <a:defRPr sz="3200" b="0" i="0" u="none" strike="noStrike" kern="1200" spc="0" baseline="0">
+              <a:solidFill>
+                <a:schemeClr val="tx1">
+                  <a:lumMod val="65000"/>
+                  <a:lumOff val="35000"/>
+                </a:schemeClr>
+              </a:solidFill>
+              <a:latin typeface="+mn-lt"/>
+              <a:ea typeface="+mn-ea"/>
+              <a:cs typeface="+mn-cs"/>
+            </a:defRPr>
+          </a:pPr>
+          <a:endParaRPr lang="en-US"/>
+        </a:p>
+      </c:txPr>
+    </c:title>
+    <c:autoTitleDeleted val="0"/>
+    <c:plotArea>
+      <c:layout/>
+      <c:barChart>
+        <c:barDir val="col"/>
+        <c:grouping val="clustered"/>
+        <c:varyColors val="0"/>
+        <c:ser>
+          <c:idx val="0"/>
+          <c:order val="0"/>
+          <c:tx>
+            <c:strRef>
+              <c:f>Sheet1!$A$2</c:f>
+              <c:strCache>
+                <c:ptCount val="1"/>
+                <c:pt idx="0">
+                  <c:v>Before</c:v>
+                </c:pt>
+              </c:strCache>
+            </c:strRef>
+          </c:tx>
+          <c:spPr>
+            <a:solidFill>
+              <a:schemeClr val="accent4">
+                <a:lumMod val="60000"/>
+                <a:lumOff val="40000"/>
+              </a:schemeClr>
+            </a:solidFill>
+            <a:ln>
+              <a:noFill/>
+            </a:ln>
+            <a:effectLst/>
+          </c:spPr>
+          <c:invertIfNegative val="0"/>
+          <c:cat>
+            <c:strRef>
+              <c:f>Sheet1!$B$1:$G$1</c:f>
+              <c:strCache>
+                <c:ptCount val="6"/>
+                <c:pt idx="0">
+                  <c:v>Angular</c:v>
+                </c:pt>
+                <c:pt idx="1">
+                  <c:v>Agile/Scrum</c:v>
+                </c:pt>
+                <c:pt idx="2">
+                  <c:v>Nest.js</c:v>
+                </c:pt>
+                <c:pt idx="3">
+                  <c:v>Git/Sourcetree</c:v>
+                </c:pt>
+                <c:pt idx="4">
+                  <c:v>Postgresql</c:v>
+                </c:pt>
+                <c:pt idx="5">
+                  <c:v>.Net</c:v>
+                </c:pt>
+              </c:strCache>
+            </c:strRef>
+          </c:cat>
+          <c:val>
+            <c:numRef>
+              <c:f>Sheet1!$B$2:$G$2</c:f>
+              <c:numCache>
+                <c:formatCode>General</c:formatCode>
+                <c:ptCount val="6"/>
+                <c:pt idx="0">
+                  <c:v>3</c:v>
+                </c:pt>
+                <c:pt idx="1">
+                  <c:v>1</c:v>
+                </c:pt>
+                <c:pt idx="2">
+                  <c:v>1</c:v>
+                </c:pt>
+                <c:pt idx="3">
+                  <c:v>3</c:v>
+                </c:pt>
+                <c:pt idx="4">
+                  <c:v>3</c:v>
+                </c:pt>
+                <c:pt idx="5">
+                  <c:v>2</c:v>
+                </c:pt>
+              </c:numCache>
+            </c:numRef>
+          </c:val>
+          <c:extLst>
+            <c:ext xmlns:c16="http://schemas.microsoft.com/office/drawing/2014/chart" uri="{C3380CC4-5D6E-409C-BE32-E72D297353CC}">
+              <c16:uniqueId val="{00000000-B03A-4F74-9236-03897D22F9B1}"/>
+            </c:ext>
+          </c:extLst>
+        </c:ser>
+        <c:ser>
+          <c:idx val="1"/>
+          <c:order val="1"/>
+          <c:tx>
+            <c:strRef>
+              <c:f>Sheet1!$A$3</c:f>
+              <c:strCache>
+                <c:ptCount val="1"/>
+                <c:pt idx="0">
+                  <c:v>After</c:v>
+                </c:pt>
+              </c:strCache>
+            </c:strRef>
+          </c:tx>
+          <c:spPr>
+            <a:solidFill>
+              <a:srgbClr val="00B050"/>
+            </a:solidFill>
+            <a:ln>
+              <a:noFill/>
+            </a:ln>
+            <a:effectLst/>
+          </c:spPr>
+          <c:invertIfNegative val="0"/>
+          <c:cat>
+            <c:strRef>
+              <c:f>Sheet1!$B$1:$G$1</c:f>
+              <c:strCache>
+                <c:ptCount val="6"/>
+                <c:pt idx="0">
+                  <c:v>Angular</c:v>
+                </c:pt>
+                <c:pt idx="1">
+                  <c:v>Agile/Scrum</c:v>
+                </c:pt>
+                <c:pt idx="2">
+                  <c:v>Nest.js</c:v>
+                </c:pt>
+                <c:pt idx="3">
+                  <c:v>Git/Sourcetree</c:v>
+                </c:pt>
+                <c:pt idx="4">
+                  <c:v>Postgresql</c:v>
+                </c:pt>
+                <c:pt idx="5">
+                  <c:v>.Net</c:v>
+                </c:pt>
+              </c:strCache>
+            </c:strRef>
+          </c:cat>
+          <c:val>
+            <c:numRef>
+              <c:f>Sheet1!$B$3:$G$3</c:f>
+              <c:numCache>
+                <c:formatCode>General</c:formatCode>
+                <c:ptCount val="6"/>
+                <c:pt idx="0">
+                  <c:v>5</c:v>
+                </c:pt>
+                <c:pt idx="1">
+                  <c:v>4</c:v>
+                </c:pt>
+                <c:pt idx="2">
+                  <c:v>4</c:v>
+                </c:pt>
+                <c:pt idx="3">
+                  <c:v>4</c:v>
+                </c:pt>
+                <c:pt idx="4">
+                  <c:v>4</c:v>
+                </c:pt>
+                <c:pt idx="5">
+                  <c:v>4</c:v>
+                </c:pt>
+              </c:numCache>
+            </c:numRef>
+          </c:val>
+          <c:extLst>
+            <c:ext xmlns:c16="http://schemas.microsoft.com/office/drawing/2014/chart" uri="{C3380CC4-5D6E-409C-BE32-E72D297353CC}">
+              <c16:uniqueId val="{00000001-B03A-4F74-9236-03897D22F9B1}"/>
+            </c:ext>
+          </c:extLst>
+        </c:ser>
+        <c:dLbls>
+          <c:showLegendKey val="0"/>
+          <c:showVal val="0"/>
+          <c:showCatName val="0"/>
+          <c:showSerName val="0"/>
+          <c:showPercent val="0"/>
+          <c:showBubbleSize val="0"/>
+        </c:dLbls>
+        <c:gapWidth val="219"/>
+        <c:overlap val="-27"/>
+        <c:axId val="1574173392"/>
+        <c:axId val="1574174640"/>
+      </c:barChart>
+      <c:catAx>
+        <c:axId val="1574173392"/>
+        <c:scaling>
+          <c:orientation val="minMax"/>
+        </c:scaling>
+        <c:delete val="0"/>
+        <c:axPos val="b"/>
+        <c:numFmt formatCode="General" sourceLinked="1"/>
+        <c:majorTickMark val="none"/>
+        <c:minorTickMark val="none"/>
+        <c:tickLblPos val="nextTo"/>
+        <c:spPr>
+          <a:noFill/>
+          <a:ln w="9525" cap="flat" cmpd="sng" algn="ctr">
+            <a:solidFill>
+              <a:schemeClr val="tx1">
+                <a:lumMod val="15000"/>
+                <a:lumOff val="85000"/>
+              </a:schemeClr>
+            </a:solidFill>
+            <a:round/>
+          </a:ln>
+          <a:effectLst/>
+        </c:spPr>
+        <c:txPr>
+          <a:bodyPr rot="-60000000" spcFirstLastPara="1" vertOverflow="ellipsis" vert="horz" wrap="square" anchor="ctr" anchorCtr="1"/>
+          <a:lstStyle/>
+          <a:p>
+            <a:pPr>
+              <a:defRPr sz="1600" b="0" i="0" u="none" strike="noStrike" kern="1200" baseline="0">
+                <a:solidFill>
+                  <a:schemeClr val="tx1">
+                    <a:lumMod val="65000"/>
+                    <a:lumOff val="35000"/>
+                  </a:schemeClr>
+                </a:solidFill>
+                <a:latin typeface="+mn-lt"/>
+                <a:ea typeface="+mn-ea"/>
+                <a:cs typeface="+mn-cs"/>
+              </a:defRPr>
+            </a:pPr>
+            <a:endParaRPr lang="en-US"/>
+          </a:p>
+        </c:txPr>
+        <c:crossAx val="1574174640"/>
+        <c:crosses val="autoZero"/>
+        <c:auto val="1"/>
+        <c:lblAlgn val="ctr"/>
+        <c:lblOffset val="100"/>
+        <c:noMultiLvlLbl val="0"/>
+      </c:catAx>
+      <c:valAx>
+        <c:axId val="1574174640"/>
+        <c:scaling>
+          <c:orientation val="minMax"/>
+          <c:max val="5"/>
+        </c:scaling>
+        <c:delete val="0"/>
+        <c:axPos val="l"/>
+        <c:majorGridlines>
+          <c:spPr>
+            <a:ln w="9525" cap="flat" cmpd="sng" algn="ctr">
+              <a:solidFill>
+                <a:schemeClr val="tx1">
+                  <a:lumMod val="15000"/>
+                  <a:lumOff val="85000"/>
+                </a:schemeClr>
+              </a:solidFill>
+              <a:round/>
+            </a:ln>
+            <a:effectLst/>
+          </c:spPr>
+        </c:majorGridlines>
+        <c:numFmt formatCode="General" sourceLinked="1"/>
+        <c:majorTickMark val="none"/>
+        <c:minorTickMark val="none"/>
+        <c:tickLblPos val="nextTo"/>
+        <c:spPr>
+          <a:noFill/>
+          <a:ln>
+            <a:noFill/>
+          </a:ln>
+          <a:effectLst/>
+        </c:spPr>
+        <c:txPr>
+          <a:bodyPr rot="-60000000" spcFirstLastPara="1" vertOverflow="ellipsis" vert="horz" wrap="square" anchor="ctr" anchorCtr="1"/>
+          <a:lstStyle/>
+          <a:p>
+            <a:pPr>
+              <a:defRPr sz="1600" b="0" i="0" u="none" strike="noStrike" kern="1200" baseline="0">
+                <a:solidFill>
+                  <a:schemeClr val="tx1">
+                    <a:lumMod val="65000"/>
+                    <a:lumOff val="35000"/>
+                  </a:schemeClr>
+                </a:solidFill>
+                <a:latin typeface="+mn-lt"/>
+                <a:ea typeface="+mn-ea"/>
+                <a:cs typeface="+mn-cs"/>
+              </a:defRPr>
+            </a:pPr>
+            <a:endParaRPr lang="en-US"/>
+          </a:p>
+        </c:txPr>
+        <c:crossAx val="1574173392"/>
+        <c:crosses val="autoZero"/>
+        <c:crossBetween val="between"/>
+        <c:majorUnit val="1"/>
+      </c:valAx>
+      <c:spPr>
+        <a:noFill/>
+        <a:ln>
+          <a:noFill/>
+        </a:ln>
+        <a:effectLst/>
+      </c:spPr>
+    </c:plotArea>
+    <c:legend>
+      <c:legendPos val="b"/>
+      <c:layout/>
+      <c:overlay val="0"/>
+      <c:spPr>
+        <a:solidFill>
+          <a:schemeClr val="bg1"/>
+        </a:solidFill>
+        <a:ln>
+          <a:noFill/>
+        </a:ln>
+        <a:effectLst/>
+      </c:spPr>
+      <c:txPr>
+        <a:bodyPr rot="0" spcFirstLastPara="1" vertOverflow="ellipsis" vert="horz" wrap="square" anchor="ctr" anchorCtr="1"/>
+        <a:lstStyle/>
+        <a:p>
+          <a:pPr>
+            <a:defRPr sz="1600" b="0" i="0" u="none" strike="noStrike" kern="1200" baseline="0">
+              <a:solidFill>
+                <a:schemeClr val="tx1">
+                  <a:lumMod val="65000"/>
+                  <a:lumOff val="35000"/>
+                </a:schemeClr>
+              </a:solidFill>
+              <a:latin typeface="+mn-lt"/>
+              <a:ea typeface="+mn-ea"/>
+              <a:cs typeface="+mn-cs"/>
+            </a:defRPr>
+          </a:pPr>
+          <a:endParaRPr lang="en-US"/>
+        </a:p>
+      </c:txPr>
+    </c:legend>
+    <c:plotVisOnly val="1"/>
+    <c:dispBlanksAs val="gap"/>
+    <c:showDLblsOverMax val="0"/>
+  </c:chart>
+  <c:spPr>
+    <a:solidFill>
+      <a:schemeClr val="bg1"/>
+    </a:solidFill>
+    <a:ln>
+      <a:noFill/>
+    </a:ln>
+    <a:effectLst/>
+  </c:spPr>
+  <c:txPr>
+    <a:bodyPr/>
+    <a:lstStyle/>
+    <a:p>
+      <a:pPr>
+        <a:defRPr/>
+      </a:pPr>
+      <a:endParaRPr lang="en-US"/>
+    </a:p>
+  </c:txPr>
+  <c:externalData r:id="rId3">
+    <c:autoUpdate val="0"/>
+  </c:externalData>
+</c:chartSpace>
+</file>
+
+<file path=ppt/charts/colors1.xml><?xml version="1.0" encoding="utf-8"?>
+<cs:colorStyle xmlns:cs="http://schemas.microsoft.com/office/drawing/2012/chartStyle" xmlns:a="http://schemas.openxmlformats.org/drawingml/2006/main" meth="cycle" id="10">
+  <a:schemeClr val="accent1"/>
+  <a:schemeClr val="accent2"/>
+  <a:schemeClr val="accent3"/>
+  <a:schemeClr val="accent4"/>
+  <a:schemeClr val="accent5"/>
+  <a:schemeClr val="accent6"/>
+  <cs:variation/>
+  <cs:variation>
+    <a:lumMod val="60000"/>
+  </cs:variation>
+  <cs:variation>
+    <a:lumMod val="80000"/>
+    <a:lumOff val="20000"/>
+  </cs:variation>
+  <cs:variation>
+    <a:lumMod val="80000"/>
+  </cs:variation>
+  <cs:variation>
+    <a:lumMod val="60000"/>
+    <a:lumOff val="40000"/>
+  </cs:variation>
+  <cs:variation>
+    <a:lumMod val="50000"/>
+  </cs:variation>
+  <cs:variation>
+    <a:lumMod val="70000"/>
+    <a:lumOff val="30000"/>
+  </cs:variation>
+  <cs:variation>
+    <a:lumMod val="70000"/>
+  </cs:variation>
+  <cs:variation>
+    <a:lumMod val="50000"/>
+    <a:lumOff val="50000"/>
+  </cs:variation>
+</cs:colorStyle>
+</file>
+
+<file path=ppt/charts/style1.xml><?xml version="1.0" encoding="utf-8"?>
+<cs:chartStyle xmlns:cs="http://schemas.microsoft.com/office/drawing/2012/chartStyle" xmlns:a="http://schemas.openxmlformats.org/drawingml/2006/main" id="201">
+  <cs:axisTitle>
+    <cs:lnRef idx="0"/>
+    <cs:fillRef idx="0"/>
+    <cs:effectRef idx="0"/>
+    <cs:fontRef idx="minor">
+      <a:schemeClr val="tx1">
+        <a:lumMod val="65000"/>
+        <a:lumOff val="35000"/>
+      </a:schemeClr>
+    </cs:fontRef>
+    <cs:defRPr sz="1000" kern="1200"/>
+  </cs:axisTitle>
+  <cs:categoryAxis>
+    <cs:lnRef idx="0"/>
+    <cs:fillRef idx="0"/>
+    <cs:effectRef idx="0"/>
+    <cs:fontRef idx="minor">
+      <a:schemeClr val="tx1">
+        <a:lumMod val="65000"/>
+        <a:lumOff val="35000"/>
+      </a:schemeClr>
+    </cs:fontRef>
+    <cs:spPr>
+      <a:ln w="9525" cap="flat" cmpd="sng" algn="ctr">
+        <a:solidFill>
+          <a:schemeClr val="tx1">
+            <a:lumMod val="15000"/>
+            <a:lumOff val="85000"/>
+          </a:schemeClr>
+        </a:solidFill>
+        <a:round/>
+      </a:ln>
+    </cs:spPr>
+    <cs:defRPr sz="900" kern="1200"/>
+  </cs:categoryAxis>
+  <cs:chartArea mods="allowNoFillOverride allowNoLineOverride">
+    <cs:lnRef idx="0"/>
+    <cs:fillRef idx="0"/>
+    <cs:effectRef idx="0"/>
+    <cs:fontRef idx="minor">
+      <a:schemeClr val="tx1"/>
+    </cs:fontRef>
+    <cs:spPr>
+      <a:solidFill>
+        <a:schemeClr val="bg1"/>
+      </a:solidFill>
+      <a:ln w="9525" cap="flat" cmpd="sng" algn="ctr">
+        <a:solidFill>
+          <a:schemeClr val="tx1">
+            <a:lumMod val="15000"/>
+            <a:lumOff val="85000"/>
+          </a:schemeClr>
+        </a:solidFill>
+        <a:round/>
+      </a:ln>
+    </cs:spPr>
+    <cs:defRPr sz="1000" kern="1200"/>
+  </cs:chartArea>
+  <cs:dataLabel>
+    <cs:lnRef idx="0"/>
+    <cs:fillRef idx="0"/>
+    <cs:effectRef idx="0"/>
+    <cs:fontRef idx="minor">
+      <a:schemeClr val="tx1">
+        <a:lumMod val="75000"/>
+        <a:lumOff val="25000"/>
+      </a:schemeClr>
+    </cs:fontRef>
+    <cs:defRPr sz="900" kern="1200"/>
+  </cs:dataLabel>
+  <cs:dataLabelCallout>
+    <cs:lnRef idx="0"/>
+    <cs:fillRef idx="0"/>
+    <cs:effectRef idx="0"/>
+    <cs:fontRef idx="minor">
+      <a:schemeClr val="dk1">
+        <a:lumMod val="65000"/>
+        <a:lumOff val="35000"/>
+      </a:schemeClr>
+    </cs:fontRef>
+    <cs:spPr>
+      <a:solidFill>
+        <a:schemeClr val="lt1"/>
+      </a:solidFill>
+      <a:ln>
+        <a:solidFill>
+          <a:schemeClr val="dk1">
+            <a:lumMod val="25000"/>
+            <a:lumOff val="75000"/>
+          </a:schemeClr>
+        </a:solidFill>
+      </a:ln>
+    </cs:spPr>
+    <cs:defRPr sz="900" kern="1200"/>
+    <cs:bodyPr rot="0" spcFirstLastPara="1" vertOverflow="clip" horzOverflow="clip" vert="horz" wrap="square" lIns="36576" tIns="18288" rIns="36576" bIns="18288" anchor="ctr" anchorCtr="1">
+      <a:spAutoFit/>
+    </cs:bodyPr>
+  </cs:dataLabelCallout>
+  <cs:dataPoint>
+    <cs:lnRef idx="0"/>
+    <cs:fillRef idx="1">
+      <cs:styleClr val="auto"/>
+    </cs:fillRef>
+    <cs:effectRef idx="0"/>
+    <cs:fontRef idx="minor">
+      <a:schemeClr val="tx1"/>
+    </cs:fontRef>
+  </cs:dataPoint>
+  <cs:dataPoint3D>
+    <cs:lnRef idx="0"/>
+    <cs:fillRef idx="1">
+      <cs:styleClr val="auto"/>
+    </cs:fillRef>
+    <cs:effectRef idx="0"/>
+    <cs:fontRef idx="minor">
+      <a:schemeClr val="tx1"/>
+    </cs:fontRef>
+  </cs:dataPoint3D>
+  <cs:dataPointLine>
+    <cs:lnRef idx="0">
+      <cs:styleClr val="auto"/>
+    </cs:lnRef>
+    <cs:fillRef idx="1"/>
+    <cs:effectRef idx="0"/>
+    <cs:fontRef idx="minor">
+      <a:schemeClr val="tx1"/>
+    </cs:fontRef>
+    <cs:spPr>
+      <a:ln w="28575" cap="rnd">
+        <a:solidFill>
+          <a:schemeClr val="phClr"/>
+        </a:solidFill>
+        <a:round/>
+      </a:ln>
+    </cs:spPr>
+  </cs:dataPointLine>
+  <cs:dataPointMarker>
+    <cs:lnRef idx="0">
+      <cs:styleClr val="auto"/>
+    </cs:lnRef>
+    <cs:fillRef idx="1">
+      <cs:styleClr val="auto"/>
+    </cs:fillRef>
+    <cs:effectRef idx="0"/>
+    <cs:fontRef idx="minor">
+      <a:schemeClr val="tx1"/>
+    </cs:fontRef>
+    <cs:spPr>
+      <a:ln w="9525">
+        <a:solidFill>
+          <a:schemeClr val="phClr"/>
+        </a:solidFill>
+      </a:ln>
+    </cs:spPr>
+  </cs:dataPointMarker>
+  <cs:dataPointMarkerLayout symbol="circle" size="5"/>
+  <cs:dataPointWireframe>
+    <cs:lnRef idx="0">
+      <cs:styleClr val="auto"/>
+    </cs:lnRef>
+    <cs:fillRef idx="1"/>
+    <cs:effectRef idx="0"/>
+    <cs:fontRef idx="minor">
+      <a:schemeClr val="tx1"/>
+    </cs:fontRef>
+    <cs:spPr>
+      <a:ln w="9525" cap="rnd">
+        <a:solidFill>
+          <a:schemeClr val="phClr"/>
+        </a:solidFill>
+        <a:round/>
+      </a:ln>
+    </cs:spPr>
+  </cs:dataPointWireframe>
+  <cs:dataTable>
+    <cs:lnRef idx="0"/>
+    <cs:fillRef idx="0"/>
+    <cs:effectRef idx="0"/>
+    <cs:fontRef idx="minor">
+      <a:schemeClr val="tx1">
+        <a:lumMod val="65000"/>
+        <a:lumOff val="35000"/>
+      </a:schemeClr>
+    </cs:fontRef>
+    <cs:spPr>
+      <a:noFill/>
+      <a:ln w="9525" cap="flat" cmpd="sng" algn="ctr">
+        <a:solidFill>
+          <a:schemeClr val="tx1">
+            <a:lumMod val="15000"/>
+            <a:lumOff val="85000"/>
+          </a:schemeClr>
+        </a:solidFill>
+        <a:round/>
+      </a:ln>
+    </cs:spPr>
+    <cs:defRPr sz="900" kern="1200"/>
+  </cs:dataTable>
+  <cs:downBar>
+    <cs:lnRef idx="0"/>
+    <cs:fillRef idx="0"/>
+    <cs:effectRef idx="0"/>
+    <cs:fontRef idx="minor">
+      <a:schemeClr val="dk1"/>
+    </cs:fontRef>
+    <cs:spPr>
+      <a:solidFill>
+        <a:schemeClr val="dk1">
+          <a:lumMod val="65000"/>
+          <a:lumOff val="35000"/>
+        </a:schemeClr>
+      </a:solidFill>
+      <a:ln w="9525">
+        <a:solidFill>
+          <a:schemeClr val="tx1">
+            <a:lumMod val="65000"/>
+            <a:lumOff val="35000"/>
+          </a:schemeClr>
+        </a:solidFill>
+      </a:ln>
+    </cs:spPr>
+  </cs:downBar>
+  <cs:dropLine>
+    <cs:lnRef idx="0"/>
+    <cs:fillRef idx="0"/>
+    <cs:effectRef idx="0"/>
+    <cs:fontRef idx="minor">
+      <a:schemeClr val="tx1"/>
+    </cs:fontRef>
+    <cs:spPr>
+      <a:ln w="9525" cap="flat" cmpd="sng" algn="ctr">
+        <a:solidFill>
+          <a:schemeClr val="tx1">
+            <a:lumMod val="35000"/>
+            <a:lumOff val="65000"/>
+          </a:schemeClr>
+        </a:solidFill>
+        <a:round/>
+      </a:ln>
+    </cs:spPr>
+  </cs:dropLine>
+  <cs:errorBar>
+    <cs:lnRef idx="0"/>
+    <cs:fillRef idx="0"/>
+    <cs:effectRef idx="0"/>
+    <cs:fontRef idx="minor">
+      <a:schemeClr val="tx1"/>
+    </cs:fontRef>
+    <cs:spPr>
+      <a:ln w="9525" cap="flat" cmpd="sng" algn="ctr">
+        <a:solidFill>
+          <a:schemeClr val="tx1">
+            <a:lumMod val="65000"/>
+            <a:lumOff val="35000"/>
+          </a:schemeClr>
+        </a:solidFill>
+        <a:round/>
+      </a:ln>
+    </cs:spPr>
+  </cs:errorBar>
+  <cs:floor>
+    <cs:lnRef idx="0"/>
+    <cs:fillRef idx="0"/>
+    <cs:effectRef idx="0"/>
+    <cs:fontRef idx="minor">
+      <a:schemeClr val="tx1"/>
+    </cs:fontRef>
+    <cs:spPr>
+      <a:noFill/>
+      <a:ln>
+        <a:noFill/>
+      </a:ln>
+    </cs:spPr>
+  </cs:floor>
+  <cs:gridlineMajor>
+    <cs:lnRef idx="0"/>
+    <cs:fillRef idx="0"/>
+    <cs:effectRef idx="0"/>
+    <cs:fontRef idx="minor">
+      <a:schemeClr val="tx1"/>
+    </cs:fontRef>
+    <cs:spPr>
+      <a:ln w="9525" cap="flat" cmpd="sng" algn="ctr">
+        <a:solidFill>
+          <a:schemeClr val="tx1">
+            <a:lumMod val="15000"/>
+            <a:lumOff val="85000"/>
+          </a:schemeClr>
+        </a:solidFill>
+        <a:round/>
+      </a:ln>
+    </cs:spPr>
+  </cs:gridlineMajor>
+  <cs:gridlineMinor>
+    <cs:lnRef idx="0"/>
+    <cs:fillRef idx="0"/>
+    <cs:effectRef idx="0"/>
+    <cs:fontRef idx="minor">
+      <a:schemeClr val="tx1"/>
+    </cs:fontRef>
+    <cs:spPr>
+      <a:ln w="9525" cap="flat" cmpd="sng" algn="ctr">
+        <a:solidFill>
+          <a:schemeClr val="tx1">
+            <a:lumMod val="5000"/>
+            <a:lumOff val="95000"/>
+          </a:schemeClr>
+        </a:solidFill>
+        <a:round/>
+      </a:ln>
+    </cs:spPr>
+  </cs:gridlineMinor>
+  <cs:hiLoLine>
+    <cs:lnRef idx="0"/>
+    <cs:fillRef idx="0"/>
+    <cs:effectRef idx="0"/>
+    <cs:fontRef idx="minor">
+      <a:schemeClr val="tx1"/>
+    </cs:fontRef>
+    <cs:spPr>
+      <a:ln w="9525" cap="flat" cmpd="sng" algn="ctr">
+        <a:solidFill>
+          <a:schemeClr val="tx1">
+            <a:lumMod val="75000"/>
+            <a:lumOff val="25000"/>
+          </a:schemeClr>
+        </a:solidFill>
+        <a:round/>
+      </a:ln>
+    </cs:spPr>
+  </cs:hiLoLine>
+  <cs:leaderLine>
+    <cs:lnRef idx="0"/>
+    <cs:fillRef idx="0"/>
+    <cs:effectRef idx="0"/>
+    <cs:fontRef idx="minor">
+      <a:schemeClr val="tx1"/>
+    </cs:fontRef>
+    <cs:spPr>
+      <a:ln w="9525" cap="flat" cmpd="sng" algn="ctr">
+        <a:solidFill>
+          <a:schemeClr val="tx1">
+            <a:lumMod val="35000"/>
+            <a:lumOff val="65000"/>
+          </a:schemeClr>
+        </a:solidFill>
+        <a:round/>
+      </a:ln>
+    </cs:spPr>
+  </cs:leaderLine>
+  <cs:legend>
+    <cs:lnRef idx="0"/>
+    <cs:fillRef idx="0"/>
+    <cs:effectRef idx="0"/>
+    <cs:fontRef idx="minor">
+      <a:schemeClr val="tx1">
+        <a:lumMod val="65000"/>
+        <a:lumOff val="35000"/>
+      </a:schemeClr>
+    </cs:fontRef>
+    <cs:defRPr sz="900" kern="1200"/>
+  </cs:legend>
+  <cs:plotArea mods="allowNoFillOverride allowNoLineOverride">
+    <cs:lnRef idx="0"/>
+    <cs:fillRef idx="0"/>
+    <cs:effectRef idx="0"/>
+    <cs:fontRef idx="minor">
+      <a:schemeClr val="tx1"/>
+    </cs:fontRef>
+  </cs:plotArea>
+  <cs:plotArea3D mods="allowNoFillOverride allowNoLineOverride">
+    <cs:lnRef idx="0"/>
+    <cs:fillRef idx="0"/>
+    <cs:effectRef idx="0"/>
+    <cs:fontRef idx="minor">
+      <a:schemeClr val="tx1"/>
+    </cs:fontRef>
+  </cs:plotArea3D>
+  <cs:seriesAxis>
+    <cs:lnRef idx="0"/>
+    <cs:fillRef idx="0"/>
+    <cs:effectRef idx="0"/>
+    <cs:fontRef idx="minor">
+      <a:schemeClr val="tx1">
+        <a:lumMod val="65000"/>
+        <a:lumOff val="35000"/>
+      </a:schemeClr>
+    </cs:fontRef>
+    <cs:defRPr sz="900" kern="1200"/>
+  </cs:seriesAxis>
+  <cs:seriesLine>
+    <cs:lnRef idx="0"/>
+    <cs:fillRef idx="0"/>
+    <cs:effectRef idx="0"/>
+    <cs:fontRef idx="minor">
+      <a:schemeClr val="tx1"/>
+    </cs:fontRef>
+    <cs:spPr>
+      <a:ln w="9525" cap="flat" cmpd="sng" algn="ctr">
+        <a:solidFill>
+          <a:schemeClr val="tx1">
+            <a:lumMod val="35000"/>
+            <a:lumOff val="65000"/>
+          </a:schemeClr>
+        </a:solidFill>
+        <a:round/>
+      </a:ln>
+    </cs:spPr>
+  </cs:seriesLine>
+  <cs:title>
+    <cs:lnRef idx="0"/>
+    <cs:fillRef idx="0"/>
+    <cs:effectRef idx="0"/>
+    <cs:fontRef idx="minor">
+      <a:schemeClr val="tx1">
+        <a:lumMod val="65000"/>
+        <a:lumOff val="35000"/>
+      </a:schemeClr>
+    </cs:fontRef>
+    <cs:defRPr sz="1400" b="0" kern="1200" spc="0" baseline="0"/>
+  </cs:title>
+  <cs:trendline>
+    <cs:lnRef idx="0">
+      <cs:styleClr val="auto"/>
+    </cs:lnRef>
+    <cs:fillRef idx="0"/>
+    <cs:effectRef idx="0"/>
+    <cs:fontRef idx="minor">
+      <a:schemeClr val="tx1"/>
+    </cs:fontRef>
+    <cs:spPr>
+      <a:ln w="19050" cap="rnd">
+        <a:solidFill>
+          <a:schemeClr val="phClr"/>
+        </a:solidFill>
+        <a:prstDash val="sysDot"/>
+      </a:ln>
+    </cs:spPr>
+  </cs:trendline>
+  <cs:trendlineLabel>
+    <cs:lnRef idx="0"/>
+    <cs:fillRef idx="0"/>
+    <cs:effectRef idx="0"/>
+    <cs:fontRef idx="minor">
+      <a:schemeClr val="tx1">
+        <a:lumMod val="65000"/>
+        <a:lumOff val="35000"/>
+      </a:schemeClr>
+    </cs:fontRef>
+    <cs:defRPr sz="900" kern="1200"/>
+  </cs:trendlineLabel>
+  <cs:upBar>
+    <cs:lnRef idx="0"/>
+    <cs:fillRef idx="0"/>
+    <cs:effectRef idx="0"/>
+    <cs:fontRef idx="minor">
+      <a:schemeClr val="dk1"/>
+    </cs:fontRef>
+    <cs:spPr>
+      <a:solidFill>
+        <a:schemeClr val="lt1"/>
+      </a:solidFill>
+      <a:ln w="9525">
+        <a:solidFill>
+          <a:schemeClr val="tx1">
+            <a:lumMod val="15000"/>
+            <a:lumOff val="85000"/>
+          </a:schemeClr>
+        </a:solidFill>
+      </a:ln>
+    </cs:spPr>
+  </cs:upBar>
+  <cs:valueAxis>
+    <cs:lnRef idx="0"/>
+    <cs:fillRef idx="0"/>
+    <cs:effectRef idx="0"/>
+    <cs:fontRef idx="minor">
+      <a:schemeClr val="tx1">
+        <a:lumMod val="65000"/>
+        <a:lumOff val="35000"/>
+      </a:schemeClr>
+    </cs:fontRef>
+    <cs:defRPr sz="900" kern="1200"/>
+  </cs:valueAxis>
+  <cs:wall>
+    <cs:lnRef idx="0"/>
+    <cs:fillRef idx="0"/>
+    <cs:effectRef idx="0"/>
+    <cs:fontRef idx="minor">
+      <a:schemeClr val="tx1"/>
+    </cs:fontRef>
+    <cs:spPr>
+      <a:noFill/>
+      <a:ln>
+        <a:noFill/>
+      </a:ln>
+    </cs:spPr>
+  </cs:wall>
+</cs:chartStyle>
 </file>
 
 <file path=ppt/handoutMasters/handoutMaster1.xml><?xml version="1.0" encoding="utf-8"?>
@@ -3570,7 +4569,7 @@
           <a:graphicData uri="http://schemas.openxmlformats.org/presentationml/2006/ole">
             <mc:AlternateContent xmlns:mc="http://schemas.openxmlformats.org/markup-compatibility/2006">
               <mc:Choice xmlns:v="urn:schemas-microsoft-com:vml" Requires="v">
-                <p:oleObj spid="_x0000_s13930" name="ﾌﾘｰﾗﾝｽ 97 図形" r:id="rId17" imgW="20477" imgH="641447" progId="">
+                <p:oleObj spid="_x0000_s13933" name="ﾌﾘｰﾗﾝｽ 97 図形" r:id="rId17" imgW="20477" imgH="641447" progId="">
                   <p:embed/>
                 </p:oleObj>
               </mc:Choice>
@@ -4809,6 +5808,36 @@
 <file path=ppt/slides/slide1.xml><?xml version="1.0" encoding="utf-8"?>
 <p:sld xmlns:a="http://schemas.openxmlformats.org/drawingml/2006/main" xmlns:r="http://schemas.openxmlformats.org/officeDocument/2006/relationships" xmlns:p="http://schemas.openxmlformats.org/presentationml/2006/main">
   <p:cSld>
+    <p:bg>
+      <p:bgPr>
+        <a:gradFill flip="none" rotWithShape="1">
+          <a:gsLst>
+            <a:gs pos="78000">
+              <a:schemeClr val="accent5">
+                <a:lumMod val="75000"/>
+              </a:schemeClr>
+            </a:gs>
+            <a:gs pos="0">
+              <a:schemeClr val="bg1"/>
+            </a:gs>
+            <a:gs pos="97000">
+              <a:schemeClr val="accent5">
+                <a:lumMod val="20000"/>
+                <a:lumOff val="80000"/>
+              </a:schemeClr>
+            </a:gs>
+            <a:gs pos="38000">
+              <a:schemeClr val="accent5">
+                <a:lumMod val="75000"/>
+              </a:schemeClr>
+            </a:gs>
+          </a:gsLst>
+          <a:lin ang="5400000" scaled="1"/>
+          <a:tileRect/>
+        </a:gradFill>
+        <a:effectLst/>
+      </p:bgPr>
+    </p:bg>
     <p:spTree>
       <p:nvGrpSpPr>
         <p:cNvPr id="1" name=""/>
@@ -4839,31 +5868,31 @@
           <a:lstStyle/>
           <a:p>
             <a:r>
-              <a:rPr lang="en-US" dirty="0" err="1" smtClean="0"/>
+              <a:rPr lang="en-US" dirty="0" err="1"/>
               <a:t>Tổng</a:t>
             </a:r>
             <a:r>
-              <a:rPr lang="en-US" dirty="0" smtClean="0"/>
+              <a:rPr lang="en-US" dirty="0"/>
               <a:t> </a:t>
             </a:r>
             <a:r>
-              <a:rPr lang="en-US" dirty="0" err="1" smtClean="0"/>
+              <a:rPr lang="en-US" dirty="0" err="1"/>
               <a:t>kết</a:t>
             </a:r>
             <a:r>
-              <a:rPr lang="en-US" dirty="0" smtClean="0"/>
+              <a:rPr lang="en-US" dirty="0"/>
               <a:t> </a:t>
             </a:r>
             <a:r>
-              <a:rPr lang="en-US" dirty="0" err="1" smtClean="0"/>
+              <a:rPr lang="en-US" dirty="0" err="1"/>
               <a:t>cá</a:t>
             </a:r>
             <a:r>
-              <a:rPr lang="en-US" dirty="0" smtClean="0"/>
+              <a:rPr lang="en-US" dirty="0"/>
               <a:t> </a:t>
             </a:r>
             <a:r>
-              <a:rPr lang="en-US" dirty="0" err="1" smtClean="0"/>
+              <a:rPr lang="en-US" dirty="0" err="1"/>
               <a:t>nhân</a:t>
             </a:r>
             <a:endParaRPr lang="en-US" dirty="0"/>
@@ -4882,7 +5911,7 @@
         </p:nvSpPr>
         <p:spPr>
           <a:xfrm>
-            <a:off x="5436120" y="4653170"/>
+            <a:off x="5346960" y="4653170"/>
             <a:ext cx="3429000" cy="1944270"/>
           </a:xfrm>
         </p:spPr>
@@ -4956,14 +5985,14 @@
           </a:p>
           <a:p>
             <a:r>
-              <a:rPr lang="en-US" altLang="ja-JP" smtClean="0">
+              <a:rPr lang="en-US" altLang="ja-JP" dirty="0" smtClean="0">
                 <a:solidFill>
                   <a:schemeClr val="bg1"/>
                 </a:solidFill>
               </a:rPr>
-              <a:t>2019/11/19</a:t>
-            </a:r>
-            <a:endParaRPr lang="en-US" altLang="ja-JP" dirty="0" smtClean="0">
+              <a:t>2019/11</a:t>
+            </a:r>
+            <a:endParaRPr lang="en-US" altLang="ja-JP" dirty="0">
               <a:solidFill>
                 <a:schemeClr val="bg1"/>
               </a:solidFill>
@@ -5018,7 +6047,7 @@
                 <a:spcPct val="150000"/>
               </a:lnSpc>
             </a:pPr>
-            <a:endParaRPr lang="en-US" sz="2000" dirty="0" smtClean="0">
+            <a:endParaRPr lang="en-US" sz="2000" dirty="0">
               <a:solidFill>
                 <a:schemeClr val="bg1"/>
               </a:solidFill>
@@ -5053,7 +6082,7 @@
       <p:bgPr>
         <a:gradFill flip="none" rotWithShape="1">
           <a:gsLst>
-            <a:gs pos="0">
+            <a:gs pos="1000">
               <a:schemeClr val="bg1"/>
             </a:gs>
             <a:gs pos="100000">
@@ -5062,7 +6091,12 @@
                 <a:lumOff val="80000"/>
               </a:schemeClr>
             </a:gs>
-            <a:gs pos="23000">
+            <a:gs pos="78000">
+              <a:schemeClr val="accent5">
+                <a:lumMod val="75000"/>
+              </a:schemeClr>
+            </a:gs>
+            <a:gs pos="22000">
               <a:schemeClr val="accent5">
                 <a:lumMod val="75000"/>
               </a:schemeClr>
@@ -5104,14 +6138,13 @@
           <a:lstStyle/>
           <a:p>
             <a:r>
-              <a:rPr lang="en-US" dirty="0" err="1" smtClean="0"/>
+              <a:rPr lang="en-US" dirty="0" err="1"/>
               <a:t>Nội</a:t>
             </a:r>
             <a:r>
-              <a:rPr lang="en-US" dirty="0" smtClean="0"/>
+              <a:rPr lang="en-US" dirty="0"/>
               <a:t> dung</a:t>
             </a:r>
-            <a:endParaRPr lang="en-US" dirty="0"/>
           </a:p>
         </p:txBody>
       </p:sp>
@@ -5127,7 +6160,7 @@
         </p:nvSpPr>
         <p:spPr>
           <a:xfrm>
-            <a:off x="1130795" y="1484730"/>
+            <a:off x="1475570" y="1618072"/>
             <a:ext cx="7745775" cy="3899550"/>
           </a:xfrm>
         </p:spPr>
@@ -5140,7 +6173,7 @@
               <a:buChar char="q"/>
             </a:pPr>
             <a:r>
-              <a:rPr lang="en-US" dirty="0" smtClean="0">
+              <a:rPr lang="en-US" sz="2400" dirty="0">
                 <a:solidFill>
                   <a:schemeClr val="bg1"/>
                 </a:solidFill>
@@ -5148,7 +6181,7 @@
               <a:t> </a:t>
             </a:r>
             <a:r>
-              <a:rPr lang="en-US" sz="2400" dirty="0" err="1" smtClean="0">
+              <a:rPr lang="en-US" sz="2400" dirty="0" err="1">
                 <a:solidFill>
                   <a:schemeClr val="bg1"/>
                 </a:solidFill>
@@ -5156,7 +6189,7 @@
               <a:t>Sơ</a:t>
             </a:r>
             <a:r>
-              <a:rPr lang="en-US" sz="2400" dirty="0" smtClean="0">
+              <a:rPr lang="en-US" sz="2400" dirty="0">
                 <a:solidFill>
                   <a:schemeClr val="bg1"/>
                 </a:solidFill>
@@ -5164,7 +6197,7 @@
               <a:t> </a:t>
             </a:r>
             <a:r>
-              <a:rPr lang="en-US" sz="2400" dirty="0" err="1" smtClean="0">
+              <a:rPr lang="en-US" sz="2400" dirty="0" err="1">
                 <a:solidFill>
                   <a:schemeClr val="bg1"/>
                 </a:solidFill>
@@ -5172,7 +6205,7 @@
               <a:t>lược</a:t>
             </a:r>
             <a:r>
-              <a:rPr lang="en-US" sz="2400" dirty="0" smtClean="0">
+              <a:rPr lang="en-US" sz="2400" dirty="0">
                 <a:solidFill>
                   <a:schemeClr val="bg1"/>
                 </a:solidFill>
@@ -5180,7 +6213,7 @@
               <a:t> </a:t>
             </a:r>
             <a:r>
-              <a:rPr lang="en-US" sz="2400" dirty="0" err="1" smtClean="0">
+              <a:rPr lang="en-US" sz="2400" dirty="0" err="1">
                 <a:solidFill>
                   <a:schemeClr val="bg1"/>
                 </a:solidFill>
@@ -5188,7 +6221,7 @@
               <a:t>về</a:t>
             </a:r>
             <a:r>
-              <a:rPr lang="en-US" sz="2400" dirty="0" smtClean="0">
+              <a:rPr lang="en-US" sz="2400" dirty="0">
                 <a:solidFill>
                   <a:schemeClr val="bg1"/>
                 </a:solidFill>
@@ -5196,7 +6229,7 @@
               <a:t> </a:t>
             </a:r>
             <a:r>
-              <a:rPr lang="en-US" sz="2400" dirty="0" err="1" smtClean="0">
+              <a:rPr lang="en-US" sz="2400" dirty="0" err="1">
                 <a:solidFill>
                   <a:schemeClr val="bg1"/>
                 </a:solidFill>
@@ -5204,7 +6237,7 @@
               <a:t>bản</a:t>
             </a:r>
             <a:r>
-              <a:rPr lang="en-US" sz="2400" dirty="0" smtClean="0">
+              <a:rPr lang="en-US" sz="2400" dirty="0">
                 <a:solidFill>
                   <a:schemeClr val="bg1"/>
                 </a:solidFill>
@@ -5212,7 +6245,7 @@
               <a:t> </a:t>
             </a:r>
             <a:r>
-              <a:rPr lang="en-US" sz="2400" dirty="0" err="1" smtClean="0">
+              <a:rPr lang="en-US" sz="2400" dirty="0" err="1">
                 <a:solidFill>
                   <a:schemeClr val="bg1"/>
                 </a:solidFill>
@@ -5220,7 +6253,7 @@
               <a:t>thân</a:t>
             </a:r>
             <a:r>
-              <a:rPr lang="en-US" sz="2400" dirty="0" smtClean="0">
+              <a:rPr lang="en-US" sz="2400" dirty="0">
                 <a:solidFill>
                   <a:schemeClr val="bg1"/>
                 </a:solidFill>
@@ -5233,272 +6266,240 @@
               <a:buFont typeface="Wingdings" panose="05000000000000000000" pitchFamily="2" charset="2"/>
               <a:buChar char="q"/>
             </a:pPr>
-            <a:endParaRPr lang="en-US" sz="2400" dirty="0" smtClean="0">
-              <a:solidFill>
-                <a:schemeClr val="bg1"/>
-              </a:solidFill>
-            </a:endParaRPr>
-          </a:p>
-          <a:p>
-            <a:pPr>
-              <a:buFont typeface="Wingdings" panose="05000000000000000000" pitchFamily="2" charset="2"/>
-              <a:buChar char="q"/>
-            </a:pPr>
-            <a:r>
-              <a:rPr lang="en-US" sz="2400" dirty="0">
-                <a:solidFill>
-                  <a:schemeClr val="bg1"/>
-                </a:solidFill>
-              </a:rPr>
-              <a:t> </a:t>
-            </a:r>
-            <a:r>
-              <a:rPr lang="en-US" sz="2400" dirty="0" err="1" smtClean="0">
-                <a:solidFill>
-                  <a:schemeClr val="bg1"/>
-                </a:solidFill>
-              </a:rPr>
-              <a:t>Kinh</a:t>
-            </a:r>
-            <a:r>
-              <a:rPr lang="en-US" sz="2400" dirty="0" smtClean="0">
-                <a:solidFill>
-                  <a:schemeClr val="bg1"/>
-                </a:solidFill>
-              </a:rPr>
-              <a:t> </a:t>
-            </a:r>
-            <a:r>
-              <a:rPr lang="en-US" sz="2400" dirty="0" err="1" smtClean="0">
-                <a:solidFill>
-                  <a:schemeClr val="bg1"/>
-                </a:solidFill>
-              </a:rPr>
-              <a:t>nghiệm</a:t>
-            </a:r>
-            <a:r>
-              <a:rPr lang="en-US" sz="2400" dirty="0">
-                <a:solidFill>
-                  <a:schemeClr val="bg1"/>
-                </a:solidFill>
-              </a:rPr>
-              <a:t> </a:t>
-            </a:r>
-            <a:r>
-              <a:rPr lang="en-US" sz="2400" dirty="0" err="1" smtClean="0">
-                <a:solidFill>
-                  <a:schemeClr val="bg1"/>
-                </a:solidFill>
-              </a:rPr>
-              <a:t>làm</a:t>
-            </a:r>
-            <a:r>
-              <a:rPr lang="en-US" sz="2400" dirty="0" smtClean="0">
-                <a:solidFill>
-                  <a:schemeClr val="bg1"/>
-                </a:solidFill>
-              </a:rPr>
-              <a:t> </a:t>
-            </a:r>
-            <a:r>
-              <a:rPr lang="en-US" sz="2400" dirty="0" err="1" smtClean="0">
-                <a:solidFill>
-                  <a:schemeClr val="bg1"/>
-                </a:solidFill>
-              </a:rPr>
-              <a:t>việc</a:t>
-            </a:r>
-            <a:r>
-              <a:rPr lang="en-US" sz="2400" dirty="0" smtClean="0">
-                <a:solidFill>
-                  <a:schemeClr val="bg1"/>
-                </a:solidFill>
-              </a:rPr>
-              <a:t>.</a:t>
-            </a:r>
-          </a:p>
-          <a:p>
-            <a:pPr>
-              <a:buFont typeface="Wingdings" panose="05000000000000000000" pitchFamily="2" charset="2"/>
-              <a:buChar char="q"/>
-            </a:pPr>
-            <a:endParaRPr lang="en-US" sz="2400" dirty="0" smtClean="0">
-              <a:solidFill>
-                <a:schemeClr val="bg1"/>
-              </a:solidFill>
-            </a:endParaRPr>
-          </a:p>
-          <a:p>
-            <a:pPr>
-              <a:buFont typeface="Wingdings" panose="05000000000000000000" pitchFamily="2" charset="2"/>
-              <a:buChar char="q"/>
-            </a:pPr>
-            <a:r>
-              <a:rPr lang="en-US" sz="2400" dirty="0" smtClean="0">
-                <a:solidFill>
-                  <a:schemeClr val="bg1"/>
-                </a:solidFill>
-              </a:rPr>
-              <a:t> </a:t>
-            </a:r>
-            <a:r>
-              <a:rPr lang="en-US" sz="2400" dirty="0" err="1" smtClean="0">
-                <a:solidFill>
-                  <a:schemeClr val="bg1"/>
-                </a:solidFill>
-              </a:rPr>
-              <a:t>Kết</a:t>
-            </a:r>
-            <a:r>
-              <a:rPr lang="en-US" sz="2400" dirty="0" smtClean="0">
-                <a:solidFill>
-                  <a:schemeClr val="bg1"/>
-                </a:solidFill>
-              </a:rPr>
-              <a:t> </a:t>
-            </a:r>
-            <a:r>
-              <a:rPr lang="en-US" sz="2400" dirty="0" err="1">
-                <a:solidFill>
-                  <a:schemeClr val="bg1"/>
-                </a:solidFill>
-              </a:rPr>
-              <a:t>quả</a:t>
-            </a:r>
-            <a:r>
-              <a:rPr lang="en-US" sz="2400" dirty="0">
-                <a:solidFill>
-                  <a:schemeClr val="bg1"/>
-                </a:solidFill>
-              </a:rPr>
-              <a:t> </a:t>
-            </a:r>
-            <a:r>
-              <a:rPr lang="en-US" sz="2400" dirty="0" err="1">
-                <a:solidFill>
-                  <a:schemeClr val="bg1"/>
-                </a:solidFill>
-              </a:rPr>
-              <a:t>thu</a:t>
-            </a:r>
-            <a:r>
-              <a:rPr lang="en-US" sz="2400" dirty="0">
-                <a:solidFill>
-                  <a:schemeClr val="bg1"/>
-                </a:solidFill>
-              </a:rPr>
-              <a:t> </a:t>
-            </a:r>
-            <a:r>
-              <a:rPr lang="en-US" sz="2400" dirty="0" err="1" smtClean="0">
-                <a:solidFill>
-                  <a:schemeClr val="bg1"/>
-                </a:solidFill>
-              </a:rPr>
-              <a:t>được</a:t>
-            </a:r>
-            <a:r>
-              <a:rPr lang="en-US" sz="2400" dirty="0" smtClean="0">
-                <a:solidFill>
-                  <a:schemeClr val="bg1"/>
-                </a:solidFill>
-              </a:rPr>
-              <a:t> </a:t>
-            </a:r>
-            <a:r>
-              <a:rPr lang="en-US" sz="2400" dirty="0" err="1" smtClean="0">
-                <a:solidFill>
-                  <a:schemeClr val="bg1"/>
-                </a:solidFill>
-              </a:rPr>
-              <a:t>sau</a:t>
-            </a:r>
-            <a:r>
-              <a:rPr lang="en-US" sz="2400" dirty="0" smtClean="0">
-                <a:solidFill>
-                  <a:schemeClr val="bg1"/>
-                </a:solidFill>
-              </a:rPr>
-              <a:t> </a:t>
-            </a:r>
-            <a:r>
-              <a:rPr lang="en-US" sz="2400" dirty="0" err="1" smtClean="0">
-                <a:solidFill>
-                  <a:schemeClr val="bg1"/>
-                </a:solidFill>
-              </a:rPr>
-              <a:t>khóa</a:t>
-            </a:r>
-            <a:r>
-              <a:rPr lang="en-US" sz="2400" dirty="0" smtClean="0">
-                <a:solidFill>
-                  <a:schemeClr val="bg1"/>
-                </a:solidFill>
-              </a:rPr>
-              <a:t> Fresher.</a:t>
-            </a:r>
-          </a:p>
-          <a:p>
-            <a:pPr>
-              <a:buFont typeface="Wingdings" panose="05000000000000000000" pitchFamily="2" charset="2"/>
-              <a:buChar char="q"/>
-            </a:pPr>
-            <a:endParaRPr lang="en-US" sz="2400" dirty="0" smtClean="0">
-              <a:solidFill>
-                <a:schemeClr val="bg1"/>
-              </a:solidFill>
-            </a:endParaRPr>
-          </a:p>
-          <a:p>
-            <a:pPr>
-              <a:buFont typeface="Wingdings" panose="05000000000000000000" pitchFamily="2" charset="2"/>
-              <a:buChar char="q"/>
-            </a:pPr>
-            <a:r>
-              <a:rPr lang="en-US" sz="2400" dirty="0">
-                <a:solidFill>
-                  <a:schemeClr val="bg1"/>
-                </a:solidFill>
-              </a:rPr>
-              <a:t> </a:t>
-            </a:r>
-            <a:r>
-              <a:rPr lang="en-US" sz="2400" dirty="0" err="1" smtClean="0">
-                <a:solidFill>
-                  <a:schemeClr val="bg1"/>
-                </a:solidFill>
-              </a:rPr>
-              <a:t>Mục</a:t>
-            </a:r>
-            <a:r>
-              <a:rPr lang="en-US" sz="2400" dirty="0" smtClean="0">
-                <a:solidFill>
-                  <a:schemeClr val="bg1"/>
-                </a:solidFill>
-              </a:rPr>
-              <a:t> </a:t>
-            </a:r>
-            <a:r>
-              <a:rPr lang="en-US" sz="2400" dirty="0" err="1" smtClean="0">
-                <a:solidFill>
-                  <a:schemeClr val="bg1"/>
-                </a:solidFill>
-              </a:rPr>
-              <a:t>tiêu</a:t>
-            </a:r>
-            <a:r>
-              <a:rPr lang="en-US" sz="2400" dirty="0" smtClean="0">
-                <a:solidFill>
-                  <a:schemeClr val="bg1"/>
-                </a:solidFill>
-              </a:rPr>
-              <a:t>.</a:t>
-            </a:r>
             <a:endParaRPr lang="en-US" sz="2400" dirty="0">
               <a:solidFill>
                 <a:schemeClr val="bg1"/>
               </a:solidFill>
             </a:endParaRPr>
+          </a:p>
+          <a:p>
+            <a:pPr>
+              <a:buFont typeface="Wingdings" panose="05000000000000000000" pitchFamily="2" charset="2"/>
+              <a:buChar char="q"/>
+            </a:pPr>
+            <a:r>
+              <a:rPr lang="en-US" sz="2400" dirty="0">
+                <a:solidFill>
+                  <a:schemeClr val="bg1"/>
+                </a:solidFill>
+              </a:rPr>
+              <a:t> </a:t>
+            </a:r>
+            <a:r>
+              <a:rPr lang="en-US" sz="2400" dirty="0" err="1">
+                <a:solidFill>
+                  <a:schemeClr val="bg1"/>
+                </a:solidFill>
+              </a:rPr>
+              <a:t>Kinh</a:t>
+            </a:r>
+            <a:r>
+              <a:rPr lang="en-US" sz="2400" dirty="0">
+                <a:solidFill>
+                  <a:schemeClr val="bg1"/>
+                </a:solidFill>
+              </a:rPr>
+              <a:t> </a:t>
+            </a:r>
+            <a:r>
+              <a:rPr lang="en-US" sz="2400" dirty="0" err="1" smtClean="0">
+                <a:solidFill>
+                  <a:schemeClr val="bg1"/>
+                </a:solidFill>
+              </a:rPr>
+              <a:t>nghiệm</a:t>
+            </a:r>
+            <a:r>
+              <a:rPr lang="en-US" sz="2400" dirty="0" smtClean="0">
+                <a:solidFill>
+                  <a:schemeClr val="bg1"/>
+                </a:solidFill>
+              </a:rPr>
+              <a:t>.</a:t>
+            </a:r>
+            <a:endParaRPr lang="en-US" sz="2400" dirty="0">
+              <a:solidFill>
+                <a:schemeClr val="bg1"/>
+              </a:solidFill>
+            </a:endParaRPr>
+          </a:p>
+          <a:p>
+            <a:pPr>
+              <a:buFont typeface="Wingdings" panose="05000000000000000000" pitchFamily="2" charset="2"/>
+              <a:buChar char="q"/>
+            </a:pPr>
+            <a:endParaRPr lang="en-US" sz="2400" dirty="0">
+              <a:solidFill>
+                <a:schemeClr val="bg1"/>
+              </a:solidFill>
+            </a:endParaRPr>
+          </a:p>
+          <a:p>
+            <a:pPr>
+              <a:buFont typeface="Wingdings" panose="05000000000000000000" pitchFamily="2" charset="2"/>
+              <a:buChar char="q"/>
+            </a:pPr>
+            <a:r>
+              <a:rPr lang="en-US" sz="2400" dirty="0">
+                <a:solidFill>
+                  <a:schemeClr val="bg1"/>
+                </a:solidFill>
+              </a:rPr>
+              <a:t> </a:t>
+            </a:r>
+            <a:r>
+              <a:rPr lang="en-US" sz="2400" dirty="0" err="1">
+                <a:solidFill>
+                  <a:schemeClr val="bg1"/>
+                </a:solidFill>
+              </a:rPr>
+              <a:t>Kết</a:t>
+            </a:r>
+            <a:r>
+              <a:rPr lang="en-US" sz="2400" dirty="0">
+                <a:solidFill>
+                  <a:schemeClr val="bg1"/>
+                </a:solidFill>
+              </a:rPr>
+              <a:t> </a:t>
+            </a:r>
+            <a:r>
+              <a:rPr lang="en-US" sz="2400" dirty="0" err="1">
+                <a:solidFill>
+                  <a:schemeClr val="bg1"/>
+                </a:solidFill>
+              </a:rPr>
+              <a:t>quả</a:t>
+            </a:r>
+            <a:r>
+              <a:rPr lang="en-US" sz="2400" dirty="0">
+                <a:solidFill>
+                  <a:schemeClr val="bg1"/>
+                </a:solidFill>
+              </a:rPr>
+              <a:t> </a:t>
+            </a:r>
+            <a:r>
+              <a:rPr lang="en-US" sz="2400" dirty="0" err="1">
+                <a:solidFill>
+                  <a:schemeClr val="bg1"/>
+                </a:solidFill>
+              </a:rPr>
+              <a:t>thu</a:t>
+            </a:r>
+            <a:r>
+              <a:rPr lang="en-US" sz="2400" dirty="0">
+                <a:solidFill>
+                  <a:schemeClr val="bg1"/>
+                </a:solidFill>
+              </a:rPr>
+              <a:t> </a:t>
+            </a:r>
+            <a:r>
+              <a:rPr lang="en-US" sz="2400" dirty="0" err="1">
+                <a:solidFill>
+                  <a:schemeClr val="bg1"/>
+                </a:solidFill>
+              </a:rPr>
+              <a:t>được</a:t>
+            </a:r>
+            <a:r>
+              <a:rPr lang="en-US" sz="2400" dirty="0">
+                <a:solidFill>
+                  <a:schemeClr val="bg1"/>
+                </a:solidFill>
+              </a:rPr>
+              <a:t> </a:t>
+            </a:r>
+            <a:r>
+              <a:rPr lang="en-US" sz="2400" dirty="0" err="1">
+                <a:solidFill>
+                  <a:schemeClr val="bg1"/>
+                </a:solidFill>
+              </a:rPr>
+              <a:t>sau</a:t>
+            </a:r>
+            <a:r>
+              <a:rPr lang="en-US" sz="2400" dirty="0">
+                <a:solidFill>
+                  <a:schemeClr val="bg1"/>
+                </a:solidFill>
+              </a:rPr>
+              <a:t> </a:t>
+            </a:r>
+            <a:r>
+              <a:rPr lang="en-US" sz="2400" dirty="0" err="1">
+                <a:solidFill>
+                  <a:schemeClr val="bg1"/>
+                </a:solidFill>
+              </a:rPr>
+              <a:t>khóa</a:t>
+            </a:r>
+            <a:r>
+              <a:rPr lang="en-US" sz="2400" dirty="0">
+                <a:solidFill>
+                  <a:schemeClr val="bg1"/>
+                </a:solidFill>
+              </a:rPr>
+              <a:t> Fresher.</a:t>
+            </a:r>
+          </a:p>
+          <a:p>
+            <a:pPr>
+              <a:buFont typeface="Wingdings" panose="05000000000000000000" pitchFamily="2" charset="2"/>
+              <a:buChar char="q"/>
+            </a:pPr>
+            <a:endParaRPr lang="en-US" sz="2400" dirty="0">
+              <a:solidFill>
+                <a:schemeClr val="bg1"/>
+              </a:solidFill>
+            </a:endParaRPr>
+          </a:p>
+          <a:p>
+            <a:pPr>
+              <a:buFont typeface="Wingdings" panose="05000000000000000000" pitchFamily="2" charset="2"/>
+              <a:buChar char="q"/>
+            </a:pPr>
+            <a:r>
+              <a:rPr lang="en-US" sz="2400" dirty="0">
+                <a:solidFill>
+                  <a:schemeClr val="bg1"/>
+                </a:solidFill>
+              </a:rPr>
+              <a:t> </a:t>
+            </a:r>
+            <a:r>
+              <a:rPr lang="en-US" sz="2400" dirty="0" err="1">
+                <a:solidFill>
+                  <a:schemeClr val="bg1"/>
+                </a:solidFill>
+              </a:rPr>
+              <a:t>Mục</a:t>
+            </a:r>
+            <a:r>
+              <a:rPr lang="en-US" sz="2400" dirty="0">
+                <a:solidFill>
+                  <a:schemeClr val="bg1"/>
+                </a:solidFill>
+              </a:rPr>
+              <a:t> </a:t>
+            </a:r>
+            <a:r>
+              <a:rPr lang="en-US" sz="2400" dirty="0" err="1">
+                <a:solidFill>
+                  <a:schemeClr val="bg1"/>
+                </a:solidFill>
+              </a:rPr>
+              <a:t>tiêu</a:t>
+            </a:r>
+            <a:r>
+              <a:rPr lang="en-US" sz="2400" dirty="0">
+                <a:solidFill>
+                  <a:schemeClr val="bg1"/>
+                </a:solidFill>
+              </a:rPr>
+              <a:t>.</a:t>
+            </a:r>
           </a:p>
         </p:txBody>
       </p:sp>
@@ -5544,7 +6545,274 @@
   <p:timing>
     <p:tnLst>
       <p:par>
-        <p:cTn id="1" dur="indefinite" restart="never" nodeType="tmRoot"/>
+        <p:cTn id="1" dur="indefinite" restart="never" nodeType="tmRoot">
+          <p:childTnLst>
+            <p:seq concurrent="1" nextAc="seek">
+              <p:cTn id="2" dur="indefinite" nodeType="mainSeq">
+                <p:childTnLst>
+                  <p:par>
+                    <p:cTn id="3" fill="hold">
+                      <p:stCondLst>
+                        <p:cond delay="indefinite"/>
+                      </p:stCondLst>
+                      <p:childTnLst>
+                        <p:par>
+                          <p:cTn id="4" fill="hold">
+                            <p:stCondLst>
+                              <p:cond delay="0"/>
+                            </p:stCondLst>
+                            <p:childTnLst>
+                              <p:par>
+                                <p:cTn id="5" presetID="16" presetClass="entr" presetSubtype="21" fill="hold" nodeType="clickEffect">
+                                  <p:stCondLst>
+                                    <p:cond delay="0"/>
+                                  </p:stCondLst>
+                                  <p:childTnLst>
+                                    <p:set>
+                                      <p:cBhvr>
+                                        <p:cTn id="6" dur="1" fill="hold">
+                                          <p:stCondLst>
+                                            <p:cond delay="0"/>
+                                          </p:stCondLst>
+                                        </p:cTn>
+                                        <p:tgtEl>
+                                          <p:spTgt spid="3">
+                                            <p:txEl>
+                                              <p:pRg st="0" end="0"/>
+                                            </p:txEl>
+                                          </p:spTgt>
+                                        </p:tgtEl>
+                                        <p:attrNameLst>
+                                          <p:attrName>style.visibility</p:attrName>
+                                        </p:attrNameLst>
+                                      </p:cBhvr>
+                                      <p:to>
+                                        <p:strVal val="visible"/>
+                                      </p:to>
+                                    </p:set>
+                                    <p:animEffect transition="in" filter="barn(inVertical)">
+                                      <p:cBhvr>
+                                        <p:cTn id="7" dur="500"/>
+                                        <p:tgtEl>
+                                          <p:spTgt spid="3">
+                                            <p:txEl>
+                                              <p:pRg st="0" end="0"/>
+                                            </p:txEl>
+                                          </p:spTgt>
+                                        </p:tgtEl>
+                                      </p:cBhvr>
+                                    </p:animEffect>
+                                  </p:childTnLst>
+                                </p:cTn>
+                              </p:par>
+                            </p:childTnLst>
+                          </p:cTn>
+                        </p:par>
+                      </p:childTnLst>
+                    </p:cTn>
+                  </p:par>
+                  <p:par>
+                    <p:cTn id="8" fill="hold">
+                      <p:stCondLst>
+                        <p:cond delay="indefinite"/>
+                      </p:stCondLst>
+                      <p:childTnLst>
+                        <p:par>
+                          <p:cTn id="9" fill="hold">
+                            <p:stCondLst>
+                              <p:cond delay="0"/>
+                            </p:stCondLst>
+                            <p:childTnLst>
+                              <p:par>
+                                <p:cTn id="10" presetID="16" presetClass="entr" presetSubtype="21" fill="hold" nodeType="clickEffect">
+                                  <p:stCondLst>
+                                    <p:cond delay="0"/>
+                                  </p:stCondLst>
+                                  <p:childTnLst>
+                                    <p:set>
+                                      <p:cBhvr>
+                                        <p:cTn id="11" dur="1" fill="hold">
+                                          <p:stCondLst>
+                                            <p:cond delay="0"/>
+                                          </p:stCondLst>
+                                        </p:cTn>
+                                        <p:tgtEl>
+                                          <p:spTgt spid="3">
+                                            <p:txEl>
+                                              <p:pRg st="2" end="2"/>
+                                            </p:txEl>
+                                          </p:spTgt>
+                                        </p:tgtEl>
+                                        <p:attrNameLst>
+                                          <p:attrName>style.visibility</p:attrName>
+                                        </p:attrNameLst>
+                                      </p:cBhvr>
+                                      <p:to>
+                                        <p:strVal val="visible"/>
+                                      </p:to>
+                                    </p:set>
+                                    <p:animEffect transition="in" filter="barn(inVertical)">
+                                      <p:cBhvr>
+                                        <p:cTn id="12" dur="500"/>
+                                        <p:tgtEl>
+                                          <p:spTgt spid="3">
+                                            <p:txEl>
+                                              <p:pRg st="2" end="2"/>
+                                            </p:txEl>
+                                          </p:spTgt>
+                                        </p:tgtEl>
+                                      </p:cBhvr>
+                                    </p:animEffect>
+                                  </p:childTnLst>
+                                </p:cTn>
+                              </p:par>
+                            </p:childTnLst>
+                          </p:cTn>
+                        </p:par>
+                      </p:childTnLst>
+                    </p:cTn>
+                  </p:par>
+                  <p:par>
+                    <p:cTn id="13" fill="hold">
+                      <p:stCondLst>
+                        <p:cond delay="indefinite"/>
+                      </p:stCondLst>
+                      <p:childTnLst>
+                        <p:par>
+                          <p:cTn id="14" fill="hold">
+                            <p:stCondLst>
+                              <p:cond delay="0"/>
+                            </p:stCondLst>
+                            <p:childTnLst>
+                              <p:par>
+                                <p:cTn id="15" presetID="16" presetClass="entr" presetSubtype="21" fill="hold" nodeType="clickEffect">
+                                  <p:stCondLst>
+                                    <p:cond delay="0"/>
+                                  </p:stCondLst>
+                                  <p:childTnLst>
+                                    <p:set>
+                                      <p:cBhvr>
+                                        <p:cTn id="16" dur="1" fill="hold">
+                                          <p:stCondLst>
+                                            <p:cond delay="0"/>
+                                          </p:stCondLst>
+                                        </p:cTn>
+                                        <p:tgtEl>
+                                          <p:spTgt spid="3">
+                                            <p:txEl>
+                                              <p:pRg st="4" end="4"/>
+                                            </p:txEl>
+                                          </p:spTgt>
+                                        </p:tgtEl>
+                                        <p:attrNameLst>
+                                          <p:attrName>style.visibility</p:attrName>
+                                        </p:attrNameLst>
+                                      </p:cBhvr>
+                                      <p:to>
+                                        <p:strVal val="visible"/>
+                                      </p:to>
+                                    </p:set>
+                                    <p:animEffect transition="in" filter="barn(inVertical)">
+                                      <p:cBhvr>
+                                        <p:cTn id="17" dur="500"/>
+                                        <p:tgtEl>
+                                          <p:spTgt spid="3">
+                                            <p:txEl>
+                                              <p:pRg st="4" end="4"/>
+                                            </p:txEl>
+                                          </p:spTgt>
+                                        </p:tgtEl>
+                                      </p:cBhvr>
+                                    </p:animEffect>
+                                  </p:childTnLst>
+                                </p:cTn>
+                              </p:par>
+                            </p:childTnLst>
+                          </p:cTn>
+                        </p:par>
+                      </p:childTnLst>
+                    </p:cTn>
+                  </p:par>
+                  <p:par>
+                    <p:cTn id="18" fill="hold">
+                      <p:stCondLst>
+                        <p:cond delay="indefinite"/>
+                      </p:stCondLst>
+                      <p:childTnLst>
+                        <p:par>
+                          <p:cTn id="19" fill="hold">
+                            <p:stCondLst>
+                              <p:cond delay="0"/>
+                            </p:stCondLst>
+                            <p:childTnLst>
+                              <p:par>
+                                <p:cTn id="20" presetID="16" presetClass="entr" presetSubtype="21" fill="hold" nodeType="clickEffect">
+                                  <p:stCondLst>
+                                    <p:cond delay="0"/>
+                                  </p:stCondLst>
+                                  <p:childTnLst>
+                                    <p:set>
+                                      <p:cBhvr>
+                                        <p:cTn id="21" dur="1" fill="hold">
+                                          <p:stCondLst>
+                                            <p:cond delay="0"/>
+                                          </p:stCondLst>
+                                        </p:cTn>
+                                        <p:tgtEl>
+                                          <p:spTgt spid="3">
+                                            <p:txEl>
+                                              <p:pRg st="6" end="6"/>
+                                            </p:txEl>
+                                          </p:spTgt>
+                                        </p:tgtEl>
+                                        <p:attrNameLst>
+                                          <p:attrName>style.visibility</p:attrName>
+                                        </p:attrNameLst>
+                                      </p:cBhvr>
+                                      <p:to>
+                                        <p:strVal val="visible"/>
+                                      </p:to>
+                                    </p:set>
+                                    <p:animEffect transition="in" filter="barn(inVertical)">
+                                      <p:cBhvr>
+                                        <p:cTn id="22" dur="500"/>
+                                        <p:tgtEl>
+                                          <p:spTgt spid="3">
+                                            <p:txEl>
+                                              <p:pRg st="6" end="6"/>
+                                            </p:txEl>
+                                          </p:spTgt>
+                                        </p:tgtEl>
+                                      </p:cBhvr>
+                                    </p:animEffect>
+                                  </p:childTnLst>
+                                </p:cTn>
+                              </p:par>
+                            </p:childTnLst>
+                          </p:cTn>
+                        </p:par>
+                      </p:childTnLst>
+                    </p:cTn>
+                  </p:par>
+                </p:childTnLst>
+              </p:cTn>
+              <p:prevCondLst>
+                <p:cond evt="onPrev" delay="0">
+                  <p:tgtEl>
+                    <p:sldTgt/>
+                  </p:tgtEl>
+                </p:cond>
+              </p:prevCondLst>
+              <p:nextCondLst>
+                <p:cond evt="onNext" delay="0">
+                  <p:tgtEl>
+                    <p:sldTgt/>
+                  </p:tgtEl>
+                </p:cond>
+              </p:nextCondLst>
+            </p:seq>
+          </p:childTnLst>
+        </p:cTn>
       </p:par>
     </p:tnLst>
   </p:timing>
@@ -5554,6 +6822,36 @@
 <file path=ppt/slides/slide3.xml><?xml version="1.0" encoding="utf-8"?>
 <p:sld xmlns:a="http://schemas.openxmlformats.org/drawingml/2006/main" xmlns:r="http://schemas.openxmlformats.org/officeDocument/2006/relationships" xmlns:p="http://schemas.openxmlformats.org/presentationml/2006/main">
   <p:cSld>
+    <p:bg>
+      <p:bgPr>
+        <a:gradFill flip="none" rotWithShape="1">
+          <a:gsLst>
+            <a:gs pos="0">
+              <a:schemeClr val="bg1"/>
+            </a:gs>
+            <a:gs pos="83000">
+              <a:schemeClr val="accent5">
+                <a:lumMod val="75000"/>
+              </a:schemeClr>
+            </a:gs>
+            <a:gs pos="94000">
+              <a:schemeClr val="accent5">
+                <a:lumMod val="20000"/>
+                <a:lumOff val="80000"/>
+              </a:schemeClr>
+            </a:gs>
+            <a:gs pos="20000">
+              <a:schemeClr val="accent5">
+                <a:lumMod val="75000"/>
+              </a:schemeClr>
+            </a:gs>
+          </a:gsLst>
+          <a:lin ang="5400000" scaled="1"/>
+          <a:tileRect/>
+        </a:gradFill>
+        <a:effectLst/>
+      </p:bgPr>
+    </p:bg>
     <p:spTree>
       <p:nvGrpSpPr>
         <p:cNvPr id="1" name=""/>
@@ -5584,27 +6882,27 @@
           <a:lstStyle/>
           <a:p>
             <a:r>
-              <a:rPr lang="en-US" dirty="0" err="1" smtClean="0"/>
+              <a:rPr lang="en-US" dirty="0" err="1"/>
               <a:t>Sơ</a:t>
             </a:r>
             <a:r>
-              <a:rPr lang="en-US" dirty="0" smtClean="0"/>
+              <a:rPr lang="en-US" dirty="0"/>
               <a:t> </a:t>
             </a:r>
             <a:r>
-              <a:rPr lang="en-US" dirty="0" err="1" smtClean="0"/>
+              <a:rPr lang="en-US" dirty="0" err="1"/>
               <a:t>lược</a:t>
             </a:r>
             <a:r>
-              <a:rPr lang="en-US" dirty="0" smtClean="0"/>
+              <a:rPr lang="en-US" dirty="0"/>
               <a:t> </a:t>
             </a:r>
             <a:r>
-              <a:rPr lang="en-US" dirty="0" err="1" smtClean="0"/>
+              <a:rPr lang="en-US" dirty="0" err="1"/>
               <a:t>bản</a:t>
             </a:r>
             <a:r>
-              <a:rPr lang="en-US" dirty="0" smtClean="0"/>
+              <a:rPr lang="en-US" dirty="0"/>
               <a:t> </a:t>
             </a:r>
             <a:r>
@@ -5652,8 +6950,8 @@
         </p:nvSpPr>
         <p:spPr>
           <a:xfrm>
-            <a:off x="3131800" y="950657"/>
-            <a:ext cx="4392610" cy="3200876"/>
+            <a:off x="3848963" y="980072"/>
+            <a:ext cx="4392610" cy="3262432"/>
           </a:xfrm>
           <a:prstGeom prst="rect">
             <a:avLst/>
@@ -5669,200 +6967,71 @@
           </a:bodyPr>
           <a:lstStyle/>
           <a:p>
-            <a:pPr marL="171450" indent="-171450">
-              <a:buFontTx/>
-              <a:buChar char="-"/>
-            </a:pPr>
-            <a:r>
-              <a:rPr lang="en-US" sz="2800" b="1" dirty="0" err="1" smtClean="0">
-                <a:solidFill>
-                  <a:schemeClr val="accent5">
-                    <a:lumMod val="75000"/>
+            <a:r>
+              <a:rPr lang="en-US" sz="3200" b="1" dirty="0" err="1">
+                <a:solidFill>
+                  <a:schemeClr val="accent6">
+                    <a:lumMod val="40000"/>
+                    <a:lumOff val="60000"/>
                   </a:schemeClr>
                 </a:solidFill>
               </a:rPr>
               <a:t>Đặng</a:t>
             </a:r>
             <a:r>
-              <a:rPr lang="en-US" sz="2800" b="1" dirty="0" smtClean="0">
-                <a:solidFill>
-                  <a:schemeClr val="accent5">
-                    <a:lumMod val="75000"/>
+              <a:rPr lang="en-US" sz="3200" b="1" dirty="0">
+                <a:solidFill>
+                  <a:schemeClr val="accent6">
+                    <a:lumMod val="40000"/>
+                    <a:lumOff val="60000"/>
                   </a:schemeClr>
                 </a:solidFill>
               </a:rPr>
               <a:t> </a:t>
             </a:r>
             <a:r>
-              <a:rPr lang="en-US" sz="2800" b="1" dirty="0" err="1" smtClean="0">
-                <a:solidFill>
-                  <a:schemeClr val="accent5">
-                    <a:lumMod val="75000"/>
+              <a:rPr lang="en-US" sz="3200" b="1" dirty="0" err="1">
+                <a:solidFill>
+                  <a:schemeClr val="accent6">
+                    <a:lumMod val="40000"/>
+                    <a:lumOff val="60000"/>
                   </a:schemeClr>
                 </a:solidFill>
               </a:rPr>
               <a:t>Võ</a:t>
             </a:r>
             <a:r>
-              <a:rPr lang="en-US" sz="2800" b="1" dirty="0" smtClean="0">
-                <a:solidFill>
-                  <a:schemeClr val="accent5">
-                    <a:lumMod val="75000"/>
+              <a:rPr lang="en-US" sz="3200" b="1" dirty="0">
+                <a:solidFill>
+                  <a:schemeClr val="accent6">
+                    <a:lumMod val="40000"/>
+                    <a:lumOff val="60000"/>
                   </a:schemeClr>
                 </a:solidFill>
               </a:rPr>
               <a:t> </a:t>
             </a:r>
             <a:r>
-              <a:rPr lang="en-US" sz="2800" b="1" dirty="0" err="1" smtClean="0">
-                <a:solidFill>
-                  <a:schemeClr val="accent5">
-                    <a:lumMod val="75000"/>
+              <a:rPr lang="en-US" sz="3200" b="1" dirty="0" err="1">
+                <a:solidFill>
+                  <a:schemeClr val="accent6">
+                    <a:lumMod val="40000"/>
+                    <a:lumOff val="60000"/>
                   </a:schemeClr>
                 </a:solidFill>
               </a:rPr>
               <a:t>Hoài</a:t>
             </a:r>
             <a:r>
-              <a:rPr lang="en-US" sz="2800" b="1" dirty="0" smtClean="0">
-                <a:solidFill>
-                  <a:schemeClr val="accent5">
-                    <a:lumMod val="75000"/>
+              <a:rPr lang="en-US" sz="3200" b="1" dirty="0">
+                <a:solidFill>
+                  <a:schemeClr val="accent6">
+                    <a:lumMod val="40000"/>
+                    <a:lumOff val="60000"/>
                   </a:schemeClr>
                 </a:solidFill>
               </a:rPr>
               <a:t> Thanh</a:t>
-            </a:r>
-          </a:p>
-          <a:p>
-            <a:pPr marL="171450" indent="-171450">
-              <a:buFontTx/>
-              <a:buChar char="-"/>
-            </a:pPr>
-            <a:endParaRPr lang="en-US" sz="1800" b="1" dirty="0" smtClean="0">
-              <a:solidFill>
-                <a:schemeClr val="bg1"/>
-              </a:solidFill>
-            </a:endParaRPr>
-          </a:p>
-          <a:p>
-            <a:pPr marL="171450" indent="-171450">
-              <a:buFontTx/>
-              <a:buChar char="-"/>
-            </a:pPr>
-            <a:r>
-              <a:rPr lang="en-US" sz="1800" b="1" dirty="0" err="1" smtClean="0">
-                <a:solidFill>
-                  <a:schemeClr val="bg1"/>
-                </a:solidFill>
-              </a:rPr>
-              <a:t>Khoa</a:t>
-            </a:r>
-            <a:r>
-              <a:rPr lang="en-US" sz="1800" b="1" dirty="0" smtClean="0">
-                <a:solidFill>
-                  <a:schemeClr val="bg1"/>
-                </a:solidFill>
-              </a:rPr>
-              <a:t>: </a:t>
-            </a:r>
-            <a:r>
-              <a:rPr lang="en-US" sz="1800" b="1" dirty="0" err="1" smtClean="0">
-                <a:solidFill>
-                  <a:schemeClr val="bg1"/>
-                </a:solidFill>
-              </a:rPr>
-              <a:t>Hệ</a:t>
-            </a:r>
-            <a:r>
-              <a:rPr lang="en-US" sz="1800" b="1" dirty="0" smtClean="0">
-                <a:solidFill>
-                  <a:schemeClr val="bg1"/>
-                </a:solidFill>
-              </a:rPr>
-              <a:t> </a:t>
-            </a:r>
-            <a:r>
-              <a:rPr lang="en-US" sz="1800" b="1" dirty="0" err="1" smtClean="0">
-                <a:solidFill>
-                  <a:schemeClr val="bg1"/>
-                </a:solidFill>
-              </a:rPr>
-              <a:t>thống</a:t>
-            </a:r>
-            <a:r>
-              <a:rPr lang="en-US" sz="1800" b="1" dirty="0" smtClean="0">
-                <a:solidFill>
-                  <a:schemeClr val="bg1"/>
-                </a:solidFill>
-              </a:rPr>
-              <a:t> </a:t>
-            </a:r>
-            <a:r>
-              <a:rPr lang="en-US" sz="1800" b="1" dirty="0" err="1" smtClean="0">
-                <a:solidFill>
-                  <a:schemeClr val="bg1"/>
-                </a:solidFill>
-              </a:rPr>
-              <a:t>thông</a:t>
-            </a:r>
-            <a:r>
-              <a:rPr lang="en-US" sz="1800" b="1" dirty="0" smtClean="0">
-                <a:solidFill>
-                  <a:schemeClr val="bg1"/>
-                </a:solidFill>
-              </a:rPr>
-              <a:t> tin </a:t>
-            </a:r>
-            <a:r>
-              <a:rPr lang="en-US" sz="1800" b="1" dirty="0" err="1" smtClean="0">
-                <a:solidFill>
-                  <a:schemeClr val="bg1"/>
-                </a:solidFill>
-              </a:rPr>
-              <a:t>quản</a:t>
-            </a:r>
-            <a:r>
-              <a:rPr lang="en-US" sz="1800" b="1" dirty="0" smtClean="0">
-                <a:solidFill>
-                  <a:schemeClr val="bg1"/>
-                </a:solidFill>
-              </a:rPr>
-              <a:t> </a:t>
-            </a:r>
-            <a:r>
-              <a:rPr lang="en-US" sz="1800" b="1" dirty="0" err="1" smtClean="0">
-                <a:solidFill>
-                  <a:schemeClr val="bg1"/>
-                </a:solidFill>
-              </a:rPr>
-              <a:t>lý</a:t>
-            </a:r>
-            <a:r>
-              <a:rPr lang="en-US" sz="1800" b="1" dirty="0" smtClean="0">
-                <a:solidFill>
-                  <a:schemeClr val="bg1"/>
-                </a:solidFill>
-              </a:rPr>
-              <a:t/>
-            </a:r>
-            <a:br>
-              <a:rPr lang="en-US" sz="1800" b="1" dirty="0" smtClean="0">
-                <a:solidFill>
-                  <a:schemeClr val="bg1"/>
-                </a:solidFill>
-              </a:rPr>
-            </a:br>
-            <a:r>
-              <a:rPr lang="en-US" sz="1600" dirty="0" smtClean="0">
-                <a:solidFill>
-                  <a:schemeClr val="accent3">
-                    <a:lumMod val="60000"/>
-                    <a:lumOff val="40000"/>
-                  </a:schemeClr>
-                </a:solidFill>
-              </a:rPr>
-              <a:t>2015 - 2020</a:t>
             </a:r>
           </a:p>
           <a:p>
@@ -5882,31 +7051,47 @@
               <a:buChar char="-"/>
             </a:pPr>
             <a:r>
-              <a:rPr lang="en-US" sz="1800" b="1" dirty="0" err="1" smtClean="0">
+              <a:rPr lang="en-US" sz="1800" b="1" dirty="0" err="1">
                 <a:solidFill>
                   <a:schemeClr val="bg1"/>
                 </a:solidFill>
               </a:rPr>
-              <a:t>Đã</a:t>
-            </a:r>
-            <a:r>
-              <a:rPr lang="en-US" sz="1800" b="1" dirty="0" smtClean="0">
+              <a:t>Khoa</a:t>
+            </a:r>
+            <a:r>
+              <a:rPr lang="en-US" sz="1800" b="1" dirty="0">
                 <a:solidFill>
                   <a:schemeClr val="bg1"/>
                 </a:solidFill>
               </a:rPr>
+              <a:t>: </a:t>
+            </a:r>
+            <a:r>
+              <a:rPr lang="en-US" sz="1800" b="1" dirty="0" err="1">
+                <a:solidFill>
+                  <a:schemeClr val="bg1"/>
+                </a:solidFill>
+              </a:rPr>
+              <a:t>Hệ</a:t>
+            </a:r>
+            <a:r>
+              <a:rPr lang="en-US" sz="1800" b="1" dirty="0">
+                <a:solidFill>
+                  <a:schemeClr val="bg1"/>
+                </a:solidFill>
+              </a:rPr>
               <a:t> </a:t>
             </a:r>
             <a:r>
-              <a:rPr lang="en-US" sz="1800" b="1" dirty="0" err="1" smtClean="0">
+              <a:rPr lang="en-US" sz="1800" b="1" dirty="0" err="1">
                 <a:solidFill>
                   <a:schemeClr val="bg1"/>
                 </a:solidFill>
               </a:rPr>
-              <a:t>tốt</a:t>
-            </a:r>
-            <a:r>
-              <a:rPr lang="en-US" sz="1800" b="1" dirty="0" smtClean="0">
+              <a:t>thống</a:t>
+            </a:r>
+            <a:r>
+              <a:rPr lang="en-US" sz="1800" b="1" dirty="0">
                 <a:solidFill>
                   <a:schemeClr val="bg1"/>
                 </a:solidFill>
@@ -5914,30 +7099,62 @@
               <a:t> </a:t>
             </a:r>
             <a:r>
-              <a:rPr lang="en-US" sz="1800" b="1" dirty="0" err="1" smtClean="0">
+              <a:rPr lang="en-US" sz="1800" b="1" dirty="0" err="1">
                 <a:solidFill>
                   <a:schemeClr val="bg1"/>
                 </a:solidFill>
               </a:rPr>
-              <a:t>nghiệp</a:t>
-            </a:r>
-            <a:r>
-              <a:rPr lang="en-US" sz="1800" b="1" dirty="0" smtClean="0">
+              <a:t>thông</a:t>
+            </a:r>
+            <a:r>
+              <a:rPr lang="en-US" sz="1800" b="1" dirty="0">
                 <a:solidFill>
                   <a:schemeClr val="bg1"/>
                 </a:solidFill>
               </a:rPr>
+              <a:t> tin </a:t>
+            </a:r>
+            <a:r>
+              <a:rPr lang="en-US" sz="1800" b="1" dirty="0" err="1">
+                <a:solidFill>
+                  <a:schemeClr val="bg1"/>
+                </a:solidFill>
+              </a:rPr>
+              <a:t>quản</a:t>
+            </a:r>
+            <a:r>
+              <a:rPr lang="en-US" sz="1800" b="1" dirty="0">
+                <a:solidFill>
+                  <a:schemeClr val="bg1"/>
+                </a:solidFill>
+              </a:rPr>
+              <a:t> </a:t>
+            </a:r>
+            <a:r>
+              <a:rPr lang="en-US" sz="1800" b="1" dirty="0" err="1">
+                <a:solidFill>
+                  <a:schemeClr val="bg1"/>
+                </a:solidFill>
+              </a:rPr>
+              <a:t>lý</a:t>
+            </a:r>
+            <a:r>
+              <a:rPr lang="en-US" sz="1800" b="1" dirty="0">
+                <a:solidFill>
+                  <a:schemeClr val="bg1"/>
+                </a:solidFill>
+              </a:rPr>
               <a:t/>
             </a:r>
             <a:br>
-              <a:rPr lang="en-US" sz="1800" b="1" dirty="0" smtClean="0">
+              <a:rPr lang="en-US" sz="1800" b="1" dirty="0">
                 <a:solidFill>
                   <a:schemeClr val="bg1"/>
                 </a:solidFill>
               </a:rPr>
             </a:br>
             <a:r>
-              <a:rPr lang="en-US" sz="1600" dirty="0" err="1" smtClean="0">
+              <a:rPr lang="en-US" sz="1600" dirty="0">
                 <a:solidFill>
                   <a:schemeClr val="accent3">
                     <a:lumMod val="60000"/>
@@ -5945,10 +7162,82 @@
                   </a:schemeClr>
                 </a:solidFill>
               </a:rPr>
-              <a:t>Tình</a:t>
-            </a:r>
-            <a:r>
-              <a:rPr lang="en-US" sz="1600" dirty="0" smtClean="0">
+              <a:t>2015 - 2020</a:t>
+            </a:r>
+          </a:p>
+          <a:p>
+            <a:pPr marL="171450" indent="-171450">
+              <a:buFontTx/>
+              <a:buChar char="-"/>
+            </a:pPr>
+            <a:endParaRPr lang="en-US" sz="1800" b="1" dirty="0">
+              <a:solidFill>
+                <a:schemeClr val="bg1"/>
+              </a:solidFill>
+            </a:endParaRPr>
+          </a:p>
+          <a:p>
+            <a:pPr marL="171450" indent="-171450">
+              <a:buFontTx/>
+              <a:buChar char="-"/>
+            </a:pPr>
+            <a:r>
+              <a:rPr lang="en-US" sz="1800" b="1" dirty="0" err="1">
+                <a:solidFill>
+                  <a:schemeClr val="bg1"/>
+                </a:solidFill>
+              </a:rPr>
+              <a:t>Đã</a:t>
+            </a:r>
+            <a:r>
+              <a:rPr lang="en-US" sz="1800" b="1" dirty="0">
+                <a:solidFill>
+                  <a:schemeClr val="bg1"/>
+                </a:solidFill>
+              </a:rPr>
+              <a:t> </a:t>
+            </a:r>
+            <a:r>
+              <a:rPr lang="en-US" sz="1800" b="1" dirty="0" err="1">
+                <a:solidFill>
+                  <a:schemeClr val="bg1"/>
+                </a:solidFill>
+              </a:rPr>
+              <a:t>tốt</a:t>
+            </a:r>
+            <a:r>
+              <a:rPr lang="en-US" sz="1800" b="1" dirty="0">
+                <a:solidFill>
+                  <a:schemeClr val="bg1"/>
+                </a:solidFill>
+              </a:rPr>
+              <a:t> </a:t>
+            </a:r>
+            <a:r>
+              <a:rPr lang="en-US" sz="1800" b="1" dirty="0" err="1">
+                <a:solidFill>
+                  <a:schemeClr val="bg1"/>
+                </a:solidFill>
+              </a:rPr>
+              <a:t>nghiệp</a:t>
+            </a:r>
+            <a:r>
+              <a:rPr lang="en-US" sz="1800" b="1" dirty="0">
+                <a:solidFill>
+                  <a:schemeClr val="bg1"/>
+                </a:solidFill>
+              </a:rPr>
+              <a:t/>
+            </a:r>
+            <a:br>
+              <a:rPr lang="en-US" sz="1800" b="1" dirty="0">
+                <a:solidFill>
+                  <a:schemeClr val="bg1"/>
+                </a:solidFill>
+              </a:rPr>
+            </a:br>
+            <a:r>
+              <a:rPr lang="en-US" sz="1600" dirty="0" err="1">
                 <a:solidFill>
                   <a:schemeClr val="accent3">
                     <a:lumMod val="60000"/>
@@ -5956,10 +7245,10 @@
                   </a:schemeClr>
                 </a:solidFill>
               </a:rPr>
-              <a:t> </a:t>
-            </a:r>
-            <a:r>
-              <a:rPr lang="en-US" sz="1600" dirty="0" err="1" smtClean="0">
+              <a:t>Tình</a:t>
+            </a:r>
+            <a:r>
+              <a:rPr lang="en-US" sz="1600" dirty="0">
                 <a:solidFill>
                   <a:schemeClr val="accent3">
                     <a:lumMod val="60000"/>
@@ -5967,10 +7256,10 @@
                   </a:schemeClr>
                 </a:solidFill>
               </a:rPr>
-              <a:t>hình</a:t>
-            </a:r>
-            <a:r>
-              <a:rPr lang="en-US" sz="1600" dirty="0" smtClean="0">
+              <a:t> </a:t>
+            </a:r>
+            <a:r>
+              <a:rPr lang="en-US" sz="1600" dirty="0" err="1">
                 <a:solidFill>
                   <a:schemeClr val="accent3">
                     <a:lumMod val="60000"/>
@@ -5978,10 +7267,10 @@
                   </a:schemeClr>
                 </a:solidFill>
               </a:rPr>
-              <a:t> </a:t>
-            </a:r>
-            <a:r>
-              <a:rPr lang="en-US" sz="1600" dirty="0" err="1" smtClean="0">
+              <a:t>hình</a:t>
+            </a:r>
+            <a:r>
+              <a:rPr lang="en-US" sz="1600" dirty="0">
                 <a:solidFill>
                   <a:schemeClr val="accent3">
                     <a:lumMod val="60000"/>
@@ -5989,10 +7278,10 @@
                   </a:schemeClr>
                 </a:solidFill>
               </a:rPr>
-              <a:t>học</a:t>
-            </a:r>
-            <a:r>
-              <a:rPr lang="en-US" sz="1600" dirty="0" smtClean="0">
+              <a:t> </a:t>
+            </a:r>
+            <a:r>
+              <a:rPr lang="en-US" sz="1600" dirty="0" err="1">
                 <a:solidFill>
                   <a:schemeClr val="accent3">
                     <a:lumMod val="60000"/>
@@ -6000,10 +7289,10 @@
                   </a:schemeClr>
                 </a:solidFill>
               </a:rPr>
-              <a:t> </a:t>
-            </a:r>
-            <a:r>
-              <a:rPr lang="en-US" sz="1600" dirty="0" err="1" smtClean="0">
+              <a:t>học</a:t>
+            </a:r>
+            <a:r>
+              <a:rPr lang="en-US" sz="1600" dirty="0">
                 <a:solidFill>
                   <a:schemeClr val="accent3">
                     <a:lumMod val="60000"/>
@@ -6011,9 +7300,20 @@
                   </a:schemeClr>
                 </a:solidFill>
               </a:rPr>
+              <a:t> </a:t>
+            </a:r>
+            <a:r>
+              <a:rPr lang="en-US" sz="1600" dirty="0" err="1">
+                <a:solidFill>
+                  <a:schemeClr val="accent3">
+                    <a:lumMod val="60000"/>
+                    <a:lumOff val="40000"/>
+                  </a:schemeClr>
+                </a:solidFill>
+              </a:rPr>
               <a:t>tập</a:t>
             </a:r>
-            <a:endParaRPr lang="en-US" sz="1600" dirty="0" smtClean="0">
+            <a:endParaRPr lang="en-US" sz="1600" dirty="0">
               <a:solidFill>
                 <a:schemeClr val="accent3">
                   <a:lumMod val="60000"/>
@@ -6027,7 +7327,7 @@
               <a:buFontTx/>
               <a:buChar char="-"/>
             </a:pPr>
-            <a:endParaRPr lang="en-US" sz="1800" b="1" dirty="0" smtClean="0">
+            <a:endParaRPr lang="en-US" sz="1800" b="1" dirty="0">
               <a:solidFill>
                 <a:schemeClr val="bg1"/>
               </a:solidFill>
@@ -6039,7 +7339,7 @@
               <a:buChar char="-"/>
             </a:pPr>
             <a:r>
-              <a:rPr lang="en-US" sz="1800" b="1" dirty="0" smtClean="0">
+              <a:rPr lang="en-US" sz="1800" b="1" dirty="0">
                 <a:solidFill>
                   <a:schemeClr val="bg1"/>
                 </a:solidFill>
@@ -6047,7 +7347,7 @@
               <a:t>5 / 5 / 1997 – Long An</a:t>
             </a:r>
             <a:r>
-              <a:rPr lang="en-US" sz="1800" dirty="0" smtClean="0">
+              <a:rPr lang="en-US" sz="1800" dirty="0">
                 <a:solidFill>
                   <a:schemeClr val="bg1"/>
                 </a:solidFill>
@@ -6055,14 +7355,14 @@
               <a:t/>
             </a:r>
             <a:br>
-              <a:rPr lang="en-US" sz="1800" dirty="0" smtClean="0">
+              <a:rPr lang="en-US" sz="1800" dirty="0">
                 <a:solidFill>
                   <a:schemeClr val="bg1"/>
                 </a:solidFill>
               </a:rPr>
             </a:br>
             <a:r>
-              <a:rPr lang="en-US" sz="1600" dirty="0" err="1" smtClean="0">
+              <a:rPr lang="en-US" sz="1600" dirty="0" err="1">
                 <a:solidFill>
                   <a:schemeClr val="accent3">
                     <a:lumMod val="60000"/>
@@ -6073,7 +7373,7 @@
               <a:t>Ngày</a:t>
             </a:r>
             <a:r>
-              <a:rPr lang="en-US" sz="1600" dirty="0" smtClean="0">
+              <a:rPr lang="en-US" sz="1600" dirty="0">
                 <a:solidFill>
                   <a:schemeClr val="accent3">
                     <a:lumMod val="60000"/>
@@ -6084,7 +7384,7 @@
               <a:t> </a:t>
             </a:r>
             <a:r>
-              <a:rPr lang="en-US" sz="1600" dirty="0" err="1" smtClean="0">
+              <a:rPr lang="en-US" sz="1600" dirty="0" err="1">
                 <a:solidFill>
                   <a:schemeClr val="accent3">
                     <a:lumMod val="60000"/>
@@ -6109,14 +7409,494 @@
                 </a:solidFill>
               </a:rPr>
             </a:br>
+            <a:endParaRPr lang="en-US" sz="1800" dirty="0">
+              <a:solidFill>
+                <a:schemeClr val="bg1"/>
+              </a:solidFill>
+            </a:endParaRPr>
+          </a:p>
+        </p:txBody>
+      </p:sp>
+      <p:sp>
+        <p:nvSpPr>
+          <p:cNvPr id="11" name="TextBox 10"/>
+          <p:cNvSpPr txBox="1"/>
+          <p:nvPr/>
+        </p:nvSpPr>
+        <p:spPr>
+          <a:xfrm>
+            <a:off x="3848963" y="3933070"/>
+            <a:ext cx="4392610" cy="4108817"/>
+          </a:xfrm>
+          <a:prstGeom prst="rect">
+            <a:avLst/>
+          </a:prstGeom>
+          <a:noFill/>
+          <a:ln w="19050">
+            <a:noFill/>
+          </a:ln>
+        </p:spPr>
+        <p:txBody>
+          <a:bodyPr wrap="square" rtlCol="0">
+            <a:spAutoFit/>
+          </a:bodyPr>
+          <a:lstStyle/>
+          <a:p>
+            <a:pPr marL="171450" indent="-171450">
+              <a:lnSpc>
+                <a:spcPct val="150000"/>
+              </a:lnSpc>
+              <a:buFontTx/>
+              <a:buChar char="-"/>
+            </a:pPr>
+            <a:r>
+              <a:rPr lang="en-US" sz="1800" b="1" dirty="0" err="1">
+                <a:solidFill>
+                  <a:schemeClr val="bg1"/>
+                </a:solidFill>
+              </a:rPr>
+              <a:t>Sở</a:t>
+            </a:r>
+            <a:r>
+              <a:rPr lang="en-US" sz="1800" b="1" dirty="0">
+                <a:solidFill>
+                  <a:schemeClr val="bg1"/>
+                </a:solidFill>
+              </a:rPr>
+              <a:t> </a:t>
+            </a:r>
+            <a:r>
+              <a:rPr lang="en-US" sz="1800" b="1" dirty="0" err="1">
+                <a:solidFill>
+                  <a:schemeClr val="bg1"/>
+                </a:solidFill>
+              </a:rPr>
+              <a:t>thích</a:t>
+            </a:r>
+            <a:r>
+              <a:rPr lang="en-US" sz="1800" b="1" dirty="0" smtClean="0">
+                <a:solidFill>
+                  <a:schemeClr val="bg1"/>
+                </a:solidFill>
+              </a:rPr>
+              <a:t>:</a:t>
+            </a:r>
+            <a:endParaRPr lang="en-US" sz="1800" b="1" dirty="0">
+              <a:solidFill>
+                <a:schemeClr val="bg1"/>
+              </a:solidFill>
+            </a:endParaRPr>
+          </a:p>
+          <a:p>
+            <a:pPr marL="742950" lvl="1" indent="-285750">
+              <a:buFont typeface="Arial" panose="020B0604020202020204" pitchFamily="34" charset="0"/>
+              <a:buChar char="•"/>
+            </a:pPr>
+            <a:r>
+              <a:rPr lang="en-US" sz="1800" dirty="0" err="1">
+                <a:solidFill>
+                  <a:schemeClr val="bg1"/>
+                </a:solidFill>
+              </a:rPr>
+              <a:t>Thể</a:t>
+            </a:r>
+            <a:r>
+              <a:rPr lang="en-US" sz="1800" dirty="0">
+                <a:solidFill>
+                  <a:schemeClr val="bg1"/>
+                </a:solidFill>
+              </a:rPr>
+              <a:t> </a:t>
+            </a:r>
+            <a:r>
+              <a:rPr lang="en-US" sz="1800" dirty="0" err="1">
+                <a:solidFill>
+                  <a:schemeClr val="bg1"/>
+                </a:solidFill>
+              </a:rPr>
+              <a:t>thao</a:t>
+            </a:r>
+            <a:r>
+              <a:rPr lang="en-US" sz="1800" dirty="0">
+                <a:solidFill>
+                  <a:schemeClr val="bg1"/>
+                </a:solidFill>
+              </a:rPr>
+              <a:t>: </a:t>
+            </a:r>
+            <a:r>
+              <a:rPr lang="en-US" sz="1800" dirty="0" err="1">
+                <a:solidFill>
+                  <a:schemeClr val="bg1"/>
+                </a:solidFill>
+              </a:rPr>
+              <a:t>Bóng</a:t>
+            </a:r>
+            <a:r>
+              <a:rPr lang="en-US" sz="1800" dirty="0">
+                <a:solidFill>
+                  <a:schemeClr val="bg1"/>
+                </a:solidFill>
+              </a:rPr>
+              <a:t> </a:t>
+            </a:r>
+            <a:r>
+              <a:rPr lang="en-US" sz="1800" dirty="0" err="1">
+                <a:solidFill>
+                  <a:schemeClr val="bg1"/>
+                </a:solidFill>
+              </a:rPr>
+              <a:t>đá</a:t>
+            </a:r>
+            <a:r>
+              <a:rPr lang="en-US" sz="1800" dirty="0">
+                <a:solidFill>
+                  <a:schemeClr val="bg1"/>
+                </a:solidFill>
+              </a:rPr>
+              <a:t>, </a:t>
+            </a:r>
+            <a:r>
+              <a:rPr lang="en-US" sz="1800" dirty="0" err="1">
+                <a:solidFill>
+                  <a:schemeClr val="bg1"/>
+                </a:solidFill>
+              </a:rPr>
+              <a:t>cầu</a:t>
+            </a:r>
+            <a:r>
+              <a:rPr lang="en-US" sz="1800" dirty="0">
+                <a:solidFill>
+                  <a:schemeClr val="bg1"/>
+                </a:solidFill>
+              </a:rPr>
+              <a:t> </a:t>
+            </a:r>
+            <a:r>
+              <a:rPr lang="en-US" sz="1800" dirty="0" err="1">
+                <a:solidFill>
+                  <a:schemeClr val="bg1"/>
+                </a:solidFill>
+              </a:rPr>
+              <a:t>lông</a:t>
+            </a:r>
+            <a:r>
+              <a:rPr lang="en-US" sz="1800" dirty="0">
+                <a:solidFill>
+                  <a:schemeClr val="bg1"/>
+                </a:solidFill>
+              </a:rPr>
+              <a:t>,…</a:t>
+            </a:r>
+          </a:p>
+          <a:p>
+            <a:pPr marL="742950" lvl="1" indent="-285750">
+              <a:lnSpc>
+                <a:spcPct val="150000"/>
+              </a:lnSpc>
+              <a:buFont typeface="Arial" panose="020B0604020202020204" pitchFamily="34" charset="0"/>
+              <a:buChar char="•"/>
+            </a:pPr>
+            <a:r>
+              <a:rPr lang="en-US" sz="1800" dirty="0" err="1">
+                <a:solidFill>
+                  <a:schemeClr val="bg1"/>
+                </a:solidFill>
+              </a:rPr>
+              <a:t>Xem</a:t>
+            </a:r>
+            <a:r>
+              <a:rPr lang="en-US" sz="1800" dirty="0">
+                <a:solidFill>
+                  <a:schemeClr val="bg1"/>
+                </a:solidFill>
+              </a:rPr>
+              <a:t> </a:t>
+            </a:r>
+            <a:r>
+              <a:rPr lang="en-US" sz="1800" dirty="0" err="1">
+                <a:solidFill>
+                  <a:schemeClr val="bg1"/>
+                </a:solidFill>
+              </a:rPr>
+              <a:t>phim</a:t>
+            </a:r>
+            <a:r>
+              <a:rPr lang="en-US" sz="1800" dirty="0">
+                <a:solidFill>
+                  <a:schemeClr val="bg1"/>
+                </a:solidFill>
+              </a:rPr>
+              <a:t>.</a:t>
+            </a:r>
+          </a:p>
+          <a:p>
+            <a:pPr marL="742950" lvl="1" indent="-285750">
+              <a:lnSpc>
+                <a:spcPct val="150000"/>
+              </a:lnSpc>
+              <a:buFont typeface="Arial" panose="020B0604020202020204" pitchFamily="34" charset="0"/>
+              <a:buChar char="•"/>
+            </a:pPr>
+            <a:r>
+              <a:rPr lang="en-US" sz="1800" dirty="0" err="1">
+                <a:solidFill>
+                  <a:schemeClr val="bg1"/>
+                </a:solidFill>
+              </a:rPr>
+              <a:t>Tìm</a:t>
+            </a:r>
+            <a:r>
+              <a:rPr lang="en-US" sz="1800" dirty="0">
+                <a:solidFill>
+                  <a:schemeClr val="bg1"/>
+                </a:solidFill>
+              </a:rPr>
+              <a:t> </a:t>
+            </a:r>
+            <a:r>
+              <a:rPr lang="en-US" sz="1800" dirty="0" err="1">
+                <a:solidFill>
+                  <a:schemeClr val="bg1"/>
+                </a:solidFill>
+              </a:rPr>
+              <a:t>hiểu</a:t>
+            </a:r>
+            <a:r>
+              <a:rPr lang="en-US" sz="1800" dirty="0">
+                <a:solidFill>
+                  <a:schemeClr val="bg1"/>
+                </a:solidFill>
+              </a:rPr>
+              <a:t> </a:t>
+            </a:r>
+            <a:r>
+              <a:rPr lang="en-US" sz="1800" dirty="0" err="1">
+                <a:solidFill>
+                  <a:schemeClr val="bg1"/>
+                </a:solidFill>
+              </a:rPr>
+              <a:t>những</a:t>
+            </a:r>
+            <a:r>
+              <a:rPr lang="en-US" sz="1800" dirty="0">
+                <a:solidFill>
+                  <a:schemeClr val="bg1"/>
+                </a:solidFill>
+              </a:rPr>
+              <a:t> </a:t>
+            </a:r>
+            <a:r>
+              <a:rPr lang="en-US" sz="1800" dirty="0" err="1">
+                <a:solidFill>
+                  <a:schemeClr val="bg1"/>
+                </a:solidFill>
+              </a:rPr>
+              <a:t>cái</a:t>
+            </a:r>
+            <a:r>
+              <a:rPr lang="en-US" sz="1800" dirty="0">
+                <a:solidFill>
+                  <a:schemeClr val="bg1"/>
+                </a:solidFill>
+              </a:rPr>
+              <a:t> </a:t>
+            </a:r>
+            <a:r>
+              <a:rPr lang="en-US" sz="1800" dirty="0" err="1">
+                <a:solidFill>
+                  <a:schemeClr val="bg1"/>
+                </a:solidFill>
+              </a:rPr>
+              <a:t>mới</a:t>
+            </a:r>
+            <a:r>
+              <a:rPr lang="en-US" sz="1800" dirty="0">
+                <a:solidFill>
+                  <a:schemeClr val="bg1"/>
+                </a:solidFill>
+              </a:rPr>
+              <a:t>.</a:t>
+            </a:r>
+          </a:p>
+          <a:p>
+            <a:pPr marL="742950" lvl="1" indent="-285750">
+              <a:lnSpc>
+                <a:spcPct val="150000"/>
+              </a:lnSpc>
+              <a:buFont typeface="Arial" panose="020B0604020202020204" pitchFamily="34" charset="0"/>
+              <a:buChar char="•"/>
+            </a:pPr>
+            <a:r>
+              <a:rPr lang="en-US" sz="1800" dirty="0" err="1" smtClean="0">
+                <a:solidFill>
+                  <a:schemeClr val="bg1"/>
+                </a:solidFill>
+              </a:rPr>
+              <a:t>Đọc</a:t>
+            </a:r>
+            <a:r>
+              <a:rPr lang="en-US" sz="1800" dirty="0" smtClean="0">
+                <a:solidFill>
+                  <a:schemeClr val="bg1"/>
+                </a:solidFill>
+              </a:rPr>
+              <a:t> </a:t>
+            </a:r>
+            <a:r>
+              <a:rPr lang="en-US" sz="1800" dirty="0" err="1">
+                <a:solidFill>
+                  <a:schemeClr val="bg1"/>
+                </a:solidFill>
+              </a:rPr>
+              <a:t>sách</a:t>
+            </a:r>
+            <a:r>
+              <a:rPr lang="en-US" sz="1800" dirty="0">
+                <a:solidFill>
+                  <a:schemeClr val="bg1"/>
+                </a:solidFill>
+              </a:rPr>
+              <a:t>, </a:t>
+            </a:r>
+            <a:r>
+              <a:rPr lang="en-US" sz="1800" dirty="0" err="1">
+                <a:solidFill>
+                  <a:schemeClr val="bg1"/>
+                </a:solidFill>
+              </a:rPr>
+              <a:t>đọc</a:t>
+            </a:r>
+            <a:r>
+              <a:rPr lang="en-US" sz="1800" dirty="0">
+                <a:solidFill>
+                  <a:schemeClr val="bg1"/>
+                </a:solidFill>
+              </a:rPr>
+              <a:t> </a:t>
+            </a:r>
+            <a:r>
+              <a:rPr lang="en-US" sz="1800" dirty="0" err="1">
+                <a:solidFill>
+                  <a:schemeClr val="bg1"/>
+                </a:solidFill>
+              </a:rPr>
+              <a:t>truyện</a:t>
+            </a:r>
+            <a:r>
+              <a:rPr lang="en-US" sz="1800" dirty="0" smtClean="0">
+                <a:solidFill>
+                  <a:schemeClr val="bg1"/>
+                </a:solidFill>
+              </a:rPr>
+              <a:t>.</a:t>
+            </a:r>
+          </a:p>
+          <a:p>
+            <a:pPr lvl="1">
+              <a:lnSpc>
+                <a:spcPct val="150000"/>
+              </a:lnSpc>
+            </a:pPr>
             <a:endParaRPr lang="en-US" sz="1800" dirty="0" smtClean="0">
               <a:solidFill>
                 <a:schemeClr val="bg1"/>
               </a:solidFill>
             </a:endParaRPr>
           </a:p>
+          <a:p>
+            <a:pPr lvl="1"/>
+            <a:endParaRPr lang="en-US" sz="1800" b="1" dirty="0">
+              <a:solidFill>
+                <a:schemeClr val="bg1"/>
+              </a:solidFill>
+            </a:endParaRPr>
+          </a:p>
+          <a:p>
+            <a:pPr marL="742950" lvl="1" indent="-285750">
+              <a:buFont typeface="Wingdings" panose="05000000000000000000" pitchFamily="2" charset="2"/>
+              <a:buChar char="§"/>
+            </a:pPr>
+            <a:endParaRPr lang="en-US" sz="1800" dirty="0">
+              <a:solidFill>
+                <a:prstClr val="white"/>
+              </a:solidFill>
+            </a:endParaRPr>
+          </a:p>
+          <a:p>
+            <a:pPr marL="628650" lvl="1" indent="-171450">
+              <a:buFontTx/>
+              <a:buChar char="-"/>
+            </a:pPr>
+            <a:endParaRPr lang="en-US" sz="1800" b="1" dirty="0">
+              <a:solidFill>
+                <a:prstClr val="white"/>
+              </a:solidFill>
+            </a:endParaRPr>
+          </a:p>
+          <a:p>
+            <a:pPr lvl="1"/>
+            <a:endParaRPr lang="en-US" sz="1800" dirty="0">
+              <a:solidFill>
+                <a:schemeClr val="bg1"/>
+              </a:solidFill>
+            </a:endParaRPr>
+          </a:p>
+          <a:p>
+            <a:pPr lvl="1"/>
+            <a:r>
+              <a:rPr lang="en-US" sz="1800" dirty="0">
+                <a:solidFill>
+                  <a:schemeClr val="bg1"/>
+                </a:solidFill>
+              </a:rPr>
+              <a:t/>
+            </a:r>
+            <a:br>
+              <a:rPr lang="en-US" sz="1800" dirty="0">
+                <a:solidFill>
+                  <a:schemeClr val="bg1"/>
+                </a:solidFill>
+              </a:rPr>
+            </a:br>
+            <a:endParaRPr lang="en-US" sz="1800" dirty="0">
+              <a:solidFill>
+                <a:schemeClr val="bg1"/>
+              </a:solidFill>
+            </a:endParaRPr>
+          </a:p>
         </p:txBody>
       </p:sp>
+      <p:pic>
+        <p:nvPicPr>
+          <p:cNvPr id="3" name="Picture 2"/>
+          <p:cNvPicPr>
+            <a:picLocks noChangeAspect="1"/>
+          </p:cNvPicPr>
+          <p:nvPr/>
+        </p:nvPicPr>
+        <p:blipFill>
+          <a:blip r:embed="rId2" cstate="print">
+            <a:extLst>
+              <a:ext uri="{28A0092B-C50C-407E-A947-70E740481C1C}">
+                <a14:useLocalDpi xmlns:a14="http://schemas.microsoft.com/office/drawing/2010/main" val="0"/>
+              </a:ext>
+            </a:extLst>
+          </a:blip>
+          <a:stretch>
+            <a:fillRect/>
+          </a:stretch>
+        </p:blipFill>
+        <p:spPr>
+          <a:xfrm>
+            <a:off x="15706" y="720116"/>
+            <a:ext cx="3603791" cy="5733304"/>
+          </a:xfrm>
+          <a:prstGeom prst="rect">
+            <a:avLst/>
+          </a:prstGeom>
+        </p:spPr>
+      </p:pic>
       <p:grpSp>
         <p:nvGrpSpPr>
           <p:cNvPr id="10" name="Group 9"/>
@@ -6125,10 +7905,10 @@
         </p:nvGrpSpPr>
         <p:grpSpPr>
           <a:xfrm>
-            <a:off x="7380390" y="764630"/>
-            <a:ext cx="1512210" cy="1391879"/>
+            <a:off x="7596420" y="95951"/>
+            <a:ext cx="1332820" cy="956230"/>
             <a:chOff x="251400" y="764630"/>
-            <a:chExt cx="2448340" cy="2300500"/>
+            <a:chExt cx="2448340" cy="2142327"/>
           </a:xfrm>
         </p:grpSpPr>
         <p:pic>
@@ -6140,7 +7920,7 @@
             <p:nvPr/>
           </p:nvPicPr>
           <p:blipFill>
-            <a:blip r:embed="rId2">
+            <a:blip r:embed="rId3">
               <a:extLst>
                 <a:ext uri="{28A0092B-C50C-407E-A947-70E740481C1C}">
                   <a14:useLocalDpi xmlns:a14="http://schemas.microsoft.com/office/drawing/2010/main" val="0"/>
@@ -6180,8 +7960,8 @@
           </p:nvSpPr>
           <p:spPr>
             <a:xfrm>
-              <a:off x="1858042" y="2352959"/>
-              <a:ext cx="766143" cy="712171"/>
+              <a:off x="1858043" y="2352959"/>
+              <a:ext cx="598241" cy="553998"/>
             </a:xfrm>
             <a:prstGeom prst="rect">
               <a:avLst/>
@@ -6198,7 +7978,7 @@
             <a:lstStyle/>
             <a:p>
               <a:r>
-                <a:rPr lang="en-US" sz="1400" b="1" kern="0" dirty="0">
+                <a:rPr lang="en-US" sz="2000" b="1" kern="0" dirty="0">
                   <a:solidFill>
                     <a:schemeClr val="bg1"/>
                   </a:solidFill>
@@ -6207,7 +7987,7 @@
               </a:r>
             </a:p>
             <a:p>
-              <a:endParaRPr lang="en-US" sz="700" dirty="0" smtClean="0">
+              <a:endParaRPr lang="en-US" dirty="0">
                 <a:solidFill>
                   <a:srgbClr val="FF0000"/>
                 </a:solidFill>
@@ -6216,416 +7996,6 @@
           </p:txBody>
         </p:sp>
       </p:grpSp>
-      <p:sp>
-        <p:nvSpPr>
-          <p:cNvPr id="11" name="TextBox 10"/>
-          <p:cNvSpPr txBox="1"/>
-          <p:nvPr/>
-        </p:nvSpPr>
-        <p:spPr>
-          <a:xfrm>
-            <a:off x="3131800" y="3974059"/>
-            <a:ext cx="3744520" cy="3662541"/>
-          </a:xfrm>
-          <a:prstGeom prst="rect">
-            <a:avLst/>
-          </a:prstGeom>
-          <a:noFill/>
-          <a:ln w="19050">
-            <a:noFill/>
-          </a:ln>
-        </p:spPr>
-        <p:txBody>
-          <a:bodyPr wrap="square" rtlCol="0">
-            <a:spAutoFit/>
-          </a:bodyPr>
-          <a:lstStyle/>
-          <a:p>
-            <a:pPr marL="171450" indent="-171450">
-              <a:buFontTx/>
-              <a:buChar char="-"/>
-            </a:pPr>
-            <a:r>
-              <a:rPr lang="en-US" sz="1800" b="1" dirty="0" err="1" smtClean="0">
-                <a:solidFill>
-                  <a:schemeClr val="bg1"/>
-                </a:solidFill>
-              </a:rPr>
-              <a:t>Sở</a:t>
-            </a:r>
-            <a:r>
-              <a:rPr lang="en-US" sz="1800" b="1" dirty="0" smtClean="0">
-                <a:solidFill>
-                  <a:schemeClr val="bg1"/>
-                </a:solidFill>
-              </a:rPr>
-              <a:t> </a:t>
-            </a:r>
-            <a:r>
-              <a:rPr lang="en-US" sz="1800" b="1" dirty="0" err="1" smtClean="0">
-                <a:solidFill>
-                  <a:schemeClr val="bg1"/>
-                </a:solidFill>
-              </a:rPr>
-              <a:t>thích</a:t>
-            </a:r>
-            <a:r>
-              <a:rPr lang="en-US" sz="1800" b="1" dirty="0" smtClean="0">
-                <a:solidFill>
-                  <a:schemeClr val="bg1"/>
-                </a:solidFill>
-              </a:rPr>
-              <a:t>:</a:t>
-            </a:r>
-          </a:p>
-          <a:p>
-            <a:pPr marL="171450" indent="-171450">
-              <a:buFontTx/>
-              <a:buChar char="-"/>
-            </a:pPr>
-            <a:endParaRPr lang="en-US" sz="1800" b="1" dirty="0" smtClean="0">
-              <a:solidFill>
-                <a:schemeClr val="bg1"/>
-              </a:solidFill>
-            </a:endParaRPr>
-          </a:p>
-          <a:p>
-            <a:pPr marL="742950" lvl="1" indent="-285750">
-              <a:buFont typeface="Arial" panose="020B0604020202020204" pitchFamily="34" charset="0"/>
-              <a:buChar char="•"/>
-            </a:pPr>
-            <a:r>
-              <a:rPr lang="en-US" sz="1600" dirty="0" err="1" smtClean="0">
-                <a:solidFill>
-                  <a:schemeClr val="bg1"/>
-                </a:solidFill>
-              </a:rPr>
-              <a:t>Thể</a:t>
-            </a:r>
-            <a:r>
-              <a:rPr lang="en-US" sz="1600" dirty="0" smtClean="0">
-                <a:solidFill>
-                  <a:schemeClr val="bg1"/>
-                </a:solidFill>
-              </a:rPr>
-              <a:t> </a:t>
-            </a:r>
-            <a:r>
-              <a:rPr lang="en-US" sz="1600" dirty="0" err="1" smtClean="0">
-                <a:solidFill>
-                  <a:schemeClr val="bg1"/>
-                </a:solidFill>
-              </a:rPr>
-              <a:t>thao</a:t>
-            </a:r>
-            <a:r>
-              <a:rPr lang="en-US" sz="1600" dirty="0" smtClean="0">
-                <a:solidFill>
-                  <a:schemeClr val="bg1"/>
-                </a:solidFill>
-              </a:rPr>
-              <a:t>: </a:t>
-            </a:r>
-            <a:r>
-              <a:rPr lang="en-US" sz="1600" dirty="0" err="1" smtClean="0">
-                <a:solidFill>
-                  <a:schemeClr val="bg1"/>
-                </a:solidFill>
-              </a:rPr>
-              <a:t>Bóng</a:t>
-            </a:r>
-            <a:r>
-              <a:rPr lang="en-US" sz="1600" dirty="0" smtClean="0">
-                <a:solidFill>
-                  <a:schemeClr val="bg1"/>
-                </a:solidFill>
-              </a:rPr>
-              <a:t> </a:t>
-            </a:r>
-            <a:r>
-              <a:rPr lang="en-US" sz="1600" dirty="0" err="1" smtClean="0">
-                <a:solidFill>
-                  <a:schemeClr val="bg1"/>
-                </a:solidFill>
-              </a:rPr>
-              <a:t>đá</a:t>
-            </a:r>
-            <a:r>
-              <a:rPr lang="en-US" sz="1600" dirty="0" smtClean="0">
-                <a:solidFill>
-                  <a:schemeClr val="bg1"/>
-                </a:solidFill>
-              </a:rPr>
-              <a:t>, </a:t>
-            </a:r>
-            <a:r>
-              <a:rPr lang="en-US" sz="1600" dirty="0" err="1" smtClean="0">
-                <a:solidFill>
-                  <a:schemeClr val="bg1"/>
-                </a:solidFill>
-              </a:rPr>
-              <a:t>cầu</a:t>
-            </a:r>
-            <a:r>
-              <a:rPr lang="en-US" sz="1600" dirty="0" smtClean="0">
-                <a:solidFill>
-                  <a:schemeClr val="bg1"/>
-                </a:solidFill>
-              </a:rPr>
-              <a:t> </a:t>
-            </a:r>
-            <a:r>
-              <a:rPr lang="en-US" sz="1600" dirty="0" err="1" smtClean="0">
-                <a:solidFill>
-                  <a:schemeClr val="bg1"/>
-                </a:solidFill>
-              </a:rPr>
-              <a:t>lông</a:t>
-            </a:r>
-            <a:r>
-              <a:rPr lang="en-US" sz="1600" dirty="0" smtClean="0">
-                <a:solidFill>
-                  <a:schemeClr val="bg1"/>
-                </a:solidFill>
-              </a:rPr>
-              <a:t>,…</a:t>
-            </a:r>
-          </a:p>
-          <a:p>
-            <a:pPr marL="742950" lvl="1" indent="-285750">
-              <a:lnSpc>
-                <a:spcPct val="150000"/>
-              </a:lnSpc>
-              <a:buFont typeface="Arial" panose="020B0604020202020204" pitchFamily="34" charset="0"/>
-              <a:buChar char="•"/>
-            </a:pPr>
-            <a:r>
-              <a:rPr lang="en-US" sz="1600" dirty="0" err="1" smtClean="0">
-                <a:solidFill>
-                  <a:schemeClr val="bg1"/>
-                </a:solidFill>
-              </a:rPr>
-              <a:t>Xem</a:t>
-            </a:r>
-            <a:r>
-              <a:rPr lang="en-US" sz="1600" dirty="0" smtClean="0">
-                <a:solidFill>
-                  <a:schemeClr val="bg1"/>
-                </a:solidFill>
-              </a:rPr>
-              <a:t> </a:t>
-            </a:r>
-            <a:r>
-              <a:rPr lang="en-US" sz="1600" dirty="0" err="1" smtClean="0">
-                <a:solidFill>
-                  <a:schemeClr val="bg1"/>
-                </a:solidFill>
-              </a:rPr>
-              <a:t>phim</a:t>
-            </a:r>
-            <a:r>
-              <a:rPr lang="en-US" sz="1600" dirty="0" smtClean="0">
-                <a:solidFill>
-                  <a:schemeClr val="bg1"/>
-                </a:solidFill>
-              </a:rPr>
-              <a:t>.</a:t>
-            </a:r>
-          </a:p>
-          <a:p>
-            <a:pPr marL="742950" lvl="1" indent="-285750">
-              <a:lnSpc>
-                <a:spcPct val="150000"/>
-              </a:lnSpc>
-              <a:buFont typeface="Arial" panose="020B0604020202020204" pitchFamily="34" charset="0"/>
-              <a:buChar char="•"/>
-            </a:pPr>
-            <a:r>
-              <a:rPr lang="en-US" sz="1600" dirty="0" err="1" smtClean="0">
-                <a:solidFill>
-                  <a:schemeClr val="bg1"/>
-                </a:solidFill>
-              </a:rPr>
-              <a:t>Chơi</a:t>
-            </a:r>
-            <a:r>
-              <a:rPr lang="en-US" sz="1600" dirty="0" smtClean="0">
-                <a:solidFill>
-                  <a:schemeClr val="bg1"/>
-                </a:solidFill>
-              </a:rPr>
-              <a:t> game.</a:t>
-            </a:r>
-          </a:p>
-          <a:p>
-            <a:pPr marL="742950" lvl="1" indent="-285750">
-              <a:lnSpc>
-                <a:spcPct val="150000"/>
-              </a:lnSpc>
-              <a:buFont typeface="Arial" panose="020B0604020202020204" pitchFamily="34" charset="0"/>
-              <a:buChar char="•"/>
-            </a:pPr>
-            <a:r>
-              <a:rPr lang="en-US" sz="1600" dirty="0" err="1" smtClean="0">
-                <a:solidFill>
-                  <a:schemeClr val="bg1"/>
-                </a:solidFill>
-              </a:rPr>
-              <a:t>Đọc</a:t>
-            </a:r>
-            <a:r>
-              <a:rPr lang="en-US" sz="1600" dirty="0" smtClean="0">
-                <a:solidFill>
-                  <a:schemeClr val="bg1"/>
-                </a:solidFill>
-              </a:rPr>
-              <a:t> </a:t>
-            </a:r>
-            <a:r>
-              <a:rPr lang="en-US" sz="1600" dirty="0" err="1" smtClean="0">
-                <a:solidFill>
-                  <a:schemeClr val="bg1"/>
-                </a:solidFill>
-              </a:rPr>
-              <a:t>sách</a:t>
-            </a:r>
-            <a:r>
-              <a:rPr lang="en-US" sz="1600" dirty="0" smtClean="0">
-                <a:solidFill>
-                  <a:schemeClr val="bg1"/>
-                </a:solidFill>
-              </a:rPr>
-              <a:t>, </a:t>
-            </a:r>
-            <a:r>
-              <a:rPr lang="en-US" sz="1600" dirty="0" err="1" smtClean="0">
-                <a:solidFill>
-                  <a:schemeClr val="bg1"/>
-                </a:solidFill>
-              </a:rPr>
-              <a:t>đọc</a:t>
-            </a:r>
-            <a:r>
-              <a:rPr lang="en-US" sz="1600" dirty="0" smtClean="0">
-                <a:solidFill>
-                  <a:schemeClr val="bg1"/>
-                </a:solidFill>
-              </a:rPr>
-              <a:t> </a:t>
-            </a:r>
-            <a:r>
-              <a:rPr lang="en-US" sz="1600" dirty="0" err="1" smtClean="0">
-                <a:solidFill>
-                  <a:schemeClr val="bg1"/>
-                </a:solidFill>
-              </a:rPr>
-              <a:t>truyện</a:t>
-            </a:r>
-            <a:r>
-              <a:rPr lang="en-US" sz="1600" dirty="0" smtClean="0">
-                <a:solidFill>
-                  <a:schemeClr val="bg1"/>
-                </a:solidFill>
-              </a:rPr>
-              <a:t>.</a:t>
-            </a:r>
-          </a:p>
-          <a:p>
-            <a:pPr marL="742950" lvl="1" indent="-285750">
-              <a:buFont typeface="Wingdings" panose="05000000000000000000" pitchFamily="2" charset="2"/>
-              <a:buChar char="§"/>
-            </a:pPr>
-            <a:endParaRPr lang="en-US" sz="1800" b="1" dirty="0" smtClean="0">
-              <a:solidFill>
-                <a:schemeClr val="bg1"/>
-              </a:solidFill>
-            </a:endParaRPr>
-          </a:p>
-          <a:p>
-            <a:pPr marL="742950" lvl="1" indent="-285750">
-              <a:buFont typeface="Wingdings" panose="05000000000000000000" pitchFamily="2" charset="2"/>
-              <a:buChar char="§"/>
-            </a:pPr>
-            <a:endParaRPr lang="en-US" sz="1800" dirty="0">
-              <a:solidFill>
-                <a:prstClr val="white"/>
-              </a:solidFill>
-            </a:endParaRPr>
-          </a:p>
-          <a:p>
-            <a:pPr marL="628650" lvl="1" indent="-171450">
-              <a:buFontTx/>
-              <a:buChar char="-"/>
-            </a:pPr>
-            <a:endParaRPr lang="en-US" sz="1800" b="1" dirty="0" smtClean="0">
-              <a:solidFill>
-                <a:prstClr val="white"/>
-              </a:solidFill>
-            </a:endParaRPr>
-          </a:p>
-          <a:p>
-            <a:pPr lvl="1"/>
-            <a:endParaRPr lang="en-US" sz="1800" dirty="0" smtClean="0">
-              <a:solidFill>
-                <a:schemeClr val="bg1"/>
-              </a:solidFill>
-            </a:endParaRPr>
-          </a:p>
-          <a:p>
-            <a:pPr lvl="1"/>
-            <a:r>
-              <a:rPr lang="en-US" sz="1800" dirty="0">
-                <a:solidFill>
-                  <a:schemeClr val="bg1"/>
-                </a:solidFill>
-              </a:rPr>
-              <a:t/>
-            </a:r>
-            <a:br>
-              <a:rPr lang="en-US" sz="1800" dirty="0">
-                <a:solidFill>
-                  <a:schemeClr val="bg1"/>
-                </a:solidFill>
-              </a:rPr>
-            </a:br>
-            <a:endParaRPr lang="en-US" sz="1800" dirty="0" smtClean="0">
-              <a:solidFill>
-                <a:schemeClr val="bg1"/>
-              </a:solidFill>
-            </a:endParaRPr>
-          </a:p>
-        </p:txBody>
-      </p:sp>
-      <p:pic>
-        <p:nvPicPr>
-          <p:cNvPr id="3" name="Picture 2"/>
-          <p:cNvPicPr>
-            <a:picLocks noChangeAspect="1"/>
-          </p:cNvPicPr>
-          <p:nvPr/>
-        </p:nvPicPr>
-        <p:blipFill>
-          <a:blip r:embed="rId3" cstate="print">
-            <a:extLst>
-              <a:ext uri="{28A0092B-C50C-407E-A947-70E740481C1C}">
-                <a14:useLocalDpi xmlns:a14="http://schemas.microsoft.com/office/drawing/2010/main" val="0"/>
-              </a:ext>
-            </a:extLst>
-          </a:blip>
-          <a:stretch>
-            <a:fillRect/>
-          </a:stretch>
-        </p:blipFill>
-        <p:spPr>
-          <a:xfrm>
-            <a:off x="45657" y="1124680"/>
-            <a:ext cx="2942123" cy="4680650"/>
-          </a:xfrm>
-          <a:prstGeom prst="rect">
-            <a:avLst/>
-          </a:prstGeom>
-        </p:spPr>
-      </p:pic>
     </p:spTree>
     <p:extLst>
       <p:ext uri="{BB962C8B-B14F-4D97-AF65-F5344CB8AC3E}">
@@ -6636,20 +8006,441 @@
   <p:clrMapOvr>
     <a:masterClrMapping/>
   </p:clrMapOvr>
-  <mc:AlternateContent xmlns:mc="http://schemas.openxmlformats.org/markup-compatibility/2006" xmlns:p14="http://schemas.microsoft.com/office/powerpoint/2010/main">
-    <mc:Choice Requires="p14">
-      <p:transition spd="slow" p14:dur="2000"/>
-    </mc:Choice>
-    <mc:Fallback xmlns="">
-      <p:transition spd="slow"/>
-    </mc:Fallback>
-  </mc:AlternateContent>
   <p:timing>
     <p:tnLst>
       <p:par>
-        <p:cTn id="1" dur="indefinite" restart="never" nodeType="tmRoot"/>
+        <p:cTn id="1" dur="indefinite" restart="never" nodeType="tmRoot">
+          <p:childTnLst>
+            <p:seq concurrent="1" nextAc="seek">
+              <p:cTn id="2" dur="indefinite" nodeType="mainSeq">
+                <p:childTnLst>
+                  <p:par>
+                    <p:cTn id="3" fill="hold">
+                      <p:stCondLst>
+                        <p:cond delay="indefinite"/>
+                      </p:stCondLst>
+                      <p:childTnLst>
+                        <p:par>
+                          <p:cTn id="4" fill="hold">
+                            <p:stCondLst>
+                              <p:cond delay="0"/>
+                            </p:stCondLst>
+                            <p:childTnLst>
+                              <p:par>
+                                <p:cTn id="5" presetID="21" presetClass="entr" presetSubtype="1" fill="hold" nodeType="clickEffect">
+                                  <p:stCondLst>
+                                    <p:cond delay="0"/>
+                                  </p:stCondLst>
+                                  <p:childTnLst>
+                                    <p:set>
+                                      <p:cBhvr>
+                                        <p:cTn id="6" dur="1" fill="hold">
+                                          <p:stCondLst>
+                                            <p:cond delay="0"/>
+                                          </p:stCondLst>
+                                        </p:cTn>
+                                        <p:tgtEl>
+                                          <p:spTgt spid="3"/>
+                                        </p:tgtEl>
+                                        <p:attrNameLst>
+                                          <p:attrName>style.visibility</p:attrName>
+                                        </p:attrNameLst>
+                                      </p:cBhvr>
+                                      <p:to>
+                                        <p:strVal val="visible"/>
+                                      </p:to>
+                                    </p:set>
+                                    <p:animEffect transition="in" filter="wheel(1)">
+                                      <p:cBhvr>
+                                        <p:cTn id="7" dur="2000"/>
+                                        <p:tgtEl>
+                                          <p:spTgt spid="3"/>
+                                        </p:tgtEl>
+                                      </p:cBhvr>
+                                    </p:animEffect>
+                                  </p:childTnLst>
+                                </p:cTn>
+                              </p:par>
+                            </p:childTnLst>
+                          </p:cTn>
+                        </p:par>
+                      </p:childTnLst>
+                    </p:cTn>
+                  </p:par>
+                  <p:par>
+                    <p:cTn id="8" fill="hold">
+                      <p:stCondLst>
+                        <p:cond delay="indefinite"/>
+                      </p:stCondLst>
+                      <p:childTnLst>
+                        <p:par>
+                          <p:cTn id="9" fill="hold">
+                            <p:stCondLst>
+                              <p:cond delay="0"/>
+                            </p:stCondLst>
+                            <p:childTnLst>
+                              <p:par>
+                                <p:cTn id="10" presetID="16" presetClass="entr" presetSubtype="21" fill="hold" nodeType="clickEffect">
+                                  <p:stCondLst>
+                                    <p:cond delay="0"/>
+                                  </p:stCondLst>
+                                  <p:childTnLst>
+                                    <p:set>
+                                      <p:cBhvr>
+                                        <p:cTn id="11" dur="1" fill="hold">
+                                          <p:stCondLst>
+                                            <p:cond delay="0"/>
+                                          </p:stCondLst>
+                                        </p:cTn>
+                                        <p:tgtEl>
+                                          <p:spTgt spid="10"/>
+                                        </p:tgtEl>
+                                        <p:attrNameLst>
+                                          <p:attrName>style.visibility</p:attrName>
+                                        </p:attrNameLst>
+                                      </p:cBhvr>
+                                      <p:to>
+                                        <p:strVal val="visible"/>
+                                      </p:to>
+                                    </p:set>
+                                    <p:animEffect transition="in" filter="barn(inVertical)">
+                                      <p:cBhvr>
+                                        <p:cTn id="12" dur="500"/>
+                                        <p:tgtEl>
+                                          <p:spTgt spid="10"/>
+                                        </p:tgtEl>
+                                      </p:cBhvr>
+                                    </p:animEffect>
+                                  </p:childTnLst>
+                                </p:cTn>
+                              </p:par>
+                            </p:childTnLst>
+                          </p:cTn>
+                        </p:par>
+                      </p:childTnLst>
+                    </p:cTn>
+                  </p:par>
+                  <p:par>
+                    <p:cTn id="13" fill="hold">
+                      <p:stCondLst>
+                        <p:cond delay="indefinite"/>
+                      </p:stCondLst>
+                      <p:childTnLst>
+                        <p:par>
+                          <p:cTn id="14" fill="hold">
+                            <p:stCondLst>
+                              <p:cond delay="0"/>
+                            </p:stCondLst>
+                            <p:childTnLst>
+                              <p:par>
+                                <p:cTn id="15" presetID="22" presetClass="entr" presetSubtype="4" fill="hold" nodeType="clickEffect">
+                                  <p:stCondLst>
+                                    <p:cond delay="0"/>
+                                  </p:stCondLst>
+                                  <p:childTnLst>
+                                    <p:set>
+                                      <p:cBhvr>
+                                        <p:cTn id="16" dur="1" fill="hold">
+                                          <p:stCondLst>
+                                            <p:cond delay="0"/>
+                                          </p:stCondLst>
+                                        </p:cTn>
+                                        <p:tgtEl>
+                                          <p:spTgt spid="6">
+                                            <p:txEl>
+                                              <p:pRg st="0" end="0"/>
+                                            </p:txEl>
+                                          </p:spTgt>
+                                        </p:tgtEl>
+                                        <p:attrNameLst>
+                                          <p:attrName>style.visibility</p:attrName>
+                                        </p:attrNameLst>
+                                      </p:cBhvr>
+                                      <p:to>
+                                        <p:strVal val="visible"/>
+                                      </p:to>
+                                    </p:set>
+                                    <p:animEffect transition="in" filter="wipe(down)">
+                                      <p:cBhvr>
+                                        <p:cTn id="17" dur="500"/>
+                                        <p:tgtEl>
+                                          <p:spTgt spid="6">
+                                            <p:txEl>
+                                              <p:pRg st="0" end="0"/>
+                                            </p:txEl>
+                                          </p:spTgt>
+                                        </p:tgtEl>
+                                      </p:cBhvr>
+                                    </p:animEffect>
+                                  </p:childTnLst>
+                                </p:cTn>
+                              </p:par>
+                            </p:childTnLst>
+                          </p:cTn>
+                        </p:par>
+                      </p:childTnLst>
+                    </p:cTn>
+                  </p:par>
+                  <p:par>
+                    <p:cTn id="18" fill="hold">
+                      <p:stCondLst>
+                        <p:cond delay="indefinite"/>
+                      </p:stCondLst>
+                      <p:childTnLst>
+                        <p:par>
+                          <p:cTn id="19" fill="hold">
+                            <p:stCondLst>
+                              <p:cond delay="0"/>
+                            </p:stCondLst>
+                            <p:childTnLst>
+                              <p:par>
+                                <p:cTn id="20" presetID="22" presetClass="entr" presetSubtype="4" fill="hold" nodeType="clickEffect">
+                                  <p:stCondLst>
+                                    <p:cond delay="0"/>
+                                  </p:stCondLst>
+                                  <p:childTnLst>
+                                    <p:set>
+                                      <p:cBhvr>
+                                        <p:cTn id="21" dur="1" fill="hold">
+                                          <p:stCondLst>
+                                            <p:cond delay="0"/>
+                                          </p:stCondLst>
+                                        </p:cTn>
+                                        <p:tgtEl>
+                                          <p:spTgt spid="6">
+                                            <p:txEl>
+                                              <p:pRg st="2" end="2"/>
+                                            </p:txEl>
+                                          </p:spTgt>
+                                        </p:tgtEl>
+                                        <p:attrNameLst>
+                                          <p:attrName>style.visibility</p:attrName>
+                                        </p:attrNameLst>
+                                      </p:cBhvr>
+                                      <p:to>
+                                        <p:strVal val="visible"/>
+                                      </p:to>
+                                    </p:set>
+                                    <p:animEffect transition="in" filter="wipe(down)">
+                                      <p:cBhvr>
+                                        <p:cTn id="22" dur="500"/>
+                                        <p:tgtEl>
+                                          <p:spTgt spid="6">
+                                            <p:txEl>
+                                              <p:pRg st="2" end="2"/>
+                                            </p:txEl>
+                                          </p:spTgt>
+                                        </p:tgtEl>
+                                      </p:cBhvr>
+                                    </p:animEffect>
+                                  </p:childTnLst>
+                                </p:cTn>
+                              </p:par>
+                            </p:childTnLst>
+                          </p:cTn>
+                        </p:par>
+                      </p:childTnLst>
+                    </p:cTn>
+                  </p:par>
+                  <p:par>
+                    <p:cTn id="23" fill="hold">
+                      <p:stCondLst>
+                        <p:cond delay="indefinite"/>
+                      </p:stCondLst>
+                      <p:childTnLst>
+                        <p:par>
+                          <p:cTn id="24" fill="hold">
+                            <p:stCondLst>
+                              <p:cond delay="0"/>
+                            </p:stCondLst>
+                            <p:childTnLst>
+                              <p:par>
+                                <p:cTn id="25" presetID="22" presetClass="entr" presetSubtype="4" fill="hold" nodeType="clickEffect">
+                                  <p:stCondLst>
+                                    <p:cond delay="0"/>
+                                  </p:stCondLst>
+                                  <p:childTnLst>
+                                    <p:set>
+                                      <p:cBhvr>
+                                        <p:cTn id="26" dur="1" fill="hold">
+                                          <p:stCondLst>
+                                            <p:cond delay="0"/>
+                                          </p:stCondLst>
+                                        </p:cTn>
+                                        <p:tgtEl>
+                                          <p:spTgt spid="6">
+                                            <p:txEl>
+                                              <p:pRg st="4" end="4"/>
+                                            </p:txEl>
+                                          </p:spTgt>
+                                        </p:tgtEl>
+                                        <p:attrNameLst>
+                                          <p:attrName>style.visibility</p:attrName>
+                                        </p:attrNameLst>
+                                      </p:cBhvr>
+                                      <p:to>
+                                        <p:strVal val="visible"/>
+                                      </p:to>
+                                    </p:set>
+                                    <p:animEffect transition="in" filter="wipe(down)">
+                                      <p:cBhvr>
+                                        <p:cTn id="27" dur="500"/>
+                                        <p:tgtEl>
+                                          <p:spTgt spid="6">
+                                            <p:txEl>
+                                              <p:pRg st="4" end="4"/>
+                                            </p:txEl>
+                                          </p:spTgt>
+                                        </p:tgtEl>
+                                      </p:cBhvr>
+                                    </p:animEffect>
+                                  </p:childTnLst>
+                                </p:cTn>
+                              </p:par>
+                            </p:childTnLst>
+                          </p:cTn>
+                        </p:par>
+                      </p:childTnLst>
+                    </p:cTn>
+                  </p:par>
+                  <p:par>
+                    <p:cTn id="28" fill="hold">
+                      <p:stCondLst>
+                        <p:cond delay="indefinite"/>
+                      </p:stCondLst>
+                      <p:childTnLst>
+                        <p:par>
+                          <p:cTn id="29" fill="hold">
+                            <p:stCondLst>
+                              <p:cond delay="0"/>
+                            </p:stCondLst>
+                            <p:childTnLst>
+                              <p:par>
+                                <p:cTn id="30" presetID="22" presetClass="entr" presetSubtype="4" fill="hold" nodeType="clickEffect">
+                                  <p:stCondLst>
+                                    <p:cond delay="0"/>
+                                  </p:stCondLst>
+                                  <p:childTnLst>
+                                    <p:set>
+                                      <p:cBhvr>
+                                        <p:cTn id="31" dur="1" fill="hold">
+                                          <p:stCondLst>
+                                            <p:cond delay="0"/>
+                                          </p:stCondLst>
+                                        </p:cTn>
+                                        <p:tgtEl>
+                                          <p:spTgt spid="6">
+                                            <p:txEl>
+                                              <p:pRg st="6" end="6"/>
+                                            </p:txEl>
+                                          </p:spTgt>
+                                        </p:tgtEl>
+                                        <p:attrNameLst>
+                                          <p:attrName>style.visibility</p:attrName>
+                                        </p:attrNameLst>
+                                      </p:cBhvr>
+                                      <p:to>
+                                        <p:strVal val="visible"/>
+                                      </p:to>
+                                    </p:set>
+                                    <p:animEffect transition="in" filter="wipe(down)">
+                                      <p:cBhvr>
+                                        <p:cTn id="32" dur="500"/>
+                                        <p:tgtEl>
+                                          <p:spTgt spid="6">
+                                            <p:txEl>
+                                              <p:pRg st="6" end="6"/>
+                                            </p:txEl>
+                                          </p:spTgt>
+                                        </p:tgtEl>
+                                      </p:cBhvr>
+                                    </p:animEffect>
+                                  </p:childTnLst>
+                                </p:cTn>
+                              </p:par>
+                            </p:childTnLst>
+                          </p:cTn>
+                        </p:par>
+                      </p:childTnLst>
+                    </p:cTn>
+                  </p:par>
+                  <p:par>
+                    <p:cTn id="33" fill="hold">
+                      <p:stCondLst>
+                        <p:cond delay="indefinite"/>
+                      </p:stCondLst>
+                      <p:childTnLst>
+                        <p:par>
+                          <p:cTn id="34" fill="hold">
+                            <p:stCondLst>
+                              <p:cond delay="0"/>
+                            </p:stCondLst>
+                            <p:childTnLst>
+                              <p:par>
+                                <p:cTn id="35" presetID="22" presetClass="entr" presetSubtype="4" fill="hold" grpId="0" nodeType="clickEffect">
+                                  <p:stCondLst>
+                                    <p:cond delay="0"/>
+                                  </p:stCondLst>
+                                  <p:childTnLst>
+                                    <p:set>
+                                      <p:cBhvr>
+                                        <p:cTn id="36" dur="1" fill="hold">
+                                          <p:stCondLst>
+                                            <p:cond delay="0"/>
+                                          </p:stCondLst>
+                                        </p:cTn>
+                                        <p:tgtEl>
+                                          <p:spTgt spid="11"/>
+                                        </p:tgtEl>
+                                        <p:attrNameLst>
+                                          <p:attrName>style.visibility</p:attrName>
+                                        </p:attrNameLst>
+                                      </p:cBhvr>
+                                      <p:to>
+                                        <p:strVal val="visible"/>
+                                      </p:to>
+                                    </p:set>
+                                    <p:animEffect transition="in" filter="wipe(down)">
+                                      <p:cBhvr>
+                                        <p:cTn id="37" dur="500"/>
+                                        <p:tgtEl>
+                                          <p:spTgt spid="11"/>
+                                        </p:tgtEl>
+                                      </p:cBhvr>
+                                    </p:animEffect>
+                                  </p:childTnLst>
+                                </p:cTn>
+                              </p:par>
+                            </p:childTnLst>
+                          </p:cTn>
+                        </p:par>
+                      </p:childTnLst>
+                    </p:cTn>
+                  </p:par>
+                </p:childTnLst>
+              </p:cTn>
+              <p:prevCondLst>
+                <p:cond evt="onPrev" delay="0">
+                  <p:tgtEl>
+                    <p:sldTgt/>
+                  </p:tgtEl>
+                </p:cond>
+              </p:prevCondLst>
+              <p:nextCondLst>
+                <p:cond evt="onNext" delay="0">
+                  <p:tgtEl>
+                    <p:sldTgt/>
+                  </p:tgtEl>
+                </p:cond>
+              </p:nextCondLst>
+            </p:seq>
+          </p:childTnLst>
+        </p:cTn>
       </p:par>
     </p:tnLst>
+    <p:bldLst>
+      <p:bldP spid="11" grpId="0"/>
+    </p:bldLst>
   </p:timing>
 </p:sld>
 </file>
@@ -6657,6 +8448,36 @@
 <file path=ppt/slides/slide4.xml><?xml version="1.0" encoding="utf-8"?>
 <p:sld xmlns:a="http://schemas.openxmlformats.org/drawingml/2006/main" xmlns:r="http://schemas.openxmlformats.org/officeDocument/2006/relationships" xmlns:p="http://schemas.openxmlformats.org/presentationml/2006/main">
   <p:cSld>
+    <p:bg>
+      <p:bgPr>
+        <a:gradFill flip="none" rotWithShape="1">
+          <a:gsLst>
+            <a:gs pos="85000">
+              <a:schemeClr val="accent5">
+                <a:lumMod val="75000"/>
+              </a:schemeClr>
+            </a:gs>
+            <a:gs pos="1000">
+              <a:schemeClr val="bg1"/>
+            </a:gs>
+            <a:gs pos="97000">
+              <a:schemeClr val="accent5">
+                <a:lumMod val="20000"/>
+                <a:lumOff val="80000"/>
+              </a:schemeClr>
+            </a:gs>
+            <a:gs pos="22000">
+              <a:schemeClr val="accent5">
+                <a:lumMod val="75000"/>
+              </a:schemeClr>
+            </a:gs>
+          </a:gsLst>
+          <a:lin ang="5400000" scaled="1"/>
+          <a:tileRect/>
+        </a:gradFill>
+        <a:effectLst/>
+      </p:bgPr>
+    </p:bg>
     <p:spTree>
       <p:nvGrpSpPr>
         <p:cNvPr id="1" name=""/>
@@ -6687,31 +8508,31 @@
           <a:lstStyle/>
           <a:p>
             <a:r>
-              <a:rPr lang="en-US" dirty="0" err="1" smtClean="0"/>
+              <a:rPr lang="en-US" dirty="0" err="1"/>
               <a:t>Kinh</a:t>
             </a:r>
             <a:r>
-              <a:rPr lang="en-US" dirty="0" smtClean="0"/>
+              <a:rPr lang="en-US" dirty="0"/>
               <a:t> </a:t>
             </a:r>
             <a:r>
-              <a:rPr lang="en-US" dirty="0" err="1" smtClean="0"/>
+              <a:rPr lang="en-US" dirty="0" err="1"/>
               <a:t>nghiệm</a:t>
             </a:r>
             <a:r>
-              <a:rPr lang="en-US" dirty="0" smtClean="0"/>
+              <a:rPr lang="en-US" dirty="0"/>
               <a:t> </a:t>
             </a:r>
             <a:r>
-              <a:rPr lang="en-US" dirty="0" err="1" smtClean="0"/>
+              <a:rPr lang="en-US" dirty="0" err="1"/>
               <a:t>làm</a:t>
             </a:r>
             <a:r>
-              <a:rPr lang="en-US" dirty="0" smtClean="0"/>
+              <a:rPr lang="en-US" dirty="0"/>
               <a:t> </a:t>
             </a:r>
             <a:r>
-              <a:rPr lang="en-US" dirty="0" err="1" smtClean="0"/>
+              <a:rPr lang="en-US" dirty="0" err="1"/>
               <a:t>việc</a:t>
             </a:r>
             <a:endParaRPr lang="en-US" dirty="0"/>
@@ -6794,7 +8615,7 @@
         </p:nvSpPr>
         <p:spPr>
           <a:xfrm>
-            <a:off x="907167" y="785333"/>
+            <a:off x="1187153" y="923222"/>
             <a:ext cx="7633060" cy="5878532"/>
           </a:xfrm>
           <a:prstGeom prst="rect">
@@ -6819,7 +8640,7 @@
               <a:buChar char="§"/>
             </a:pPr>
             <a:r>
-              <a:rPr lang="en-US" sz="3200" dirty="0" smtClean="0">
+              <a:rPr lang="en-US" sz="3200" dirty="0">
                 <a:solidFill>
                   <a:schemeClr val="bg1"/>
                 </a:solidFill>
@@ -6836,7 +8657,7 @@
               <a:buChar char="§"/>
             </a:pPr>
             <a:r>
-              <a:rPr lang="en-US" sz="3200" dirty="0" smtClean="0">
+              <a:rPr lang="en-US" sz="3200" dirty="0">
                 <a:solidFill>
                   <a:schemeClr val="bg1"/>
                 </a:solidFill>
@@ -6853,7 +8674,7 @@
               <a:buChar char="§"/>
             </a:pPr>
             <a:r>
-              <a:rPr lang="en-US" sz="3200" dirty="0" smtClean="0">
+              <a:rPr lang="en-US" sz="3200" dirty="0">
                 <a:solidFill>
                   <a:schemeClr val="bg1"/>
                 </a:solidFill>
@@ -6861,7 +8682,7 @@
               <a:t>PHP – </a:t>
             </a:r>
             <a:r>
-              <a:rPr lang="en-US" sz="3200" dirty="0" err="1" smtClean="0">
+              <a:rPr lang="en-US" sz="3200" dirty="0" err="1">
                 <a:solidFill>
                   <a:schemeClr val="bg1"/>
                 </a:solidFill>
@@ -6869,7 +8690,7 @@
               <a:t>Laravel</a:t>
             </a:r>
             <a:r>
-              <a:rPr lang="en-US" sz="3200" dirty="0" smtClean="0">
+              <a:rPr lang="en-US" sz="3200" dirty="0">
                 <a:solidFill>
                   <a:schemeClr val="bg1"/>
                 </a:solidFill>
@@ -6886,7 +8707,7 @@
               <a:buChar char="§"/>
             </a:pPr>
             <a:r>
-              <a:rPr lang="en-US" sz="3200" dirty="0" smtClean="0">
+              <a:rPr lang="en-US" sz="3200" dirty="0">
                 <a:solidFill>
                   <a:schemeClr val="bg1"/>
                 </a:solidFill>
@@ -6903,12 +8724,20 @@
               <a:buChar char="§"/>
             </a:pPr>
             <a:r>
-              <a:rPr lang="en-US" sz="3200" dirty="0" smtClean="0">
+              <a:rPr lang="en-US" sz="3200" dirty="0">
                 <a:solidFill>
                   <a:schemeClr val="bg1"/>
                 </a:solidFill>
               </a:rPr>
-              <a:t>MS SQL Server</a:t>
+              <a:t>MS SQL Server, </a:t>
+            </a:r>
+            <a:r>
+              <a:rPr lang="en-US" sz="3200" dirty="0" err="1">
+                <a:solidFill>
+                  <a:schemeClr val="bg1"/>
+                </a:solidFill>
+              </a:rPr>
+              <a:t>Postgresql</a:t>
             </a:r>
             <a:r>
               <a:rPr lang="en-US" sz="3200" dirty="0">
@@ -6916,31 +8745,7 @@
                   <a:schemeClr val="bg1"/>
                 </a:solidFill>
               </a:rPr>
-              <a:t>, </a:t>
-            </a:r>
-            <a:r>
-              <a:rPr lang="en-US" sz="3200" dirty="0" err="1">
-                <a:solidFill>
-                  <a:schemeClr val="bg1"/>
-                </a:solidFill>
-              </a:rPr>
-              <a:t>Postgresql</a:t>
-            </a:r>
-            <a:r>
-              <a:rPr lang="en-US" sz="3200" dirty="0">
-                <a:solidFill>
-                  <a:schemeClr val="bg1"/>
-                </a:solidFill>
-              </a:rPr>
-              <a:t>, </a:t>
-            </a:r>
-            <a:r>
-              <a:rPr lang="en-US" sz="3200" dirty="0" smtClean="0">
-                <a:solidFill>
-                  <a:schemeClr val="bg1"/>
-                </a:solidFill>
-              </a:rPr>
-              <a:t>MySQL.</a:t>
+              <a:t>, MySQL.</a:t>
             </a:r>
           </a:p>
           <a:p>
@@ -6952,7 +8757,7 @@
               <a:buChar char="§"/>
             </a:pPr>
             <a:r>
-              <a:rPr lang="en-US" sz="3200" dirty="0" smtClean="0">
+              <a:rPr lang="en-US" sz="3200" dirty="0">
                 <a:solidFill>
                   <a:schemeClr val="bg1"/>
                 </a:solidFill>
@@ -6969,7 +8774,7 @@
               <a:buChar char="§"/>
             </a:pPr>
             <a:r>
-              <a:rPr lang="en-US" sz="3200" dirty="0" smtClean="0">
+              <a:rPr lang="en-US" sz="3200" dirty="0">
                 <a:solidFill>
                   <a:schemeClr val="bg1"/>
                 </a:solidFill>
@@ -6982,7 +8787,7 @@
               <a:buFont typeface="Wingdings" panose="05000000000000000000" pitchFamily="2" charset="2"/>
               <a:buChar char="§"/>
             </a:pPr>
-            <a:endParaRPr lang="en-US" sz="2000" dirty="0" smtClean="0">
+            <a:endParaRPr lang="en-US" sz="2000" dirty="0">
               <a:solidFill>
                 <a:schemeClr val="bg1"/>
               </a:solidFill>
@@ -6993,7 +8798,7 @@
               <a:buFont typeface="Wingdings" panose="05000000000000000000" pitchFamily="2" charset="2"/>
               <a:buChar char="§"/>
             </a:pPr>
-            <a:endParaRPr lang="en-US" sz="2000" dirty="0" smtClean="0">
+            <a:endParaRPr lang="en-US" sz="2000" dirty="0">
               <a:solidFill>
                 <a:schemeClr val="bg1"/>
               </a:solidFill>
@@ -7011,6 +8816,463 @@
   <p:clrMapOvr>
     <a:masterClrMapping/>
   </p:clrMapOvr>
+  <p:timing>
+    <p:tnLst>
+      <p:par>
+        <p:cTn id="1" dur="indefinite" restart="never" nodeType="tmRoot">
+          <p:childTnLst>
+            <p:seq concurrent="1" nextAc="seek">
+              <p:cTn id="2" dur="indefinite" nodeType="mainSeq">
+                <p:childTnLst>
+                  <p:par>
+                    <p:cTn id="3" fill="hold">
+                      <p:stCondLst>
+                        <p:cond delay="indefinite"/>
+                      </p:stCondLst>
+                      <p:childTnLst>
+                        <p:par>
+                          <p:cTn id="4" fill="hold">
+                            <p:stCondLst>
+                              <p:cond delay="0"/>
+                            </p:stCondLst>
+                            <p:childTnLst>
+                              <p:par>
+                                <p:cTn id="5" presetID="22" presetClass="entr" presetSubtype="4" fill="hold" nodeType="clickEffect">
+                                  <p:stCondLst>
+                                    <p:cond delay="0"/>
+                                  </p:stCondLst>
+                                  <p:childTnLst>
+                                    <p:set>
+                                      <p:cBhvr>
+                                        <p:cTn id="6" dur="1" fill="hold">
+                                          <p:stCondLst>
+                                            <p:cond delay="0"/>
+                                          </p:stCondLst>
+                                        </p:cTn>
+                                        <p:tgtEl>
+                                          <p:spTgt spid="3">
+                                            <p:txEl>
+                                              <p:pRg st="0" end="0"/>
+                                            </p:txEl>
+                                          </p:spTgt>
+                                        </p:tgtEl>
+                                        <p:attrNameLst>
+                                          <p:attrName>style.visibility</p:attrName>
+                                        </p:attrNameLst>
+                                      </p:cBhvr>
+                                      <p:to>
+                                        <p:strVal val="visible"/>
+                                      </p:to>
+                                    </p:set>
+                                    <p:animEffect transition="in" filter="wipe(down)">
+                                      <p:cBhvr>
+                                        <p:cTn id="7" dur="500"/>
+                                        <p:tgtEl>
+                                          <p:spTgt spid="3">
+                                            <p:txEl>
+                                              <p:pRg st="0" end="0"/>
+                                            </p:txEl>
+                                          </p:spTgt>
+                                        </p:tgtEl>
+                                      </p:cBhvr>
+                                    </p:animEffect>
+                                  </p:childTnLst>
+                                </p:cTn>
+                              </p:par>
+                            </p:childTnLst>
+                          </p:cTn>
+                        </p:par>
+                      </p:childTnLst>
+                    </p:cTn>
+                  </p:par>
+                  <p:par>
+                    <p:cTn id="8" fill="hold">
+                      <p:stCondLst>
+                        <p:cond delay="indefinite"/>
+                      </p:stCondLst>
+                      <p:childTnLst>
+                        <p:par>
+                          <p:cTn id="9" fill="hold">
+                            <p:stCondLst>
+                              <p:cond delay="0"/>
+                            </p:stCondLst>
+                            <p:childTnLst>
+                              <p:par>
+                                <p:cTn id="10" presetID="22" presetClass="entr" presetSubtype="4" fill="hold" nodeType="clickEffect">
+                                  <p:stCondLst>
+                                    <p:cond delay="0"/>
+                                  </p:stCondLst>
+                                  <p:childTnLst>
+                                    <p:set>
+                                      <p:cBhvr>
+                                        <p:cTn id="11" dur="1" fill="hold">
+                                          <p:stCondLst>
+                                            <p:cond delay="0"/>
+                                          </p:stCondLst>
+                                        </p:cTn>
+                                        <p:tgtEl>
+                                          <p:spTgt spid="3">
+                                            <p:txEl>
+                                              <p:pRg st="1" end="1"/>
+                                            </p:txEl>
+                                          </p:spTgt>
+                                        </p:tgtEl>
+                                        <p:attrNameLst>
+                                          <p:attrName>style.visibility</p:attrName>
+                                        </p:attrNameLst>
+                                      </p:cBhvr>
+                                      <p:to>
+                                        <p:strVal val="visible"/>
+                                      </p:to>
+                                    </p:set>
+                                    <p:animEffect transition="in" filter="wipe(down)">
+                                      <p:cBhvr>
+                                        <p:cTn id="12" dur="500"/>
+                                        <p:tgtEl>
+                                          <p:spTgt spid="3">
+                                            <p:txEl>
+                                              <p:pRg st="1" end="1"/>
+                                            </p:txEl>
+                                          </p:spTgt>
+                                        </p:tgtEl>
+                                      </p:cBhvr>
+                                    </p:animEffect>
+                                  </p:childTnLst>
+                                </p:cTn>
+                              </p:par>
+                            </p:childTnLst>
+                          </p:cTn>
+                        </p:par>
+                      </p:childTnLst>
+                    </p:cTn>
+                  </p:par>
+                  <p:par>
+                    <p:cTn id="13" fill="hold">
+                      <p:stCondLst>
+                        <p:cond delay="indefinite"/>
+                      </p:stCondLst>
+                      <p:childTnLst>
+                        <p:par>
+                          <p:cTn id="14" fill="hold">
+                            <p:stCondLst>
+                              <p:cond delay="0"/>
+                            </p:stCondLst>
+                            <p:childTnLst>
+                              <p:par>
+                                <p:cTn id="15" presetID="22" presetClass="entr" presetSubtype="4" fill="hold" nodeType="clickEffect">
+                                  <p:stCondLst>
+                                    <p:cond delay="0"/>
+                                  </p:stCondLst>
+                                  <p:childTnLst>
+                                    <p:set>
+                                      <p:cBhvr>
+                                        <p:cTn id="16" dur="1" fill="hold">
+                                          <p:stCondLst>
+                                            <p:cond delay="0"/>
+                                          </p:stCondLst>
+                                        </p:cTn>
+                                        <p:tgtEl>
+                                          <p:spTgt spid="3">
+                                            <p:txEl>
+                                              <p:pRg st="2" end="2"/>
+                                            </p:txEl>
+                                          </p:spTgt>
+                                        </p:tgtEl>
+                                        <p:attrNameLst>
+                                          <p:attrName>style.visibility</p:attrName>
+                                        </p:attrNameLst>
+                                      </p:cBhvr>
+                                      <p:to>
+                                        <p:strVal val="visible"/>
+                                      </p:to>
+                                    </p:set>
+                                    <p:animEffect transition="in" filter="wipe(down)">
+                                      <p:cBhvr>
+                                        <p:cTn id="17" dur="500"/>
+                                        <p:tgtEl>
+                                          <p:spTgt spid="3">
+                                            <p:txEl>
+                                              <p:pRg st="2" end="2"/>
+                                            </p:txEl>
+                                          </p:spTgt>
+                                        </p:tgtEl>
+                                      </p:cBhvr>
+                                    </p:animEffect>
+                                  </p:childTnLst>
+                                </p:cTn>
+                              </p:par>
+                            </p:childTnLst>
+                          </p:cTn>
+                        </p:par>
+                      </p:childTnLst>
+                    </p:cTn>
+                  </p:par>
+                  <p:par>
+                    <p:cTn id="18" fill="hold">
+                      <p:stCondLst>
+                        <p:cond delay="indefinite"/>
+                      </p:stCondLst>
+                      <p:childTnLst>
+                        <p:par>
+                          <p:cTn id="19" fill="hold">
+                            <p:stCondLst>
+                              <p:cond delay="0"/>
+                            </p:stCondLst>
+                            <p:childTnLst>
+                              <p:par>
+                                <p:cTn id="20" presetID="22" presetClass="entr" presetSubtype="4" fill="hold" nodeType="clickEffect">
+                                  <p:stCondLst>
+                                    <p:cond delay="0"/>
+                                  </p:stCondLst>
+                                  <p:childTnLst>
+                                    <p:set>
+                                      <p:cBhvr>
+                                        <p:cTn id="21" dur="1" fill="hold">
+                                          <p:stCondLst>
+                                            <p:cond delay="0"/>
+                                          </p:stCondLst>
+                                        </p:cTn>
+                                        <p:tgtEl>
+                                          <p:spTgt spid="3">
+                                            <p:txEl>
+                                              <p:pRg st="3" end="3"/>
+                                            </p:txEl>
+                                          </p:spTgt>
+                                        </p:tgtEl>
+                                        <p:attrNameLst>
+                                          <p:attrName>style.visibility</p:attrName>
+                                        </p:attrNameLst>
+                                      </p:cBhvr>
+                                      <p:to>
+                                        <p:strVal val="visible"/>
+                                      </p:to>
+                                    </p:set>
+                                    <p:animEffect transition="in" filter="wipe(down)">
+                                      <p:cBhvr>
+                                        <p:cTn id="22" dur="500"/>
+                                        <p:tgtEl>
+                                          <p:spTgt spid="3">
+                                            <p:txEl>
+                                              <p:pRg st="3" end="3"/>
+                                            </p:txEl>
+                                          </p:spTgt>
+                                        </p:tgtEl>
+                                      </p:cBhvr>
+                                    </p:animEffect>
+                                  </p:childTnLst>
+                                </p:cTn>
+                              </p:par>
+                            </p:childTnLst>
+                          </p:cTn>
+                        </p:par>
+                      </p:childTnLst>
+                    </p:cTn>
+                  </p:par>
+                  <p:par>
+                    <p:cTn id="23" fill="hold">
+                      <p:stCondLst>
+                        <p:cond delay="indefinite"/>
+                      </p:stCondLst>
+                      <p:childTnLst>
+                        <p:par>
+                          <p:cTn id="24" fill="hold">
+                            <p:stCondLst>
+                              <p:cond delay="0"/>
+                            </p:stCondLst>
+                            <p:childTnLst>
+                              <p:par>
+                                <p:cTn id="25" presetID="22" presetClass="entr" presetSubtype="4" fill="hold" nodeType="clickEffect">
+                                  <p:stCondLst>
+                                    <p:cond delay="0"/>
+                                  </p:stCondLst>
+                                  <p:childTnLst>
+                                    <p:set>
+                                      <p:cBhvr>
+                                        <p:cTn id="26" dur="1" fill="hold">
+                                          <p:stCondLst>
+                                            <p:cond delay="0"/>
+                                          </p:stCondLst>
+                                        </p:cTn>
+                                        <p:tgtEl>
+                                          <p:spTgt spid="3">
+                                            <p:txEl>
+                                              <p:pRg st="4" end="4"/>
+                                            </p:txEl>
+                                          </p:spTgt>
+                                        </p:tgtEl>
+                                        <p:attrNameLst>
+                                          <p:attrName>style.visibility</p:attrName>
+                                        </p:attrNameLst>
+                                      </p:cBhvr>
+                                      <p:to>
+                                        <p:strVal val="visible"/>
+                                      </p:to>
+                                    </p:set>
+                                    <p:animEffect transition="in" filter="wipe(down)">
+                                      <p:cBhvr>
+                                        <p:cTn id="27" dur="500"/>
+                                        <p:tgtEl>
+                                          <p:spTgt spid="3">
+                                            <p:txEl>
+                                              <p:pRg st="4" end="4"/>
+                                            </p:txEl>
+                                          </p:spTgt>
+                                        </p:tgtEl>
+                                      </p:cBhvr>
+                                    </p:animEffect>
+                                  </p:childTnLst>
+                                </p:cTn>
+                              </p:par>
+                            </p:childTnLst>
+                          </p:cTn>
+                        </p:par>
+                      </p:childTnLst>
+                    </p:cTn>
+                  </p:par>
+                  <p:par>
+                    <p:cTn id="28" fill="hold">
+                      <p:stCondLst>
+                        <p:cond delay="indefinite"/>
+                      </p:stCondLst>
+                      <p:childTnLst>
+                        <p:par>
+                          <p:cTn id="29" fill="hold">
+                            <p:stCondLst>
+                              <p:cond delay="0"/>
+                            </p:stCondLst>
+                            <p:childTnLst>
+                              <p:par>
+                                <p:cTn id="30" presetID="22" presetClass="entr" presetSubtype="4" fill="hold" nodeType="clickEffect">
+                                  <p:stCondLst>
+                                    <p:cond delay="0"/>
+                                  </p:stCondLst>
+                                  <p:childTnLst>
+                                    <p:set>
+                                      <p:cBhvr>
+                                        <p:cTn id="31" dur="1" fill="hold">
+                                          <p:stCondLst>
+                                            <p:cond delay="0"/>
+                                          </p:stCondLst>
+                                        </p:cTn>
+                                        <p:tgtEl>
+                                          <p:spTgt spid="3">
+                                            <p:txEl>
+                                              <p:pRg st="5" end="5"/>
+                                            </p:txEl>
+                                          </p:spTgt>
+                                        </p:tgtEl>
+                                        <p:attrNameLst>
+                                          <p:attrName>style.visibility</p:attrName>
+                                        </p:attrNameLst>
+                                      </p:cBhvr>
+                                      <p:to>
+                                        <p:strVal val="visible"/>
+                                      </p:to>
+                                    </p:set>
+                                    <p:animEffect transition="in" filter="wipe(down)">
+                                      <p:cBhvr>
+                                        <p:cTn id="32" dur="500"/>
+                                        <p:tgtEl>
+                                          <p:spTgt spid="3">
+                                            <p:txEl>
+                                              <p:pRg st="5" end="5"/>
+                                            </p:txEl>
+                                          </p:spTgt>
+                                        </p:tgtEl>
+                                      </p:cBhvr>
+                                    </p:animEffect>
+                                  </p:childTnLst>
+                                </p:cTn>
+                              </p:par>
+                            </p:childTnLst>
+                          </p:cTn>
+                        </p:par>
+                      </p:childTnLst>
+                    </p:cTn>
+                  </p:par>
+                  <p:par>
+                    <p:cTn id="33" fill="hold">
+                      <p:stCondLst>
+                        <p:cond delay="indefinite"/>
+                      </p:stCondLst>
+                      <p:childTnLst>
+                        <p:par>
+                          <p:cTn id="34" fill="hold">
+                            <p:stCondLst>
+                              <p:cond delay="0"/>
+                            </p:stCondLst>
+                            <p:childTnLst>
+                              <p:par>
+                                <p:cTn id="35" presetID="22" presetClass="entr" presetSubtype="4" fill="hold" nodeType="clickEffect">
+                                  <p:stCondLst>
+                                    <p:cond delay="0"/>
+                                  </p:stCondLst>
+                                  <p:childTnLst>
+                                    <p:set>
+                                      <p:cBhvr>
+                                        <p:cTn id="36" dur="1" fill="hold">
+                                          <p:stCondLst>
+                                            <p:cond delay="0"/>
+                                          </p:stCondLst>
+                                        </p:cTn>
+                                        <p:tgtEl>
+                                          <p:spTgt spid="3">
+                                            <p:txEl>
+                                              <p:pRg st="6" end="6"/>
+                                            </p:txEl>
+                                          </p:spTgt>
+                                        </p:tgtEl>
+                                        <p:attrNameLst>
+                                          <p:attrName>style.visibility</p:attrName>
+                                        </p:attrNameLst>
+                                      </p:cBhvr>
+                                      <p:to>
+                                        <p:strVal val="visible"/>
+                                      </p:to>
+                                    </p:set>
+                                    <p:animEffect transition="in" filter="wipe(down)">
+                                      <p:cBhvr>
+                                        <p:cTn id="37" dur="500"/>
+                                        <p:tgtEl>
+                                          <p:spTgt spid="3">
+                                            <p:txEl>
+                                              <p:pRg st="6" end="6"/>
+                                            </p:txEl>
+                                          </p:spTgt>
+                                        </p:tgtEl>
+                                      </p:cBhvr>
+                                    </p:animEffect>
+                                  </p:childTnLst>
+                                </p:cTn>
+                              </p:par>
+                            </p:childTnLst>
+                          </p:cTn>
+                        </p:par>
+                      </p:childTnLst>
+                    </p:cTn>
+                  </p:par>
+                </p:childTnLst>
+              </p:cTn>
+              <p:prevCondLst>
+                <p:cond evt="onPrev" delay="0">
+                  <p:tgtEl>
+                    <p:sldTgt/>
+                  </p:tgtEl>
+                </p:cond>
+              </p:prevCondLst>
+              <p:nextCondLst>
+                <p:cond evt="onNext" delay="0">
+                  <p:tgtEl>
+                    <p:sldTgt/>
+                  </p:tgtEl>
+                </p:cond>
+              </p:nextCondLst>
+            </p:seq>
+          </p:childTnLst>
+        </p:cTn>
+      </p:par>
+    </p:tnLst>
+  </p:timing>
 </p:sld>
 </file>
 
@@ -7047,63 +9309,37 @@
           <a:lstStyle/>
           <a:p>
             <a:r>
-              <a:rPr lang="en-US" dirty="0" err="1" smtClean="0"/>
+              <a:rPr lang="en-US" dirty="0" err="1"/>
               <a:t>Kết</a:t>
             </a:r>
             <a:r>
-              <a:rPr lang="en-US" dirty="0" smtClean="0"/>
+              <a:rPr lang="en-US" dirty="0"/>
               <a:t> </a:t>
             </a:r>
             <a:r>
-              <a:rPr lang="en-US" dirty="0" err="1" smtClean="0"/>
+              <a:rPr lang="en-US" dirty="0" err="1"/>
               <a:t>quả</a:t>
             </a:r>
             <a:r>
-              <a:rPr lang="en-US" dirty="0" smtClean="0"/>
+              <a:rPr lang="en-US" dirty="0"/>
               <a:t> </a:t>
             </a:r>
             <a:r>
-              <a:rPr lang="en-US" dirty="0" err="1" smtClean="0"/>
+              <a:rPr lang="en-US" dirty="0" err="1"/>
               <a:t>thu</a:t>
             </a:r>
             <a:r>
-              <a:rPr lang="en-US" dirty="0" smtClean="0"/>
+              <a:rPr lang="en-US" dirty="0"/>
               <a:t> </a:t>
             </a:r>
             <a:r>
-              <a:rPr lang="en-US" dirty="0" err="1" smtClean="0"/>
+              <a:rPr lang="en-US" dirty="0" err="1"/>
               <a:t>được</a:t>
             </a:r>
             <a:endParaRPr lang="en-US" dirty="0"/>
           </a:p>
         </p:txBody>
       </p:sp>
-      <p:pic>
-        <p:nvPicPr>
-          <p:cNvPr id="17" name="Content Placeholder 16"/>
-          <p:cNvPicPr>
-            <a:picLocks noGrp="1" noChangeAspect="1"/>
-          </p:cNvPicPr>
-          <p:nvPr>
-            <p:ph idx="1"/>
-          </p:nvPr>
-        </p:nvPicPr>
-        <p:blipFill>
-          <a:blip r:embed="rId2"/>
-          <a:stretch>
-            <a:fillRect/>
-          </a:stretch>
-        </p:blipFill>
-        <p:spPr>
-          <a:xfrm>
-            <a:off x="4683354" y="1376727"/>
-            <a:ext cx="4460646" cy="3816531"/>
-          </a:xfrm>
-          <a:prstGeom prst="rect">
-            <a:avLst/>
-          </a:prstGeom>
-        </p:spPr>
-      </p:pic>
       <p:sp>
         <p:nvSpPr>
           <p:cNvPr id="4" name="Slide Number Placeholder 3"/>
@@ -7167,30 +9403,30 @@
           </a:p>
         </p:txBody>
       </p:sp>
-      <p:pic>
-        <p:nvPicPr>
-          <p:cNvPr id="18" name="Picture 17"/>
-          <p:cNvPicPr>
-            <a:picLocks noChangeAspect="1"/>
-          </p:cNvPicPr>
-          <p:nvPr/>
-        </p:nvPicPr>
-        <p:blipFill>
-          <a:blip r:embed="rId3"/>
-          <a:stretch>
-            <a:fillRect/>
-          </a:stretch>
-        </p:blipFill>
-        <p:spPr>
-          <a:xfrm>
-            <a:off x="17231" y="1376728"/>
-            <a:ext cx="4666122" cy="3816530"/>
-          </a:xfrm>
-          <a:prstGeom prst="rect">
-            <a:avLst/>
-          </a:prstGeom>
-        </p:spPr>
-      </p:pic>
+      <p:graphicFrame>
+        <p:nvGraphicFramePr>
+          <p:cNvPr id="9" name="Chart 8"/>
+          <p:cNvGraphicFramePr>
+            <a:graphicFrameLocks/>
+          </p:cNvGraphicFramePr>
+          <p:nvPr>
+            <p:extLst>
+              <p:ext uri="{D42A27DB-BD31-4B8C-83A1-F6EECF244321}">
+                <p14:modId xmlns:p14="http://schemas.microsoft.com/office/powerpoint/2010/main" val="3641495765"/>
+              </p:ext>
+            </p:extLst>
+          </p:nvPr>
+        </p:nvGraphicFramePr>
+        <p:xfrm>
+          <a:off x="385842" y="1340710"/>
+          <a:ext cx="8425876" cy="4309515"/>
+        </p:xfrm>
+        <a:graphic>
+          <a:graphicData uri="http://schemas.openxmlformats.org/drawingml/2006/chart">
+            <c:chart xmlns:c="http://schemas.openxmlformats.org/drawingml/2006/chart" xmlns:r="http://schemas.openxmlformats.org/officeDocument/2006/relationships" r:id="rId2"/>
+          </a:graphicData>
+        </a:graphic>
+      </p:graphicFrame>
     </p:spTree>
     <p:extLst>
       <p:ext uri="{BB962C8B-B14F-4D97-AF65-F5344CB8AC3E}">
@@ -7204,9 +9440,90 @@
   <p:timing>
     <p:tnLst>
       <p:par>
-        <p:cTn id="1" dur="indefinite" restart="never" nodeType="tmRoot"/>
+        <p:cTn id="1" dur="indefinite" restart="never" nodeType="tmRoot">
+          <p:childTnLst>
+            <p:seq concurrent="1" nextAc="seek">
+              <p:cTn id="2" dur="indefinite" nodeType="mainSeq">
+                <p:childTnLst>
+                  <p:par>
+                    <p:cTn id="3" fill="hold">
+                      <p:stCondLst>
+                        <p:cond delay="indefinite"/>
+                      </p:stCondLst>
+                      <p:childTnLst>
+                        <p:par>
+                          <p:cTn id="4" fill="hold">
+                            <p:stCondLst>
+                              <p:cond delay="0"/>
+                            </p:stCondLst>
+                            <p:childTnLst>
+                              <p:par>
+                                <p:cTn id="5" presetID="22" presetClass="entr" presetSubtype="4" fill="hold" grpId="0" nodeType="clickEffect">
+                                  <p:stCondLst>
+                                    <p:cond delay="0"/>
+                                  </p:stCondLst>
+                                  <p:childTnLst>
+                                    <p:set>
+                                      <p:cBhvr>
+                                        <p:cTn id="6" dur="1" fill="hold">
+                                          <p:stCondLst>
+                                            <p:cond delay="0"/>
+                                          </p:stCondLst>
+                                        </p:cTn>
+                                        <p:tgtEl>
+                                          <p:spTgt spid="9"/>
+                                        </p:tgtEl>
+                                        <p:attrNameLst>
+                                          <p:attrName>style.visibility</p:attrName>
+                                        </p:attrNameLst>
+                                      </p:cBhvr>
+                                      <p:to>
+                                        <p:strVal val="visible"/>
+                                      </p:to>
+                                    </p:set>
+                                    <p:animEffect transition="in" filter="wipe(down)">
+                                      <p:cBhvr>
+                                        <p:cTn id="7" dur="500"/>
+                                        <p:tgtEl>
+                                          <p:spTgt spid="9"/>
+                                        </p:tgtEl>
+                                      </p:cBhvr>
+                                    </p:animEffect>
+                                  </p:childTnLst>
+                                </p:cTn>
+                              </p:par>
+                            </p:childTnLst>
+                          </p:cTn>
+                        </p:par>
+                      </p:childTnLst>
+                    </p:cTn>
+                  </p:par>
+                </p:childTnLst>
+              </p:cTn>
+              <p:prevCondLst>
+                <p:cond evt="onPrev" delay="0">
+                  <p:tgtEl>
+                    <p:sldTgt/>
+                  </p:tgtEl>
+                </p:cond>
+              </p:prevCondLst>
+              <p:nextCondLst>
+                <p:cond evt="onNext" delay="0">
+                  <p:tgtEl>
+                    <p:sldTgt/>
+                  </p:tgtEl>
+                </p:cond>
+              </p:nextCondLst>
+            </p:seq>
+          </p:childTnLst>
+        </p:cTn>
       </p:par>
     </p:tnLst>
+    <p:bldLst>
+      <p:bldGraphic spid="9" grpId="0">
+        <p:bldAsOne/>
+      </p:bldGraphic>
+    </p:bldLst>
   </p:timing>
 </p:sld>
 </file>
@@ -7244,15 +9561,272 @@
           <a:lstStyle/>
           <a:p>
             <a:r>
-              <a:rPr lang="en-US" dirty="0" err="1" smtClean="0"/>
+              <a:rPr lang="en-US" dirty="0" err="1"/>
+              <a:t>Kết</a:t>
+            </a:r>
+            <a:r>
+              <a:rPr lang="en-US" dirty="0"/>
+              <a:t> </a:t>
+            </a:r>
+            <a:r>
+              <a:rPr lang="en-US" dirty="0" err="1"/>
+              <a:t>quả</a:t>
+            </a:r>
+            <a:r>
+              <a:rPr lang="en-US" dirty="0"/>
+              <a:t> </a:t>
+            </a:r>
+            <a:r>
+              <a:rPr lang="en-US" dirty="0" err="1"/>
+              <a:t>thu</a:t>
+            </a:r>
+            <a:r>
+              <a:rPr lang="en-US" dirty="0"/>
+              <a:t> </a:t>
+            </a:r>
+            <a:r>
+              <a:rPr lang="en-US" dirty="0" err="1"/>
+              <a:t>được</a:t>
+            </a:r>
+            <a:endParaRPr lang="en-US" dirty="0"/>
+          </a:p>
+        </p:txBody>
+      </p:sp>
+      <p:pic>
+        <p:nvPicPr>
+          <p:cNvPr id="17" name="Content Placeholder 16"/>
+          <p:cNvPicPr>
+            <a:picLocks noGrp="1" noChangeAspect="1"/>
+          </p:cNvPicPr>
+          <p:nvPr>
+            <p:ph idx="1"/>
+          </p:nvPr>
+        </p:nvPicPr>
+        <p:blipFill>
+          <a:blip r:embed="rId2"/>
+          <a:stretch>
+            <a:fillRect/>
+          </a:stretch>
+        </p:blipFill>
+        <p:spPr>
+          <a:xfrm>
+            <a:off x="1619590" y="1039637"/>
+            <a:ext cx="5900846" cy="5062916"/>
+          </a:xfrm>
+          <a:prstGeom prst="rect">
+            <a:avLst/>
+          </a:prstGeom>
+        </p:spPr>
+      </p:pic>
+      <p:sp>
+        <p:nvSpPr>
+          <p:cNvPr id="4" name="Slide Number Placeholder 3"/>
+          <p:cNvSpPr>
+            <a:spLocks noGrp="1"/>
+          </p:cNvSpPr>
+          <p:nvPr>
+            <p:ph type="sldNum" sz="quarter" idx="10"/>
+          </p:nvPr>
+        </p:nvSpPr>
+        <p:spPr/>
+        <p:txBody>
+          <a:bodyPr/>
+          <a:lstStyle/>
+          <a:p>
+            <a:fld id="{DF7D7A9D-6521-4C9C-B98B-0A8DAB95E158}" type="slidenum">
+              <a:rPr lang="en-US" altLang="ja-JP" smtClean="0"/>
+              <a:pPr/>
+              <a:t>5</a:t>
+            </a:fld>
+            <a:endParaRPr lang="en-US" altLang="ja-JP"/>
+          </a:p>
+        </p:txBody>
+      </p:sp>
+      <p:sp>
+        <p:nvSpPr>
+          <p:cNvPr id="5" name="AutoShape 6" descr="Image result for nestjs logo"/>
+          <p:cNvSpPr>
+            <a:spLocks noChangeAspect="1" noChangeArrowheads="1"/>
+          </p:cNvSpPr>
+          <p:nvPr/>
+        </p:nvSpPr>
+        <p:spPr bwMode="auto">
+          <a:xfrm>
+            <a:off x="155575" y="-144463"/>
+            <a:ext cx="304800" cy="304801"/>
+          </a:xfrm>
+          <a:prstGeom prst="rect">
+            <a:avLst/>
+          </a:prstGeom>
+          <a:noFill/>
+          <a:extLst>
+            <a:ext uri="{909E8E84-426E-40DD-AFC4-6F175D3DCCD1}">
+              <a14:hiddenFill xmlns:a14="http://schemas.microsoft.com/office/drawing/2010/main">
+                <a:solidFill>
+                  <a:srgbClr val="FFFFFF"/>
+                </a:solidFill>
+              </a14:hiddenFill>
+            </a:ext>
+          </a:extLst>
+        </p:spPr>
+        <p:txBody>
+          <a:bodyPr vert="horz" wrap="square" lIns="91440" tIns="45720" rIns="91440" bIns="45720" numCol="1" anchor="t" anchorCtr="0" compatLnSpc="1">
+            <a:prstTxWarp prst="textNoShape">
+              <a:avLst/>
+            </a:prstTxWarp>
+          </a:bodyPr>
+          <a:lstStyle/>
+          <a:p>
+            <a:endParaRPr lang="en-US"/>
+          </a:p>
+        </p:txBody>
+      </p:sp>
+    </p:spTree>
+    <p:extLst>
+      <p:ext uri="{BB962C8B-B14F-4D97-AF65-F5344CB8AC3E}">
+        <p14:creationId xmlns:p14="http://schemas.microsoft.com/office/powerpoint/2010/main" val="3148904195"/>
+      </p:ext>
+    </p:extLst>
+  </p:cSld>
+  <p:clrMapOvr>
+    <a:masterClrMapping/>
+  </p:clrMapOvr>
+  <p:timing>
+    <p:tnLst>
+      <p:par>
+        <p:cTn id="1" dur="indefinite" restart="never" nodeType="tmRoot">
+          <p:childTnLst>
+            <p:seq concurrent="1" nextAc="seek">
+              <p:cTn id="2" dur="indefinite" nodeType="mainSeq">
+                <p:childTnLst>
+                  <p:par>
+                    <p:cTn id="3" fill="hold">
+                      <p:stCondLst>
+                        <p:cond delay="indefinite"/>
+                      </p:stCondLst>
+                      <p:childTnLst>
+                        <p:par>
+                          <p:cTn id="4" fill="hold">
+                            <p:stCondLst>
+                              <p:cond delay="0"/>
+                            </p:stCondLst>
+                            <p:childTnLst>
+                              <p:par>
+                                <p:cTn id="5" presetID="22" presetClass="entr" presetSubtype="4" fill="hold" nodeType="clickEffect">
+                                  <p:stCondLst>
+                                    <p:cond delay="0"/>
+                                  </p:stCondLst>
+                                  <p:childTnLst>
+                                    <p:set>
+                                      <p:cBhvr>
+                                        <p:cTn id="6" dur="1" fill="hold">
+                                          <p:stCondLst>
+                                            <p:cond delay="0"/>
+                                          </p:stCondLst>
+                                        </p:cTn>
+                                        <p:tgtEl>
+                                          <p:spTgt spid="17"/>
+                                        </p:tgtEl>
+                                        <p:attrNameLst>
+                                          <p:attrName>style.visibility</p:attrName>
+                                        </p:attrNameLst>
+                                      </p:cBhvr>
+                                      <p:to>
+                                        <p:strVal val="visible"/>
+                                      </p:to>
+                                    </p:set>
+                                    <p:animEffect transition="in" filter="wipe(down)">
+                                      <p:cBhvr>
+                                        <p:cTn id="7" dur="500"/>
+                                        <p:tgtEl>
+                                          <p:spTgt spid="17"/>
+                                        </p:tgtEl>
+                                      </p:cBhvr>
+                                    </p:animEffect>
+                                  </p:childTnLst>
+                                </p:cTn>
+                              </p:par>
+                            </p:childTnLst>
+                          </p:cTn>
+                        </p:par>
+                      </p:childTnLst>
+                    </p:cTn>
+                  </p:par>
+                </p:childTnLst>
+              </p:cTn>
+              <p:prevCondLst>
+                <p:cond evt="onPrev" delay="0">
+                  <p:tgtEl>
+                    <p:sldTgt/>
+                  </p:tgtEl>
+                </p:cond>
+              </p:prevCondLst>
+              <p:nextCondLst>
+                <p:cond evt="onNext" delay="0">
+                  <p:tgtEl>
+                    <p:sldTgt/>
+                  </p:tgtEl>
+                </p:cond>
+              </p:nextCondLst>
+            </p:seq>
+          </p:childTnLst>
+        </p:cTn>
+      </p:par>
+    </p:tnLst>
+  </p:timing>
+</p:sld>
+</file>
+
+<file path=ppt/slides/slide7.xml><?xml version="1.0" encoding="utf-8"?>
+<p:sld xmlns:a="http://schemas.openxmlformats.org/drawingml/2006/main" xmlns:r="http://schemas.openxmlformats.org/officeDocument/2006/relationships" xmlns:p="http://schemas.openxmlformats.org/presentationml/2006/main">
+  <p:cSld>
+    <p:bg>
+      <p:bgPr>
+        <a:solidFill>
+          <a:schemeClr val="bg1"/>
+        </a:solidFill>
+        <a:effectLst/>
+      </p:bgPr>
+    </p:bg>
+    <p:spTree>
+      <p:nvGrpSpPr>
+        <p:cNvPr id="1" name=""/>
+        <p:cNvGrpSpPr/>
+        <p:nvPr/>
+      </p:nvGrpSpPr>
+      <p:grpSpPr>
+        <a:xfrm>
+          <a:off x="0" y="0"/>
+          <a:ext cx="0" cy="0"/>
+          <a:chOff x="0" y="0"/>
+          <a:chExt cx="0" cy="0"/>
+        </a:xfrm>
+      </p:grpSpPr>
+      <p:sp>
+        <p:nvSpPr>
+          <p:cNvPr id="2" name="Title 1"/>
+          <p:cNvSpPr>
+            <a:spLocks noGrp="1"/>
+          </p:cNvSpPr>
+          <p:nvPr>
+            <p:ph type="title"/>
+          </p:nvPr>
+        </p:nvSpPr>
+        <p:spPr/>
+        <p:txBody>
+          <a:bodyPr/>
+          <a:lstStyle/>
+          <a:p>
+            <a:r>
+              <a:rPr lang="en-US" dirty="0" err="1"/>
               <a:t>Mục</a:t>
             </a:r>
             <a:r>
-              <a:rPr lang="en-US" dirty="0" smtClean="0"/>
+              <a:rPr lang="en-US" dirty="0"/>
               <a:t> </a:t>
             </a:r>
             <a:r>
-              <a:rPr lang="en-US" dirty="0" err="1" smtClean="0"/>
+              <a:rPr lang="en-US" dirty="0" err="1"/>
               <a:t>tiêu</a:t>
             </a:r>
             <a:endParaRPr lang="en-US" dirty="0"/>
@@ -7282,7 +9856,7 @@
               <a:pPr>
                 <a:defRPr/>
               </a:pPr>
-              <a:t>5</a:t>
+              <a:t>6</a:t>
             </a:fld>
             <a:endParaRPr lang="en-US" altLang="ja-JP"/>
           </a:p>
@@ -7350,8 +9924,8 @@
         </p:blipFill>
         <p:spPr bwMode="auto">
           <a:xfrm>
-            <a:off x="1331550" y="2035457"/>
-            <a:ext cx="6719168" cy="3142293"/>
+            <a:off x="1403560" y="836640"/>
+            <a:ext cx="6467120" cy="3024420"/>
           </a:xfrm>
           <a:prstGeom prst="rect">
             <a:avLst/>
@@ -7376,8 +9950,8 @@
         </p:nvSpPr>
         <p:spPr bwMode="auto">
           <a:xfrm>
-            <a:off x="2876947" y="4149100"/>
-            <a:ext cx="792110" cy="1152160"/>
+            <a:off x="2942150" y="2636613"/>
+            <a:ext cx="693908" cy="1273440"/>
           </a:xfrm>
           <a:prstGeom prst="ellipse">
             <a:avLst/>
@@ -7434,8 +10008,8 @@
         </p:nvSpPr>
         <p:spPr>
           <a:xfrm>
-            <a:off x="2552902" y="5301260"/>
-            <a:ext cx="1440200" cy="461665"/>
+            <a:off x="2627730" y="3839777"/>
+            <a:ext cx="1387817" cy="461665"/>
           </a:xfrm>
           <a:prstGeom prst="rect">
             <a:avLst/>
@@ -7452,34 +10026,364 @@
           <a:lstStyle/>
           <a:p>
             <a:r>
-              <a:rPr lang="en-US" sz="2400" b="1" dirty="0" err="1" smtClean="0">
-                <a:solidFill>
-                  <a:schemeClr val="bg1"/>
-                </a:solidFill>
-              </a:rPr>
+              <a:rPr lang="en-US" sz="2400" b="1" dirty="0" err="1"/>
               <a:t>Hiện</a:t>
             </a:r>
             <a:r>
-              <a:rPr lang="en-US" sz="2400" b="1" dirty="0" smtClean="0">
-                <a:solidFill>
-                  <a:schemeClr val="bg1"/>
-                </a:solidFill>
-              </a:rPr>
+              <a:rPr lang="en-US" sz="2400" b="1" dirty="0"/>
               <a:t> </a:t>
             </a:r>
             <a:r>
-              <a:rPr lang="en-US" sz="2400" b="1" dirty="0" err="1" smtClean="0">
-                <a:solidFill>
-                  <a:schemeClr val="bg1"/>
-                </a:solidFill>
-              </a:rPr>
+              <a:rPr lang="en-US" sz="2400" b="1" dirty="0" err="1"/>
               <a:t>tại</a:t>
             </a:r>
-            <a:endParaRPr lang="en-US" sz="2400" b="1" dirty="0" smtClean="0">
+            <a:endParaRPr lang="en-US" sz="2400" b="1" dirty="0"/>
+          </a:p>
+        </p:txBody>
+      </p:sp>
+      <p:sp>
+        <p:nvSpPr>
+          <p:cNvPr id="3" name="TextBox 2"/>
+          <p:cNvSpPr txBox="1"/>
+          <p:nvPr/>
+        </p:nvSpPr>
+        <p:spPr>
+          <a:xfrm>
+            <a:off x="1062948" y="4261395"/>
+            <a:ext cx="5905197" cy="2092881"/>
+          </a:xfrm>
+          <a:prstGeom prst="rect">
+            <a:avLst/>
+          </a:prstGeom>
+          <a:solidFill>
+            <a:schemeClr val="bg1"/>
+          </a:solidFill>
+          <a:ln w="19050">
+            <a:noFill/>
+          </a:ln>
+        </p:spPr>
+        <p:txBody>
+          <a:bodyPr wrap="square" rtlCol="0">
+            <a:spAutoFit/>
+          </a:bodyPr>
+          <a:lstStyle/>
+          <a:p>
+            <a:pPr marL="171450" indent="-171450">
+              <a:lnSpc>
+                <a:spcPct val="150000"/>
+              </a:lnSpc>
+              <a:buBlip>
+                <a:blip r:embed="rId3"/>
+              </a:buBlip>
+            </a:pPr>
+            <a:r>
+              <a:rPr lang="en-US" sz="2000" dirty="0" smtClean="0"/>
+              <a:t> </a:t>
+            </a:r>
+            <a:r>
+              <a:rPr lang="en-US" sz="2000" dirty="0" err="1" smtClean="0"/>
+              <a:t>Tham</a:t>
+            </a:r>
+            <a:r>
+              <a:rPr lang="en-US" sz="2000" dirty="0" smtClean="0"/>
+              <a:t> </a:t>
+            </a:r>
+            <a:r>
+              <a:rPr lang="en-US" sz="2000" dirty="0" err="1" smtClean="0"/>
+              <a:t>gia</a:t>
+            </a:r>
+            <a:r>
+              <a:rPr lang="en-US" sz="2000" dirty="0" smtClean="0"/>
+              <a:t> </a:t>
+            </a:r>
+            <a:r>
+              <a:rPr lang="en-US" sz="2000" dirty="0" err="1" smtClean="0"/>
+              <a:t>đội</a:t>
+            </a:r>
+            <a:r>
+              <a:rPr lang="en-US" sz="2000" dirty="0" smtClean="0"/>
+              <a:t> </a:t>
+            </a:r>
+            <a:r>
+              <a:rPr lang="en-US" sz="2000" dirty="0" err="1" smtClean="0"/>
+              <a:t>dự</a:t>
+            </a:r>
+            <a:r>
+              <a:rPr lang="en-US" sz="2000" dirty="0" smtClean="0"/>
+              <a:t> </a:t>
+            </a:r>
+            <a:r>
+              <a:rPr lang="en-US" sz="2000" dirty="0" err="1" smtClean="0"/>
+              <a:t>án</a:t>
+            </a:r>
+            <a:r>
+              <a:rPr lang="en-US" sz="2000" dirty="0" smtClean="0"/>
+              <a:t>.</a:t>
+            </a:r>
+          </a:p>
+          <a:p>
+            <a:pPr marL="171450" indent="-171450">
+              <a:lnSpc>
+                <a:spcPct val="150000"/>
+              </a:lnSpc>
+              <a:buBlip>
+                <a:blip r:embed="rId3"/>
+              </a:buBlip>
+            </a:pPr>
+            <a:r>
+              <a:rPr lang="en-US" sz="2000" dirty="0" smtClean="0"/>
+              <a:t> </a:t>
+            </a:r>
+            <a:r>
+              <a:rPr lang="en-US" sz="2000" dirty="0" err="1" smtClean="0"/>
+              <a:t>Hoàn</a:t>
+            </a:r>
+            <a:r>
+              <a:rPr lang="en-US" sz="2000" dirty="0" smtClean="0"/>
+              <a:t> </a:t>
+            </a:r>
+            <a:r>
+              <a:rPr lang="en-US" sz="2000" dirty="0" err="1" smtClean="0"/>
+              <a:t>thành</a:t>
+            </a:r>
+            <a:r>
+              <a:rPr lang="en-US" sz="2000" dirty="0" smtClean="0"/>
+              <a:t> </a:t>
+            </a:r>
+            <a:r>
+              <a:rPr lang="en-US" sz="2000" dirty="0" err="1" smtClean="0"/>
+              <a:t>tốt</a:t>
+            </a:r>
+            <a:r>
+              <a:rPr lang="en-US" sz="2000" dirty="0" smtClean="0"/>
+              <a:t> </a:t>
+            </a:r>
+            <a:r>
+              <a:rPr lang="en-US" sz="2000" dirty="0" err="1" smtClean="0"/>
+              <a:t>các</a:t>
+            </a:r>
+            <a:r>
+              <a:rPr lang="en-US" sz="2000" dirty="0" smtClean="0"/>
+              <a:t> </a:t>
+            </a:r>
+            <a:r>
+              <a:rPr lang="en-US" sz="2000" dirty="0" err="1" smtClean="0"/>
+              <a:t>nhiệm</a:t>
+            </a:r>
+            <a:r>
+              <a:rPr lang="en-US" sz="2000" dirty="0" smtClean="0"/>
+              <a:t> </a:t>
+            </a:r>
+            <a:r>
+              <a:rPr lang="en-US" sz="2000" dirty="0" err="1" smtClean="0"/>
+              <a:t>vụ</a:t>
+            </a:r>
+            <a:r>
+              <a:rPr lang="en-US" sz="2000" dirty="0" smtClean="0"/>
+              <a:t> </a:t>
+            </a:r>
+            <a:r>
+              <a:rPr lang="en-US" sz="2000" dirty="0" err="1" smtClean="0"/>
+              <a:t>được</a:t>
+            </a:r>
+            <a:r>
+              <a:rPr lang="en-US" sz="2000" dirty="0" smtClean="0"/>
+              <a:t> </a:t>
+            </a:r>
+            <a:r>
+              <a:rPr lang="en-US" sz="2000" dirty="0" err="1" smtClean="0"/>
+              <a:t>giao</a:t>
+            </a:r>
+            <a:r>
+              <a:rPr lang="en-US" sz="2000" dirty="0" smtClean="0"/>
+              <a:t>.</a:t>
+            </a:r>
+          </a:p>
+          <a:p>
+            <a:pPr marL="171450" indent="-171450">
+              <a:lnSpc>
+                <a:spcPct val="150000"/>
+              </a:lnSpc>
+              <a:buBlip>
+                <a:blip r:embed="rId3"/>
+              </a:buBlip>
+            </a:pPr>
+            <a:r>
+              <a:rPr lang="en-US" sz="2000" dirty="0" smtClean="0"/>
+              <a:t> </a:t>
+            </a:r>
+            <a:r>
+              <a:rPr lang="en-US" sz="2000" dirty="0" err="1" smtClean="0"/>
+              <a:t>Lên</a:t>
+            </a:r>
+            <a:r>
+              <a:rPr lang="en-US" sz="2000" dirty="0" smtClean="0"/>
+              <a:t> level </a:t>
+            </a:r>
+            <a:r>
+              <a:rPr lang="en-US" sz="2000" dirty="0" err="1" smtClean="0"/>
+              <a:t>trong</a:t>
+            </a:r>
+            <a:r>
+              <a:rPr lang="en-US" sz="2000" dirty="0" smtClean="0"/>
+              <a:t> </a:t>
+            </a:r>
+            <a:r>
+              <a:rPr lang="en-US" sz="2000" dirty="0" err="1" smtClean="0"/>
+              <a:t>công</a:t>
+            </a:r>
+            <a:r>
+              <a:rPr lang="en-US" sz="2000" dirty="0" smtClean="0"/>
+              <a:t> </a:t>
+            </a:r>
+            <a:r>
+              <a:rPr lang="en-US" sz="2000" dirty="0" err="1" smtClean="0"/>
+              <a:t>việc</a:t>
+            </a:r>
+            <a:r>
+              <a:rPr lang="en-US" sz="2000" dirty="0" smtClean="0"/>
+              <a:t>.</a:t>
+            </a:r>
+          </a:p>
+          <a:p>
+            <a:pPr marL="171450" indent="-171450">
+              <a:lnSpc>
+                <a:spcPct val="150000"/>
+              </a:lnSpc>
+              <a:buBlip>
+                <a:blip r:embed="rId3"/>
+              </a:buBlip>
+            </a:pPr>
+            <a:r>
+              <a:rPr lang="en-US" sz="2000" dirty="0" smtClean="0"/>
+              <a:t> </a:t>
+            </a:r>
+            <a:r>
+              <a:rPr lang="en-US" sz="2000" dirty="0" err="1" smtClean="0"/>
+              <a:t>Trong</a:t>
+            </a:r>
+            <a:r>
+              <a:rPr lang="en-US" sz="2000" dirty="0" smtClean="0"/>
+              <a:t> </a:t>
+            </a:r>
+            <a:r>
+              <a:rPr lang="en-US" sz="2000" dirty="0" err="1"/>
+              <a:t>năm</a:t>
+            </a:r>
+            <a:r>
+              <a:rPr lang="en-US" sz="2000" dirty="0"/>
+              <a:t> 2020: </a:t>
+            </a:r>
+            <a:r>
+              <a:rPr lang="en-US" sz="2000" dirty="0" err="1"/>
+              <a:t>Đạt</a:t>
+            </a:r>
+            <a:r>
+              <a:rPr lang="en-US" sz="2000" dirty="0"/>
+              <a:t> </a:t>
+            </a:r>
+            <a:r>
+              <a:rPr lang="en-US" sz="2000" dirty="0" err="1"/>
+              <a:t>tiếng</a:t>
+            </a:r>
+            <a:r>
+              <a:rPr lang="en-US" sz="2000" dirty="0"/>
+              <a:t> </a:t>
+            </a:r>
+            <a:r>
+              <a:rPr lang="en-US" sz="2000" dirty="0" err="1"/>
+              <a:t>nhật</a:t>
+            </a:r>
+            <a:r>
+              <a:rPr lang="en-US" sz="2000" dirty="0"/>
+              <a:t> </a:t>
+            </a:r>
+            <a:r>
+              <a:rPr lang="en-US" sz="2000" dirty="0" err="1"/>
+              <a:t>tối</a:t>
+            </a:r>
+            <a:r>
+              <a:rPr lang="en-US" sz="2000" dirty="0"/>
+              <a:t> </a:t>
+            </a:r>
+            <a:r>
+              <a:rPr lang="en-US" sz="2000" dirty="0" err="1"/>
+              <a:t>thiểu</a:t>
+            </a:r>
+            <a:r>
+              <a:rPr lang="en-US" sz="2000" dirty="0"/>
+              <a:t> N5</a:t>
+            </a:r>
+          </a:p>
+          <a:p>
+            <a:pPr marL="171450" indent="-171450">
+              <a:buBlip>
+                <a:blip r:embed="rId3"/>
+              </a:buBlip>
+            </a:pPr>
+            <a:endParaRPr lang="en-US" dirty="0" smtClean="0">
               <a:solidFill>
-                <a:schemeClr val="bg1"/>
+                <a:srgbClr val="FF0000"/>
               </a:solidFill>
             </a:endParaRPr>
+          </a:p>
+        </p:txBody>
+      </p:sp>
+      <p:sp>
+        <p:nvSpPr>
+          <p:cNvPr id="9" name="Oval 8"/>
+          <p:cNvSpPr/>
+          <p:nvPr/>
+        </p:nvSpPr>
+        <p:spPr bwMode="auto">
+          <a:xfrm>
+            <a:off x="3779890" y="2348850"/>
+            <a:ext cx="771009" cy="1446776"/>
+          </a:xfrm>
+          <a:prstGeom prst="ellipse">
+            <a:avLst/>
+          </a:prstGeom>
+          <a:noFill/>
+          <a:ln w="19050" cap="flat" cmpd="sng" algn="ctr">
+            <a:solidFill>
+              <a:srgbClr val="FF0000"/>
+            </a:solidFill>
+            <a:prstDash val="solid"/>
+            <a:round/>
+            <a:headEnd type="none" w="med" len="med"/>
+            <a:tailEnd type="none" w="med" len="med"/>
+          </a:ln>
+          <a:effectLst/>
+          <a:extLst>
+            <a:ext uri="{909E8E84-426E-40DD-AFC4-6F175D3DCCD1}">
+              <a14:hiddenFill xmlns:a14="http://schemas.microsoft.com/office/drawing/2010/main">
+                <a:solidFill>
+                  <a:srgbClr val="6699FF"/>
+                </a:solidFill>
+              </a14:hiddenFill>
+            </a:ext>
+            <a:ext uri="{AF507438-7753-43E0-B8FC-AC1667EBCBE1}">
+              <a14:hiddenEffects xmlns:a14="http://schemas.microsoft.com/office/drawing/2010/main">
+                <a:effectLst>
+                  <a:outerShdw dist="35921" dir="2700000" algn="ctr" rotWithShape="0">
+                    <a:schemeClr val="bg2"/>
+                  </a:outerShdw>
+                </a:effectLst>
+              </a14:hiddenEffects>
+            </a:ext>
+          </a:extLst>
+        </p:spPr>
+        <p:txBody>
+          <a:bodyPr vert="horz" wrap="square" lIns="90000" tIns="46800" rIns="90000" bIns="46800" numCol="1" rtlCol="0" anchor="t" anchorCtr="0" compatLnSpc="1">
+            <a:prstTxWarp prst="textNoShape">
+              <a:avLst/>
+            </a:prstTxWarp>
+            <a:noAutofit/>
+          </a:bodyPr>
+          <a:lstStyle/>
+          <a:p>
+            <a:pPr algn="ctr"/>
+            <a:endParaRPr lang="en-US" sz="2800"/>
           </a:p>
         </p:txBody>
       </p:sp>
@@ -7487,6 +10391,703 @@
     <p:extLst>
       <p:ext uri="{BB962C8B-B14F-4D97-AF65-F5344CB8AC3E}">
         <p14:creationId xmlns:p14="http://schemas.microsoft.com/office/powerpoint/2010/main" val="3942663655"/>
+      </p:ext>
+    </p:extLst>
+  </p:cSld>
+  <p:clrMapOvr>
+    <a:masterClrMapping/>
+  </p:clrMapOvr>
+  <p:timing>
+    <p:tnLst>
+      <p:par>
+        <p:cTn id="1" dur="indefinite" restart="never" nodeType="tmRoot">
+          <p:childTnLst>
+            <p:seq concurrent="1" nextAc="seek">
+              <p:cTn id="2" dur="indefinite" nodeType="mainSeq">
+                <p:childTnLst>
+                  <p:par>
+                    <p:cTn id="3" fill="hold">
+                      <p:stCondLst>
+                        <p:cond delay="indefinite"/>
+                      </p:stCondLst>
+                      <p:childTnLst>
+                        <p:par>
+                          <p:cTn id="4" fill="hold">
+                            <p:stCondLst>
+                              <p:cond delay="0"/>
+                            </p:stCondLst>
+                            <p:childTnLst>
+                              <p:par>
+                                <p:cTn id="5" presetID="21" presetClass="entr" presetSubtype="1" fill="hold" nodeType="clickEffect">
+                                  <p:stCondLst>
+                                    <p:cond delay="0"/>
+                                  </p:stCondLst>
+                                  <p:childTnLst>
+                                    <p:set>
+                                      <p:cBhvr>
+                                        <p:cTn id="6" dur="1" fill="hold">
+                                          <p:stCondLst>
+                                            <p:cond delay="0"/>
+                                          </p:stCondLst>
+                                        </p:cTn>
+                                        <p:tgtEl>
+                                          <p:spTgt spid="12"/>
+                                        </p:tgtEl>
+                                        <p:attrNameLst>
+                                          <p:attrName>style.visibility</p:attrName>
+                                        </p:attrNameLst>
+                                      </p:cBhvr>
+                                      <p:to>
+                                        <p:strVal val="visible"/>
+                                      </p:to>
+                                    </p:set>
+                                    <p:animEffect transition="in" filter="wheel(1)">
+                                      <p:cBhvr>
+                                        <p:cTn id="7" dur="2000"/>
+                                        <p:tgtEl>
+                                          <p:spTgt spid="12"/>
+                                        </p:tgtEl>
+                                      </p:cBhvr>
+                                    </p:animEffect>
+                                  </p:childTnLst>
+                                </p:cTn>
+                              </p:par>
+                            </p:childTnLst>
+                          </p:cTn>
+                        </p:par>
+                      </p:childTnLst>
+                    </p:cTn>
+                  </p:par>
+                  <p:par>
+                    <p:cTn id="8" fill="hold">
+                      <p:stCondLst>
+                        <p:cond delay="indefinite"/>
+                      </p:stCondLst>
+                      <p:childTnLst>
+                        <p:par>
+                          <p:cTn id="9" fill="hold">
+                            <p:stCondLst>
+                              <p:cond delay="0"/>
+                            </p:stCondLst>
+                            <p:childTnLst>
+                              <p:par>
+                                <p:cTn id="10" presetID="22" presetClass="entr" presetSubtype="4" fill="hold" grpId="0" nodeType="clickEffect">
+                                  <p:stCondLst>
+                                    <p:cond delay="0"/>
+                                  </p:stCondLst>
+                                  <p:childTnLst>
+                                    <p:set>
+                                      <p:cBhvr>
+                                        <p:cTn id="11" dur="1" fill="hold">
+                                          <p:stCondLst>
+                                            <p:cond delay="0"/>
+                                          </p:stCondLst>
+                                        </p:cTn>
+                                        <p:tgtEl>
+                                          <p:spTgt spid="13"/>
+                                        </p:tgtEl>
+                                        <p:attrNameLst>
+                                          <p:attrName>style.visibility</p:attrName>
+                                        </p:attrNameLst>
+                                      </p:cBhvr>
+                                      <p:to>
+                                        <p:strVal val="visible"/>
+                                      </p:to>
+                                    </p:set>
+                                    <p:animEffect transition="in" filter="wipe(down)">
+                                      <p:cBhvr>
+                                        <p:cTn id="12" dur="500"/>
+                                        <p:tgtEl>
+                                          <p:spTgt spid="13"/>
+                                        </p:tgtEl>
+                                      </p:cBhvr>
+                                    </p:animEffect>
+                                  </p:childTnLst>
+                                </p:cTn>
+                              </p:par>
+                              <p:par>
+                                <p:cTn id="13" presetID="22" presetClass="entr" presetSubtype="4" fill="hold" grpId="0" nodeType="withEffect">
+                                  <p:stCondLst>
+                                    <p:cond delay="0"/>
+                                  </p:stCondLst>
+                                  <p:childTnLst>
+                                    <p:set>
+                                      <p:cBhvr>
+                                        <p:cTn id="14" dur="1" fill="hold">
+                                          <p:stCondLst>
+                                            <p:cond delay="0"/>
+                                          </p:stCondLst>
+                                        </p:cTn>
+                                        <p:tgtEl>
+                                          <p:spTgt spid="14"/>
+                                        </p:tgtEl>
+                                        <p:attrNameLst>
+                                          <p:attrName>style.visibility</p:attrName>
+                                        </p:attrNameLst>
+                                      </p:cBhvr>
+                                      <p:to>
+                                        <p:strVal val="visible"/>
+                                      </p:to>
+                                    </p:set>
+                                    <p:animEffect transition="in" filter="wipe(down)">
+                                      <p:cBhvr>
+                                        <p:cTn id="15" dur="500"/>
+                                        <p:tgtEl>
+                                          <p:spTgt spid="14"/>
+                                        </p:tgtEl>
+                                      </p:cBhvr>
+                                    </p:animEffect>
+                                  </p:childTnLst>
+                                </p:cTn>
+                              </p:par>
+                            </p:childTnLst>
+                          </p:cTn>
+                        </p:par>
+                      </p:childTnLst>
+                    </p:cTn>
+                  </p:par>
+                  <p:par>
+                    <p:cTn id="16" fill="hold">
+                      <p:stCondLst>
+                        <p:cond delay="indefinite"/>
+                      </p:stCondLst>
+                      <p:childTnLst>
+                        <p:par>
+                          <p:cTn id="17" fill="hold">
+                            <p:stCondLst>
+                              <p:cond delay="0"/>
+                            </p:stCondLst>
+                            <p:childTnLst>
+                              <p:par>
+                                <p:cTn id="18" presetID="10" presetClass="entr" presetSubtype="0" fill="hold" nodeType="clickEffect">
+                                  <p:stCondLst>
+                                    <p:cond delay="0"/>
+                                  </p:stCondLst>
+                                  <p:childTnLst>
+                                    <p:set>
+                                      <p:cBhvr>
+                                        <p:cTn id="19" dur="1" fill="hold">
+                                          <p:stCondLst>
+                                            <p:cond delay="0"/>
+                                          </p:stCondLst>
+                                        </p:cTn>
+                                        <p:tgtEl>
+                                          <p:spTgt spid="3">
+                                            <p:txEl>
+                                              <p:pRg st="0" end="0"/>
+                                            </p:txEl>
+                                          </p:spTgt>
+                                        </p:tgtEl>
+                                        <p:attrNameLst>
+                                          <p:attrName>style.visibility</p:attrName>
+                                        </p:attrNameLst>
+                                      </p:cBhvr>
+                                      <p:to>
+                                        <p:strVal val="visible"/>
+                                      </p:to>
+                                    </p:set>
+                                    <p:animEffect transition="in" filter="fade">
+                                      <p:cBhvr>
+                                        <p:cTn id="20" dur="500"/>
+                                        <p:tgtEl>
+                                          <p:spTgt spid="3">
+                                            <p:txEl>
+                                              <p:pRg st="0" end="0"/>
+                                            </p:txEl>
+                                          </p:spTgt>
+                                        </p:tgtEl>
+                                      </p:cBhvr>
+                                    </p:animEffect>
+                                  </p:childTnLst>
+                                </p:cTn>
+                              </p:par>
+                            </p:childTnLst>
+                          </p:cTn>
+                        </p:par>
+                      </p:childTnLst>
+                    </p:cTn>
+                  </p:par>
+                  <p:par>
+                    <p:cTn id="21" fill="hold">
+                      <p:stCondLst>
+                        <p:cond delay="indefinite"/>
+                      </p:stCondLst>
+                      <p:childTnLst>
+                        <p:par>
+                          <p:cTn id="22" fill="hold">
+                            <p:stCondLst>
+                              <p:cond delay="0"/>
+                            </p:stCondLst>
+                            <p:childTnLst>
+                              <p:par>
+                                <p:cTn id="23" presetID="10" presetClass="entr" presetSubtype="0" fill="hold" nodeType="clickEffect">
+                                  <p:stCondLst>
+                                    <p:cond delay="0"/>
+                                  </p:stCondLst>
+                                  <p:childTnLst>
+                                    <p:set>
+                                      <p:cBhvr>
+                                        <p:cTn id="24" dur="1" fill="hold">
+                                          <p:stCondLst>
+                                            <p:cond delay="0"/>
+                                          </p:stCondLst>
+                                        </p:cTn>
+                                        <p:tgtEl>
+                                          <p:spTgt spid="3">
+                                            <p:txEl>
+                                              <p:pRg st="1" end="1"/>
+                                            </p:txEl>
+                                          </p:spTgt>
+                                        </p:tgtEl>
+                                        <p:attrNameLst>
+                                          <p:attrName>style.visibility</p:attrName>
+                                        </p:attrNameLst>
+                                      </p:cBhvr>
+                                      <p:to>
+                                        <p:strVal val="visible"/>
+                                      </p:to>
+                                    </p:set>
+                                    <p:animEffect transition="in" filter="fade">
+                                      <p:cBhvr>
+                                        <p:cTn id="25" dur="500"/>
+                                        <p:tgtEl>
+                                          <p:spTgt spid="3">
+                                            <p:txEl>
+                                              <p:pRg st="1" end="1"/>
+                                            </p:txEl>
+                                          </p:spTgt>
+                                        </p:tgtEl>
+                                      </p:cBhvr>
+                                    </p:animEffect>
+                                  </p:childTnLst>
+                                </p:cTn>
+                              </p:par>
+                            </p:childTnLst>
+                          </p:cTn>
+                        </p:par>
+                      </p:childTnLst>
+                    </p:cTn>
+                  </p:par>
+                  <p:par>
+                    <p:cTn id="26" fill="hold">
+                      <p:stCondLst>
+                        <p:cond delay="indefinite"/>
+                      </p:stCondLst>
+                      <p:childTnLst>
+                        <p:par>
+                          <p:cTn id="27" fill="hold">
+                            <p:stCondLst>
+                              <p:cond delay="0"/>
+                            </p:stCondLst>
+                            <p:childTnLst>
+                              <p:par>
+                                <p:cTn id="28" presetID="10" presetClass="entr" presetSubtype="0" fill="hold" nodeType="clickEffect">
+                                  <p:stCondLst>
+                                    <p:cond delay="0"/>
+                                  </p:stCondLst>
+                                  <p:childTnLst>
+                                    <p:set>
+                                      <p:cBhvr>
+                                        <p:cTn id="29" dur="1" fill="hold">
+                                          <p:stCondLst>
+                                            <p:cond delay="0"/>
+                                          </p:stCondLst>
+                                        </p:cTn>
+                                        <p:tgtEl>
+                                          <p:spTgt spid="3">
+                                            <p:txEl>
+                                              <p:pRg st="2" end="2"/>
+                                            </p:txEl>
+                                          </p:spTgt>
+                                        </p:tgtEl>
+                                        <p:attrNameLst>
+                                          <p:attrName>style.visibility</p:attrName>
+                                        </p:attrNameLst>
+                                      </p:cBhvr>
+                                      <p:to>
+                                        <p:strVal val="visible"/>
+                                      </p:to>
+                                    </p:set>
+                                    <p:animEffect transition="in" filter="fade">
+                                      <p:cBhvr>
+                                        <p:cTn id="30" dur="500"/>
+                                        <p:tgtEl>
+                                          <p:spTgt spid="3">
+                                            <p:txEl>
+                                              <p:pRg st="2" end="2"/>
+                                            </p:txEl>
+                                          </p:spTgt>
+                                        </p:tgtEl>
+                                      </p:cBhvr>
+                                    </p:animEffect>
+                                  </p:childTnLst>
+                                </p:cTn>
+                              </p:par>
+                            </p:childTnLst>
+                          </p:cTn>
+                        </p:par>
+                      </p:childTnLst>
+                    </p:cTn>
+                  </p:par>
+                  <p:par>
+                    <p:cTn id="31" fill="hold">
+                      <p:stCondLst>
+                        <p:cond delay="indefinite"/>
+                      </p:stCondLst>
+                      <p:childTnLst>
+                        <p:par>
+                          <p:cTn id="32" fill="hold">
+                            <p:stCondLst>
+                              <p:cond delay="0"/>
+                            </p:stCondLst>
+                            <p:childTnLst>
+                              <p:par>
+                                <p:cTn id="33" presetID="10" presetClass="entr" presetSubtype="0" fill="hold" nodeType="clickEffect">
+                                  <p:stCondLst>
+                                    <p:cond delay="0"/>
+                                  </p:stCondLst>
+                                  <p:childTnLst>
+                                    <p:set>
+                                      <p:cBhvr>
+                                        <p:cTn id="34" dur="1" fill="hold">
+                                          <p:stCondLst>
+                                            <p:cond delay="0"/>
+                                          </p:stCondLst>
+                                        </p:cTn>
+                                        <p:tgtEl>
+                                          <p:spTgt spid="3">
+                                            <p:txEl>
+                                              <p:pRg st="3" end="3"/>
+                                            </p:txEl>
+                                          </p:spTgt>
+                                        </p:tgtEl>
+                                        <p:attrNameLst>
+                                          <p:attrName>style.visibility</p:attrName>
+                                        </p:attrNameLst>
+                                      </p:cBhvr>
+                                      <p:to>
+                                        <p:strVal val="visible"/>
+                                      </p:to>
+                                    </p:set>
+                                    <p:animEffect transition="in" filter="fade">
+                                      <p:cBhvr>
+                                        <p:cTn id="35" dur="500"/>
+                                        <p:tgtEl>
+                                          <p:spTgt spid="3">
+                                            <p:txEl>
+                                              <p:pRg st="3" end="3"/>
+                                            </p:txEl>
+                                          </p:spTgt>
+                                        </p:tgtEl>
+                                      </p:cBhvr>
+                                    </p:animEffect>
+                                  </p:childTnLst>
+                                </p:cTn>
+                              </p:par>
+                            </p:childTnLst>
+                          </p:cTn>
+                        </p:par>
+                      </p:childTnLst>
+                    </p:cTn>
+                  </p:par>
+                  <p:par>
+                    <p:cTn id="36" fill="hold">
+                      <p:stCondLst>
+                        <p:cond delay="indefinite"/>
+                      </p:stCondLst>
+                      <p:childTnLst>
+                        <p:par>
+                          <p:cTn id="37" fill="hold">
+                            <p:stCondLst>
+                              <p:cond delay="0"/>
+                            </p:stCondLst>
+                            <p:childTnLst>
+                              <p:par>
+                                <p:cTn id="38" presetID="22" presetClass="exit" presetSubtype="4" fill="hold" grpId="1" nodeType="clickEffect">
+                                  <p:stCondLst>
+                                    <p:cond delay="0"/>
+                                  </p:stCondLst>
+                                  <p:childTnLst>
+                                    <p:animEffect transition="out" filter="wipe(down)">
+                                      <p:cBhvr>
+                                        <p:cTn id="39" dur="500"/>
+                                        <p:tgtEl>
+                                          <p:spTgt spid="13"/>
+                                        </p:tgtEl>
+                                      </p:cBhvr>
+                                    </p:animEffect>
+                                    <p:set>
+                                      <p:cBhvr>
+                                        <p:cTn id="40" dur="1" fill="hold">
+                                          <p:stCondLst>
+                                            <p:cond delay="499"/>
+                                          </p:stCondLst>
+                                        </p:cTn>
+                                        <p:tgtEl>
+                                          <p:spTgt spid="13"/>
+                                        </p:tgtEl>
+                                        <p:attrNameLst>
+                                          <p:attrName>style.visibility</p:attrName>
+                                        </p:attrNameLst>
+                                      </p:cBhvr>
+                                      <p:to>
+                                        <p:strVal val="hidden"/>
+                                      </p:to>
+                                    </p:set>
+                                  </p:childTnLst>
+                                </p:cTn>
+                              </p:par>
+                              <p:par>
+                                <p:cTn id="41" presetID="22" presetClass="exit" presetSubtype="4" fill="hold" grpId="1" nodeType="withEffect">
+                                  <p:stCondLst>
+                                    <p:cond delay="0"/>
+                                  </p:stCondLst>
+                                  <p:childTnLst>
+                                    <p:animEffect transition="out" filter="wipe(down)">
+                                      <p:cBhvr>
+                                        <p:cTn id="42" dur="500"/>
+                                        <p:tgtEl>
+                                          <p:spTgt spid="14"/>
+                                        </p:tgtEl>
+                                      </p:cBhvr>
+                                    </p:animEffect>
+                                    <p:set>
+                                      <p:cBhvr>
+                                        <p:cTn id="43" dur="1" fill="hold">
+                                          <p:stCondLst>
+                                            <p:cond delay="499"/>
+                                          </p:stCondLst>
+                                        </p:cTn>
+                                        <p:tgtEl>
+                                          <p:spTgt spid="14"/>
+                                        </p:tgtEl>
+                                        <p:attrNameLst>
+                                          <p:attrName>style.visibility</p:attrName>
+                                        </p:attrNameLst>
+                                      </p:cBhvr>
+                                      <p:to>
+                                        <p:strVal val="hidden"/>
+                                      </p:to>
+                                    </p:set>
+                                  </p:childTnLst>
+                                </p:cTn>
+                              </p:par>
+                            </p:childTnLst>
+                          </p:cTn>
+                        </p:par>
+                      </p:childTnLst>
+                    </p:cTn>
+                  </p:par>
+                  <p:par>
+                    <p:cTn id="44" fill="hold">
+                      <p:stCondLst>
+                        <p:cond delay="indefinite"/>
+                      </p:stCondLst>
+                      <p:childTnLst>
+                        <p:par>
+                          <p:cTn id="45" fill="hold">
+                            <p:stCondLst>
+                              <p:cond delay="0"/>
+                            </p:stCondLst>
+                            <p:childTnLst>
+                              <p:par>
+                                <p:cTn id="46" presetID="22" presetClass="entr" presetSubtype="4" fill="hold" grpId="0" nodeType="clickEffect">
+                                  <p:stCondLst>
+                                    <p:cond delay="0"/>
+                                  </p:stCondLst>
+                                  <p:childTnLst>
+                                    <p:set>
+                                      <p:cBhvr>
+                                        <p:cTn id="47" dur="1" fill="hold">
+                                          <p:stCondLst>
+                                            <p:cond delay="0"/>
+                                          </p:stCondLst>
+                                        </p:cTn>
+                                        <p:tgtEl>
+                                          <p:spTgt spid="9"/>
+                                        </p:tgtEl>
+                                        <p:attrNameLst>
+                                          <p:attrName>style.visibility</p:attrName>
+                                        </p:attrNameLst>
+                                      </p:cBhvr>
+                                      <p:to>
+                                        <p:strVal val="visible"/>
+                                      </p:to>
+                                    </p:set>
+                                    <p:animEffect transition="in" filter="wipe(down)">
+                                      <p:cBhvr>
+                                        <p:cTn id="48" dur="500"/>
+                                        <p:tgtEl>
+                                          <p:spTgt spid="9"/>
+                                        </p:tgtEl>
+                                      </p:cBhvr>
+                                    </p:animEffect>
+                                  </p:childTnLst>
+                                </p:cTn>
+                              </p:par>
+                            </p:childTnLst>
+                          </p:cTn>
+                        </p:par>
+                      </p:childTnLst>
+                    </p:cTn>
+                  </p:par>
+                </p:childTnLst>
+              </p:cTn>
+              <p:prevCondLst>
+                <p:cond evt="onPrev" delay="0">
+                  <p:tgtEl>
+                    <p:sldTgt/>
+                  </p:tgtEl>
+                </p:cond>
+              </p:prevCondLst>
+              <p:nextCondLst>
+                <p:cond evt="onNext" delay="0">
+                  <p:tgtEl>
+                    <p:sldTgt/>
+                  </p:tgtEl>
+                </p:cond>
+              </p:nextCondLst>
+            </p:seq>
+          </p:childTnLst>
+        </p:cTn>
+      </p:par>
+    </p:tnLst>
+    <p:bldLst>
+      <p:bldP spid="13" grpId="0" animBg="1"/>
+      <p:bldP spid="13" grpId="1" animBg="1"/>
+      <p:bldP spid="14" grpId="0"/>
+      <p:bldP spid="14" grpId="1"/>
+      <p:bldP spid="9" grpId="0" animBg="1"/>
+    </p:bldLst>
+  </p:timing>
+</p:sld>
+</file>
+
+<file path=ppt/slides/slide8.xml><?xml version="1.0" encoding="utf-8"?>
+<p:sld xmlns:a="http://schemas.openxmlformats.org/drawingml/2006/main" xmlns:r="http://schemas.openxmlformats.org/officeDocument/2006/relationships" xmlns:p="http://schemas.openxmlformats.org/presentationml/2006/main">
+  <p:cSld>
+    <p:bg>
+      <p:bgPr>
+        <a:gradFill flip="none" rotWithShape="1">
+          <a:gsLst>
+            <a:gs pos="1000">
+              <a:schemeClr val="bg1"/>
+            </a:gs>
+            <a:gs pos="97000">
+              <a:schemeClr val="accent5">
+                <a:lumMod val="20000"/>
+                <a:lumOff val="80000"/>
+              </a:schemeClr>
+            </a:gs>
+            <a:gs pos="69000">
+              <a:schemeClr val="accent5">
+                <a:lumMod val="75000"/>
+              </a:schemeClr>
+            </a:gs>
+            <a:gs pos="28000">
+              <a:schemeClr val="accent5">
+                <a:lumMod val="75000"/>
+              </a:schemeClr>
+            </a:gs>
+          </a:gsLst>
+          <a:lin ang="5400000" scaled="1"/>
+          <a:tileRect/>
+        </a:gradFill>
+        <a:effectLst/>
+      </p:bgPr>
+    </p:bg>
+    <p:spTree>
+      <p:nvGrpSpPr>
+        <p:cNvPr id="1" name=""/>
+        <p:cNvGrpSpPr/>
+        <p:nvPr/>
+      </p:nvGrpSpPr>
+      <p:grpSpPr>
+        <a:xfrm>
+          <a:off x="0" y="0"/>
+          <a:ext cx="0" cy="0"/>
+          <a:chOff x="0" y="0"/>
+          <a:chExt cx="0" cy="0"/>
+        </a:xfrm>
+      </p:grpSpPr>
+      <p:sp>
+        <p:nvSpPr>
+          <p:cNvPr id="2" name="Title 1"/>
+          <p:cNvSpPr>
+            <a:spLocks noGrp="1"/>
+          </p:cNvSpPr>
+          <p:nvPr>
+            <p:ph type="title"/>
+          </p:nvPr>
+        </p:nvSpPr>
+        <p:spPr/>
+        <p:txBody>
+          <a:bodyPr/>
+          <a:lstStyle/>
+          <a:p>
+            <a:endParaRPr lang="en-US"/>
+          </a:p>
+        </p:txBody>
+      </p:sp>
+      <p:pic>
+        <p:nvPicPr>
+          <p:cNvPr id="6" name="Content Placeholder 5"/>
+          <p:cNvPicPr>
+            <a:picLocks noGrp="1" noChangeAspect="1"/>
+          </p:cNvPicPr>
+          <p:nvPr>
+            <p:ph idx="1"/>
+          </p:nvPr>
+        </p:nvPicPr>
+        <p:blipFill>
+          <a:blip r:embed="rId2"/>
+          <a:stretch>
+            <a:fillRect/>
+          </a:stretch>
+        </p:blipFill>
+        <p:spPr>
+          <a:xfrm>
+            <a:off x="71438" y="2037379"/>
+            <a:ext cx="9005887" cy="3010255"/>
+          </a:xfrm>
+          <a:prstGeom prst="rect">
+            <a:avLst/>
+          </a:prstGeom>
+        </p:spPr>
+      </p:pic>
+      <p:sp>
+        <p:nvSpPr>
+          <p:cNvPr id="4" name="Slide Number Placeholder 3"/>
+          <p:cNvSpPr>
+            <a:spLocks noGrp="1"/>
+          </p:cNvSpPr>
+          <p:nvPr>
+            <p:ph type="sldNum" sz="quarter" idx="10"/>
+          </p:nvPr>
+        </p:nvSpPr>
+        <p:spPr/>
+        <p:txBody>
+          <a:bodyPr/>
+          <a:lstStyle/>
+          <a:p>
+            <a:pPr>
+              <a:defRPr/>
+            </a:pPr>
+            <a:fld id="{DF7D7A9D-6521-4C9C-B98B-0A8DAB95E158}" type="slidenum">
+              <a:rPr lang="en-US" altLang="ja-JP" smtClean="0"/>
+              <a:pPr>
+                <a:defRPr/>
+              </a:pPr>
+              <a:t>7</a:t>
+            </a:fld>
+            <a:endParaRPr lang="en-US" altLang="ja-JP"/>
+          </a:p>
+        </p:txBody>
+      </p:sp>
+    </p:spTree>
+    <p:extLst>
+      <p:ext uri="{BB962C8B-B14F-4D97-AF65-F5344CB8AC3E}">
+        <p14:creationId xmlns:p14="http://schemas.microsoft.com/office/powerpoint/2010/main" val="1092562691"/>
       </p:ext>
     </p:extLst>
   </p:cSld>
